--- a/license-master.pptx
+++ b/license-master.pptx
@@ -255,7 +255,7 @@
           <a:p>
             <a:fld id="{0B842F42-2CE9-4E35-95C1-410DC08A50B1}" type="datetimeFigureOut">
               <a:rPr lang="en-US" smtClean="0"/>
-              <a:t>2/29/2020</a:t>
+              <a:t>7/25/2020</a:t>
             </a:fld>
             <a:endParaRPr lang="en-US"/>
           </a:p>
@@ -420,7 +420,7 @@
           <a:p>
             <a:fld id="{6F282904-F315-4730-8D91-37D99E141A6F}" type="datetimeFigureOut">
               <a:rPr lang="en-US" smtClean="0"/>
-              <a:t>2/29/2020</a:t>
+              <a:t>7/25/2020</a:t>
             </a:fld>
             <a:endParaRPr lang="en-US"/>
           </a:p>
@@ -3596,23 +3596,23 @@
               </a:spcBef>
             </a:pPr>
             <a:r>
-              <a:rPr lang="en-US" sz="1800" dirty="0"/>
+              <a:rPr lang="en-US" sz="1600" dirty="0"/>
               <a:t>This work is licensed under a </a:t>
             </a:r>
             <a:r>
-              <a:rPr lang="en-US" sz="1800" dirty="0">
+              <a:rPr lang="en-US" sz="1600" dirty="0">
                 <a:hlinkClick r:id="rId2"/>
               </a:rPr>
               <a:t>Creative</a:t>
             </a:r>
             <a:r>
-              <a:rPr lang="en-US" sz="1800" dirty="0">
+              <a:rPr lang="en-US" sz="1600" dirty="0">
                 <a:hlinkClick r:id="rId3"/>
               </a:rPr>
               <a:t> Commons Attribution 4.0 International License</a:t>
             </a:r>
             <a:r>
-              <a:rPr lang="en-US" sz="1800" dirty="0"/>
+              <a:rPr lang="en-US" sz="1600" dirty="0"/>
               <a:t> (CC BY 4.0).</a:t>
             </a:r>
           </a:p>
@@ -3623,24 +3623,24 @@
               </a:spcBef>
             </a:pPr>
             <a:r>
-              <a:rPr lang="en-US" sz="1800" b="1" dirty="0"/>
-              <a:t>The requested citation the overall tutorial is: David E. Bernholdt, Better Scientific Software tutorial, in RF </a:t>
-            </a:r>
-            <a:r>
-              <a:rPr lang="en-US" sz="1800" b="1" dirty="0" err="1"/>
-              <a:t>SciDAC</a:t>
-            </a:r>
-            <a:r>
-              <a:rPr lang="en-US" sz="1800" b="1" dirty="0"/>
-              <a:t> 2020 Workshop, Knoxville, Tennessee. DOI: </a:t>
-            </a:r>
-            <a:r>
-              <a:rPr lang="en-US" sz="1800" b="1" dirty="0">
+              <a:rPr lang="en-US" sz="1600" b="1" dirty="0"/>
+              <a:t>The requested citation the overall tutorial is: David E. Bernholdt, Anshu Dubey, Mark C. Miller, Katherine M. Riley, and James M. </a:t>
+            </a:r>
+            <a:r>
+              <a:rPr lang="en-US" sz="1600" b="1" dirty="0" err="1"/>
+              <a:t>Willenbring</a:t>
+            </a:r>
+            <a:r>
+              <a:rPr lang="en-US" sz="1600" b="1" dirty="0"/>
+              <a:t>, Software Productivity Track, in Argonne Training Program for Extreme Scale Computing (ATPESC), online. DOI: </a:t>
+            </a:r>
+            <a:r>
+              <a:rPr lang="en-US" sz="1600" b="1" dirty="0">
                 <a:hlinkClick r:id="rId4"/>
               </a:rPr>
-              <a:t>10.6084/m9.figshare.11918397</a:t>
-            </a:r>
-            <a:endParaRPr lang="en-US" sz="1800" b="1" dirty="0"/>
+              <a:t>10.6084/m9.figshare.12719834</a:t>
+            </a:r>
+            <a:endParaRPr lang="en-US" sz="1600" b="1" dirty="0"/>
           </a:p>
           <a:p>
             <a:pPr>
@@ -3649,16 +3649,16 @@
               </a:spcBef>
             </a:pPr>
             <a:r>
-              <a:rPr lang="en-US" sz="1800" dirty="0"/>
+              <a:rPr lang="en-US" sz="1600" dirty="0"/>
               <a:t>Individual modules may be cited as </a:t>
             </a:r>
             <a:r>
-              <a:rPr lang="en-US" sz="1800" i="1" dirty="0"/>
+              <a:rPr lang="en-US" sz="1600" i="1" dirty="0"/>
               <a:t>Speaker, Module Title</a:t>
             </a:r>
             <a:r>
-              <a:rPr lang="en-US" sz="1800" dirty="0"/>
-              <a:t>, in Better Scientific Software Tutorial…</a:t>
+              <a:rPr lang="en-US" sz="1600" dirty="0"/>
+              <a:t>, in Software Productivity Track…</a:t>
             </a:r>
           </a:p>
           <a:p>
@@ -3673,12 +3673,12 @@
           <a:p>
             <a:pPr>
               <a:spcBef>
-                <a:spcPts val="0"/>
+                <a:spcPts val="400"/>
               </a:spcBef>
             </a:pPr>
             <a:r>
               <a:rPr lang="en-US" sz="1600" dirty="0"/>
-              <a:t>Additional contributors to this this tutorial include: Anshu Dubey, Mike </a:t>
+              <a:t>Additional contributors include: Patricia Grubel, Rinku Gupta, Mike </a:t>
             </a:r>
             <a:r>
               <a:rPr lang="en-US" sz="1600" dirty="0" err="1"/>
@@ -3694,18 +3694,13 @@
             </a:r>
             <a:r>
               <a:rPr lang="en-US" sz="1600" dirty="0"/>
-              <a:t>, Jared O’Neal, and Katherine Riley, James M. </a:t>
-            </a:r>
-            <a:r>
-              <a:rPr lang="en-US" sz="1600" dirty="0" err="1"/>
-              <a:t>Willenbring</a:t>
-            </a:r>
-            <a:endParaRPr lang="en-US" sz="1600" dirty="0"/>
+              <a:t>, Jared O’Neal, David Rogers</a:t>
+            </a:r>
           </a:p>
           <a:p>
             <a:pPr>
               <a:spcBef>
-                <a:spcPts val="600"/>
+                <a:spcPts val="400"/>
               </a:spcBef>
             </a:pPr>
             <a:r>
@@ -3729,20 +3724,12 @@
           <a:p>
             <a:pPr>
               <a:spcBef>
-                <a:spcPts val="600"/>
+                <a:spcPts val="400"/>
               </a:spcBef>
             </a:pPr>
             <a:r>
               <a:rPr lang="en-US" sz="1600" dirty="0"/>
-              <a:t>This work was performed in part at the Argonne National Laboratory, which is managed </a:t>
-            </a:r>
-            <a:r>
-              <a:rPr lang="en-US" sz="1600" dirty="0" err="1"/>
-              <a:t>managed</a:t>
-            </a:r>
-            <a:r>
-              <a:rPr lang="en-US" sz="1600" dirty="0"/>
-              <a:t> by </a:t>
+              <a:t>This work was performed in part at the Argonne National Laboratory, which is managed by </a:t>
             </a:r>
             <a:r>
               <a:rPr lang="en-US" sz="1600" dirty="0" err="1"/>
@@ -3756,7 +3743,7 @@
           <a:p>
             <a:pPr>
               <a:spcBef>
-                <a:spcPts val="600"/>
+                <a:spcPts val="400"/>
               </a:spcBef>
             </a:pPr>
             <a:r>
@@ -3767,12 +3754,23 @@
           <a:p>
             <a:pPr>
               <a:spcBef>
-                <a:spcPts val="600"/>
+                <a:spcPts val="400"/>
               </a:spcBef>
             </a:pPr>
             <a:r>
               <a:rPr lang="en-US" sz="1600" dirty="0"/>
-              <a:t>This work was performed in part at Sandia National Laboratories. Sandia National Laboratories is a multi-mission laboratory managed and operated by National Technology and Engineering Solutions of Sandia, LLC., a wholly owned subsidiary of Honeywell International, Inc., for the U.S. Department of Energy’s National Nuclear Security Administration under contract DE-NA0003525. SAND NO SAND2017-5474 PE</a:t>
+              <a:t>This work was performed in part at the Lawrence Livermore National Laboratory, which is managed by Lawrence Livermore National Security, LLC for the U.S. Department of Energy under Contract No. DE-AC52-07NA27344.</a:t>
+            </a:r>
+          </a:p>
+          <a:p>
+            <a:pPr>
+              <a:spcBef>
+                <a:spcPts val="400"/>
+              </a:spcBef>
+            </a:pPr>
+            <a:r>
+              <a:rPr lang="en-US" sz="1600" dirty="0"/>
+              <a:t>This work was performed in part at Sandia National Laboratories. Sandia National Laboratories is a multi-mission laboratory managed and operated by National Technology and Engineering Solutions of Sandia, LLC., a wholly owned subsidiary of Honeywell International, Inc., for the U.S. Department of Energy’s National Nuclear Security Administration under contract DE-NA0003525.</a:t>
             </a:r>
           </a:p>
         </p:txBody>
@@ -4750,21 +4748,6 @@
 </file>
 
 <file path=customXml/item1.xml><?xml version="1.0" encoding="utf-8"?>
-<p:properties xmlns:p="http://schemas.microsoft.com/office/2006/metadata/properties" xmlns:xsi="http://www.w3.org/2001/XMLSchema-instance" xmlns:pc="http://schemas.microsoft.com/office/infopath/2007/PartnerControls">
-  <documentManagement/>
-</p:properties>
-</file>
-
-<file path=customXml/item2.xml><?xml version="1.0" encoding="utf-8"?>
-<?mso-contentType ?>
-<FormTemplates xmlns="http://schemas.microsoft.com/sharepoint/v3/contenttype/forms">
-  <Display>DocumentLibraryForm</Display>
-  <Edit>DocumentLibraryForm</Edit>
-  <New>DocumentLibraryForm</New>
-</FormTemplates>
-</file>
-
-<file path=customXml/item3.xml><?xml version="1.0" encoding="utf-8"?>
 <ct:contentTypeSchema xmlns:ct="http://schemas.microsoft.com/office/2006/metadata/contentType" xmlns:ma="http://schemas.microsoft.com/office/2006/metadata/properties/metaAttributes" ct:_="" ma:_="" ma:contentTypeName="Document" ma:contentTypeID="0x010100565464437F680748A68B85EB6594EA7D" ma:contentTypeVersion="0" ma:contentTypeDescription="Create a new document." ma:contentTypeScope="" ma:versionID="fe3f4dd58d5914c51cfc6deaa8ad845c">
   <xsd:schema xmlns:xsd="http://www.w3.org/2001/XMLSchema" xmlns:p="http://schemas.microsoft.com/office/2006/metadata/properties" targetNamespace="http://schemas.microsoft.com/office/2006/metadata/properties" ma:root="true" ma:fieldsID="4aeb20c0e3442673af7ee10786458764">
     <xsd:element name="properties">
@@ -4813,17 +4796,32 @@
 </ct:contentTypeSchema>
 </file>
 
+<file path=customXml/item2.xml><?xml version="1.0" encoding="utf-8"?>
+<?mso-contentType ?>
+<FormTemplates xmlns="http://schemas.microsoft.com/sharepoint/v3/contenttype/forms">
+  <Display>DocumentLibraryForm</Display>
+  <Edit>DocumentLibraryForm</Edit>
+  <New>DocumentLibraryForm</New>
+</FormTemplates>
+</file>
+
+<file path=customXml/item3.xml><?xml version="1.0" encoding="utf-8"?>
+<p:properties xmlns:p="http://schemas.microsoft.com/office/2006/metadata/properties" xmlns:xsi="http://www.w3.org/2001/XMLSchema-instance" xmlns:pc="http://schemas.microsoft.com/office/infopath/2007/PartnerControls">
+  <documentManagement/>
+</p:properties>
+</file>
+
 <file path=customXml/itemProps1.xml><?xml version="1.0" encoding="utf-8"?>
-<ds:datastoreItem xmlns:ds="http://schemas.openxmlformats.org/officeDocument/2006/customXml" ds:itemID="{A50EC660-24D0-43A0-AE5E-E274115E726B}">
+<ds:datastoreItem xmlns:ds="http://schemas.openxmlformats.org/officeDocument/2006/customXml" ds:itemID="{E8DB7DEB-074E-4EE8-9B6E-FD277323109C}">
   <ds:schemaRefs>
+    <ds:schemaRef ds:uri="http://schemas.microsoft.com/office/2006/metadata/contentType"/>
+    <ds:schemaRef ds:uri="http://schemas.microsoft.com/office/2006/metadata/properties/metaAttributes"/>
+    <ds:schemaRef ds:uri="http://www.w3.org/2001/XMLSchema"/>
+    <ds:schemaRef ds:uri="http://schemas.microsoft.com/office/2006/metadata/properties"/>
+    <ds:schemaRef ds:uri="http://schemas.openxmlformats.org/package/2006/metadata/core-properties"/>
     <ds:schemaRef ds:uri="http://purl.org/dc/elements/1.1/"/>
-    <ds:schemaRef ds:uri="http://schemas.microsoft.com/office/2006/metadata/properties"/>
     <ds:schemaRef ds:uri="http://purl.org/dc/terms/"/>
-    <ds:schemaRef ds:uri="http://schemas.openxmlformats.org/package/2006/metadata/core-properties"/>
-    <ds:schemaRef ds:uri="http://schemas.microsoft.com/office/2006/documentManagement/types"/>
-    <ds:schemaRef ds:uri="http://www.w3.org/XML/1998/namespace"/>
-    <ds:schemaRef ds:uri="http://purl.org/dc/dcmitype/"/>
-    <ds:schemaRef ds:uri="http://schemas.microsoft.com/office/infopath/2007/PartnerControls"/>
+    <ds:schemaRef ds:uri="http://schemas.microsoft.com/office/internal/2005/internalDocumentation"/>
   </ds:schemaRefs>
 </ds:datastoreItem>
 </file>
@@ -4837,16 +4835,16 @@
 </file>
 
 <file path=customXml/itemProps3.xml><?xml version="1.0" encoding="utf-8"?>
-<ds:datastoreItem xmlns:ds="http://schemas.openxmlformats.org/officeDocument/2006/customXml" ds:itemID="{E8DB7DEB-074E-4EE8-9B6E-FD277323109C}">
+<ds:datastoreItem xmlns:ds="http://schemas.openxmlformats.org/officeDocument/2006/customXml" ds:itemID="{A50EC660-24D0-43A0-AE5E-E274115E726B}">
   <ds:schemaRefs>
-    <ds:schemaRef ds:uri="http://schemas.microsoft.com/office/2006/metadata/contentType"/>
-    <ds:schemaRef ds:uri="http://schemas.microsoft.com/office/2006/metadata/properties/metaAttributes"/>
-    <ds:schemaRef ds:uri="http://www.w3.org/2001/XMLSchema"/>
+    <ds:schemaRef ds:uri="http://purl.org/dc/elements/1.1/"/>
     <ds:schemaRef ds:uri="http://schemas.microsoft.com/office/2006/metadata/properties"/>
+    <ds:schemaRef ds:uri="http://purl.org/dc/terms/"/>
     <ds:schemaRef ds:uri="http://schemas.openxmlformats.org/package/2006/metadata/core-properties"/>
-    <ds:schemaRef ds:uri="http://purl.org/dc/elements/1.1/"/>
-    <ds:schemaRef ds:uri="http://purl.org/dc/terms/"/>
-    <ds:schemaRef ds:uri="http://schemas.microsoft.com/office/internal/2005/internalDocumentation"/>
+    <ds:schemaRef ds:uri="http://schemas.microsoft.com/office/2006/documentManagement/types"/>
+    <ds:schemaRef ds:uri="http://www.w3.org/XML/1998/namespace"/>
+    <ds:schemaRef ds:uri="http://purl.org/dc/dcmitype/"/>
+    <ds:schemaRef ds:uri="http://schemas.microsoft.com/office/infopath/2007/PartnerControls"/>
   </ds:schemaRefs>
 </ds:datastoreItem>
 </file>
--- a/license-master.pptx
+++ b/license-master.pptx
@@ -255,7 +255,7 @@
           <a:p>
             <a:fld id="{0B842F42-2CE9-4E35-95C1-410DC08A50B1}" type="datetimeFigureOut">
               <a:rPr lang="en-US" smtClean="0"/>
-              <a:t>7/25/2020</a:t>
+              <a:t>8/5/2020</a:t>
             </a:fld>
             <a:endParaRPr lang="en-US"/>
           </a:p>
@@ -420,7 +420,7 @@
           <a:p>
             <a:fld id="{6F282904-F315-4730-8D91-37D99E141A6F}" type="datetimeFigureOut">
               <a:rPr lang="en-US" smtClean="0"/>
-              <a:t>7/25/2020</a:t>
+              <a:t>8/5/2020</a:t>
             </a:fld>
             <a:endParaRPr lang="en-US"/>
           </a:p>
@@ -3632,7 +3632,15 @@
             </a:r>
             <a:r>
               <a:rPr lang="en-US" sz="1600" b="1" dirty="0"/>
-              <a:t>, Software Productivity Track, in Argonne Training Program for Extreme Scale Computing (ATPESC), online. DOI: </a:t>
+              <a:t>, Software Productivity Track, in Argonne Training Program for Extreme Scale Computing (ATPESC</a:t>
+            </a:r>
+            <a:r>
+              <a:rPr lang="en-US" sz="1600" b="1"/>
+              <a:t>), August 2020, online</a:t>
+            </a:r>
+            <a:r>
+              <a:rPr lang="en-US" sz="1600" b="1" dirty="0"/>
+              <a:t>. DOI: </a:t>
             </a:r>
             <a:r>
               <a:rPr lang="en-US" sz="1600" b="1" dirty="0">
@@ -3663,6 +3671,9 @@
           </a:p>
           <a:p>
             <a:pPr marL="0" indent="0">
+              <a:spcBef>
+                <a:spcPts val="800"/>
+              </a:spcBef>
               <a:buNone/>
             </a:pPr>
             <a:r>
@@ -3694,7 +3705,7 @@
             </a:r>
             <a:r>
               <a:rPr lang="en-US" sz="1600" dirty="0"/>
-              <a:t>, Jared O’Neal, David Rogers</a:t>
+              <a:t>, Jared O’Neal, David Rogers, Deborah Stevens</a:t>
             </a:r>
           </a:p>
           <a:p>
@@ -4748,6 +4759,12 @@
 </file>
 
 <file path=customXml/item1.xml><?xml version="1.0" encoding="utf-8"?>
+<p:properties xmlns:p="http://schemas.microsoft.com/office/2006/metadata/properties" xmlns:xsi="http://www.w3.org/2001/XMLSchema-instance" xmlns:pc="http://schemas.microsoft.com/office/infopath/2007/PartnerControls">
+  <documentManagement/>
+</p:properties>
+</file>
+
+<file path=customXml/item2.xml><?xml version="1.0" encoding="utf-8"?>
 <ct:contentTypeSchema xmlns:ct="http://schemas.microsoft.com/office/2006/metadata/contentType" xmlns:ma="http://schemas.microsoft.com/office/2006/metadata/properties/metaAttributes" ct:_="" ma:_="" ma:contentTypeName="Document" ma:contentTypeID="0x010100565464437F680748A68B85EB6594EA7D" ma:contentTypeVersion="0" ma:contentTypeDescription="Create a new document." ma:contentTypeScope="" ma:versionID="fe3f4dd58d5914c51cfc6deaa8ad845c">
   <xsd:schema xmlns:xsd="http://www.w3.org/2001/XMLSchema" xmlns:p="http://schemas.microsoft.com/office/2006/metadata/properties" targetNamespace="http://schemas.microsoft.com/office/2006/metadata/properties" ma:root="true" ma:fieldsID="4aeb20c0e3442673af7ee10786458764">
     <xsd:element name="properties">
@@ -4796,7 +4813,7 @@
 </ct:contentTypeSchema>
 </file>
 
-<file path=customXml/item2.xml><?xml version="1.0" encoding="utf-8"?>
+<file path=customXml/item3.xml><?xml version="1.0" encoding="utf-8"?>
 <?mso-contentType ?>
 <FormTemplates xmlns="http://schemas.microsoft.com/sharepoint/v3/contenttype/forms">
   <Display>DocumentLibraryForm</Display>
@@ -4805,13 +4822,22 @@
 </FormTemplates>
 </file>
 
-<file path=customXml/item3.xml><?xml version="1.0" encoding="utf-8"?>
-<p:properties xmlns:p="http://schemas.microsoft.com/office/2006/metadata/properties" xmlns:xsi="http://www.w3.org/2001/XMLSchema-instance" xmlns:pc="http://schemas.microsoft.com/office/infopath/2007/PartnerControls">
-  <documentManagement/>
-</p:properties>
+<file path=customXml/itemProps1.xml><?xml version="1.0" encoding="utf-8"?>
+<ds:datastoreItem xmlns:ds="http://schemas.openxmlformats.org/officeDocument/2006/customXml" ds:itemID="{A50EC660-24D0-43A0-AE5E-E274115E726B}">
+  <ds:schemaRefs>
+    <ds:schemaRef ds:uri="http://purl.org/dc/elements/1.1/"/>
+    <ds:schemaRef ds:uri="http://schemas.microsoft.com/office/2006/metadata/properties"/>
+    <ds:schemaRef ds:uri="http://purl.org/dc/terms/"/>
+    <ds:schemaRef ds:uri="http://schemas.openxmlformats.org/package/2006/metadata/core-properties"/>
+    <ds:schemaRef ds:uri="http://schemas.microsoft.com/office/2006/documentManagement/types"/>
+    <ds:schemaRef ds:uri="http://www.w3.org/XML/1998/namespace"/>
+    <ds:schemaRef ds:uri="http://purl.org/dc/dcmitype/"/>
+    <ds:schemaRef ds:uri="http://schemas.microsoft.com/office/infopath/2007/PartnerControls"/>
+  </ds:schemaRefs>
+</ds:datastoreItem>
 </file>
 
-<file path=customXml/itemProps1.xml><?xml version="1.0" encoding="utf-8"?>
+<file path=customXml/itemProps2.xml><?xml version="1.0" encoding="utf-8"?>
 <ds:datastoreItem xmlns:ds="http://schemas.openxmlformats.org/officeDocument/2006/customXml" ds:itemID="{E8DB7DEB-074E-4EE8-9B6E-FD277323109C}">
   <ds:schemaRefs>
     <ds:schemaRef ds:uri="http://schemas.microsoft.com/office/2006/metadata/contentType"/>
@@ -4826,25 +4852,10 @@
 </ds:datastoreItem>
 </file>
 
-<file path=customXml/itemProps2.xml><?xml version="1.0" encoding="utf-8"?>
+<file path=customXml/itemProps3.xml><?xml version="1.0" encoding="utf-8"?>
 <ds:datastoreItem xmlns:ds="http://schemas.openxmlformats.org/officeDocument/2006/customXml" ds:itemID="{19E20559-B232-4371-8690-E3D8007EDB82}">
   <ds:schemaRefs>
     <ds:schemaRef ds:uri="http://schemas.microsoft.com/sharepoint/v3/contenttype/forms"/>
   </ds:schemaRefs>
 </ds:datastoreItem>
-</file>
-
-<file path=customXml/itemProps3.xml><?xml version="1.0" encoding="utf-8"?>
-<ds:datastoreItem xmlns:ds="http://schemas.openxmlformats.org/officeDocument/2006/customXml" ds:itemID="{A50EC660-24D0-43A0-AE5E-E274115E726B}">
-  <ds:schemaRefs>
-    <ds:schemaRef ds:uri="http://purl.org/dc/elements/1.1/"/>
-    <ds:schemaRef ds:uri="http://schemas.microsoft.com/office/2006/metadata/properties"/>
-    <ds:schemaRef ds:uri="http://purl.org/dc/terms/"/>
-    <ds:schemaRef ds:uri="http://schemas.openxmlformats.org/package/2006/metadata/core-properties"/>
-    <ds:schemaRef ds:uri="http://schemas.microsoft.com/office/2006/documentManagement/types"/>
-    <ds:schemaRef ds:uri="http://www.w3.org/XML/1998/namespace"/>
-    <ds:schemaRef ds:uri="http://purl.org/dc/dcmitype/"/>
-    <ds:schemaRef ds:uri="http://schemas.microsoft.com/office/infopath/2007/PartnerControls"/>
-  </ds:schemaRefs>
-</ds:datastoreItem>
 </file>
--- a/license-master.pptx
+++ b/license-master.pptx
@@ -255,7 +255,7 @@
           <a:p>
             <a:fld id="{0B842F42-2CE9-4E35-95C1-410DC08A50B1}" type="datetimeFigureOut">
               <a:rPr lang="en-US" smtClean="0"/>
-              <a:t>8/5/2020</a:t>
+              <a:t>9/23/2020</a:t>
             </a:fld>
             <a:endParaRPr lang="en-US"/>
           </a:p>
@@ -420,7 +420,7 @@
           <a:p>
             <a:fld id="{6F282904-F315-4730-8D91-37D99E141A6F}" type="datetimeFigureOut">
               <a:rPr lang="en-US" smtClean="0"/>
-              <a:t>8/5/2020</a:t>
+              <a:t>9/23/2020</a:t>
             </a:fld>
             <a:endParaRPr lang="en-US"/>
           </a:p>
@@ -3624,29 +3624,13 @@
             </a:pPr>
             <a:r>
               <a:rPr lang="en-US" sz="1600" b="1" dirty="0"/>
-              <a:t>The requested citation the overall tutorial is: David E. Bernholdt, Anshu Dubey, Mark C. Miller, Katherine M. Riley, and James M. </a:t>
-            </a:r>
-            <a:r>
-              <a:rPr lang="en-US" sz="1600" b="1" dirty="0" err="1"/>
-              <a:t>Willenbring</a:t>
-            </a:r>
-            <a:r>
-              <a:rPr lang="en-US" sz="1600" b="1" dirty="0"/>
-              <a:t>, Software Productivity Track, in Argonne Training Program for Extreme Scale Computing (ATPESC</a:t>
-            </a:r>
-            <a:r>
-              <a:rPr lang="en-US" sz="1600" b="1"/>
-              <a:t>), August 2020, online</a:t>
-            </a:r>
-            <a:r>
-              <a:rPr lang="en-US" sz="1600" b="1" dirty="0"/>
-              <a:t>. DOI: </a:t>
+              <a:t>The requested citation the overall tutorial is: David E. Bernholdt, Anshu Dubey, Patricia A. Grubel, Rinku K. Gupta, Better Scientific Software tutorial, in SC ‘20: International Conference for High Performance Computing, Networking, Storage and Analysis, online, 2020. DOI: </a:t>
             </a:r>
             <a:r>
               <a:rPr lang="en-US" sz="1600" b="1" dirty="0">
                 <a:hlinkClick r:id="rId4"/>
               </a:rPr>
-              <a:t>10.6084/m9.figshare.12719834</a:t>
+              <a:t>10.6084/m9.figshare.12994376</a:t>
             </a:r>
             <a:endParaRPr lang="en-US" sz="1600" b="1" dirty="0"/>
           </a:p>
@@ -3666,7 +3650,7 @@
             </a:r>
             <a:r>
               <a:rPr lang="en-US" sz="1600" dirty="0"/>
-              <a:t>, in Software Productivity Track…</a:t>
+              <a:t>, in Better Scientific Software tutorial…</a:t>
             </a:r>
           </a:p>
           <a:p>
@@ -3689,7 +3673,7 @@
             </a:pPr>
             <a:r>
               <a:rPr lang="en-US" sz="1600" dirty="0"/>
-              <a:t>Additional contributors include: Patricia Grubel, Rinku Gupta, Mike </a:t>
+              <a:t>Additional contributors include: Mike </a:t>
             </a:r>
             <a:r>
               <a:rPr lang="en-US" sz="1600" dirty="0" err="1"/>
@@ -3705,8 +3689,13 @@
             </a:r>
             <a:r>
               <a:rPr lang="en-US" sz="1600" dirty="0"/>
-              <a:t>, Jared O’Neal, David Rogers, Deborah Stevens</a:t>
-            </a:r>
+              <a:t>, Mark Miller, Jared O’Neal, Katherine Riley, David Rogers, Deborah Stevens, James </a:t>
+            </a:r>
+            <a:r>
+              <a:rPr lang="en-US" sz="1600" dirty="0" err="1"/>
+              <a:t>Willenbring</a:t>
+            </a:r>
+            <a:endParaRPr lang="en-US" sz="1600" dirty="0"/>
           </a:p>
           <a:p>
             <a:pPr>
@@ -4759,9 +4748,12 @@
 </file>
 
 <file path=customXml/item1.xml><?xml version="1.0" encoding="utf-8"?>
-<p:properties xmlns:p="http://schemas.microsoft.com/office/2006/metadata/properties" xmlns:xsi="http://www.w3.org/2001/XMLSchema-instance" xmlns:pc="http://schemas.microsoft.com/office/infopath/2007/PartnerControls">
-  <documentManagement/>
-</p:properties>
+<?mso-contentType ?>
+<FormTemplates xmlns="http://schemas.microsoft.com/sharepoint/v3/contenttype/forms">
+  <Display>DocumentLibraryForm</Display>
+  <Edit>DocumentLibraryForm</Edit>
+  <New>DocumentLibraryForm</New>
+</FormTemplates>
 </file>
 
 <file path=customXml/item2.xml><?xml version="1.0" encoding="utf-8"?>
@@ -4814,25 +4806,15 @@
 </file>
 
 <file path=customXml/item3.xml><?xml version="1.0" encoding="utf-8"?>
-<?mso-contentType ?>
-<FormTemplates xmlns="http://schemas.microsoft.com/sharepoint/v3/contenttype/forms">
-  <Display>DocumentLibraryForm</Display>
-  <Edit>DocumentLibraryForm</Edit>
-  <New>DocumentLibraryForm</New>
-</FormTemplates>
+<p:properties xmlns:p="http://schemas.microsoft.com/office/2006/metadata/properties" xmlns:xsi="http://www.w3.org/2001/XMLSchema-instance" xmlns:pc="http://schemas.microsoft.com/office/infopath/2007/PartnerControls">
+  <documentManagement/>
+</p:properties>
 </file>
 
 <file path=customXml/itemProps1.xml><?xml version="1.0" encoding="utf-8"?>
-<ds:datastoreItem xmlns:ds="http://schemas.openxmlformats.org/officeDocument/2006/customXml" ds:itemID="{A50EC660-24D0-43A0-AE5E-E274115E726B}">
+<ds:datastoreItem xmlns:ds="http://schemas.openxmlformats.org/officeDocument/2006/customXml" ds:itemID="{19E20559-B232-4371-8690-E3D8007EDB82}">
   <ds:schemaRefs>
-    <ds:schemaRef ds:uri="http://purl.org/dc/elements/1.1/"/>
-    <ds:schemaRef ds:uri="http://schemas.microsoft.com/office/2006/metadata/properties"/>
-    <ds:schemaRef ds:uri="http://purl.org/dc/terms/"/>
-    <ds:schemaRef ds:uri="http://schemas.openxmlformats.org/package/2006/metadata/core-properties"/>
-    <ds:schemaRef ds:uri="http://schemas.microsoft.com/office/2006/documentManagement/types"/>
-    <ds:schemaRef ds:uri="http://www.w3.org/XML/1998/namespace"/>
-    <ds:schemaRef ds:uri="http://purl.org/dc/dcmitype/"/>
-    <ds:schemaRef ds:uri="http://schemas.microsoft.com/office/infopath/2007/PartnerControls"/>
+    <ds:schemaRef ds:uri="http://schemas.microsoft.com/sharepoint/v3/contenttype/forms"/>
   </ds:schemaRefs>
 </ds:datastoreItem>
 </file>
@@ -4853,9 +4835,16 @@
 </file>
 
 <file path=customXml/itemProps3.xml><?xml version="1.0" encoding="utf-8"?>
-<ds:datastoreItem xmlns:ds="http://schemas.openxmlformats.org/officeDocument/2006/customXml" ds:itemID="{19E20559-B232-4371-8690-E3D8007EDB82}">
+<ds:datastoreItem xmlns:ds="http://schemas.openxmlformats.org/officeDocument/2006/customXml" ds:itemID="{A50EC660-24D0-43A0-AE5E-E274115E726B}">
   <ds:schemaRefs>
-    <ds:schemaRef ds:uri="http://schemas.microsoft.com/sharepoint/v3/contenttype/forms"/>
+    <ds:schemaRef ds:uri="http://purl.org/dc/elements/1.1/"/>
+    <ds:schemaRef ds:uri="http://schemas.microsoft.com/office/2006/metadata/properties"/>
+    <ds:schemaRef ds:uri="http://purl.org/dc/terms/"/>
+    <ds:schemaRef ds:uri="http://schemas.openxmlformats.org/package/2006/metadata/core-properties"/>
+    <ds:schemaRef ds:uri="http://schemas.microsoft.com/office/2006/documentManagement/types"/>
+    <ds:schemaRef ds:uri="http://www.w3.org/XML/1998/namespace"/>
+    <ds:schemaRef ds:uri="http://purl.org/dc/dcmitype/"/>
+    <ds:schemaRef ds:uri="http://schemas.microsoft.com/office/infopath/2007/PartnerControls"/>
   </ds:schemaRefs>
 </ds:datastoreItem>
 </file>
--- a/license-master.pptx
+++ b/license-master.pptx
@@ -255,7 +255,7 @@
           <a:p>
             <a:fld id="{0B842F42-2CE9-4E35-95C1-410DC08A50B1}" type="datetimeFigureOut">
               <a:rPr lang="en-US" smtClean="0"/>
-              <a:t>9/23/2020</a:t>
+              <a:t>9/27/20</a:t>
             </a:fld>
             <a:endParaRPr lang="en-US"/>
           </a:p>
@@ -420,7 +420,7 @@
           <a:p>
             <a:fld id="{6F282904-F315-4730-8D91-37D99E141A6F}" type="datetimeFigureOut">
               <a:rPr lang="en-US" smtClean="0"/>
-              <a:t>9/23/2020</a:t>
+              <a:t>9/27/20</a:t>
             </a:fld>
             <a:endParaRPr lang="en-US"/>
           </a:p>
@@ -3543,7 +3543,12 @@
             <p:ph type="title"/>
           </p:nvPr>
         </p:nvSpPr>
-        <p:spPr/>
+        <p:spPr>
+          <a:xfrm>
+            <a:off x="363096" y="112911"/>
+            <a:ext cx="11372473" cy="914400"/>
+          </a:xfrm>
+        </p:spPr>
         <p:txBody>
           <a:bodyPr/>
           <a:lstStyle/>
@@ -3573,7 +3578,7 @@
         </p:nvSpPr>
         <p:spPr>
           <a:xfrm>
-            <a:off x="365760" y="862719"/>
+            <a:off x="409507" y="570111"/>
             <a:ext cx="11369809" cy="4047778"/>
           </a:xfrm>
         </p:spPr>
@@ -3672,30 +3677,30 @@
               </a:spcBef>
             </a:pPr>
             <a:r>
-              <a:rPr lang="en-US" sz="1600" dirty="0"/>
+              <a:rPr lang="en-US" sz="1400" dirty="0"/>
               <a:t>Additional contributors include: Mike </a:t>
             </a:r>
             <a:r>
-              <a:rPr lang="en-US" sz="1600" dirty="0" err="1"/>
+              <a:rPr lang="en-US" sz="1400" dirty="0" err="1"/>
               <a:t>Heroux</a:t>
             </a:r>
             <a:r>
-              <a:rPr lang="en-US" sz="1600" dirty="0"/>
+              <a:rPr lang="en-US" sz="1400" dirty="0"/>
               <a:t>, Alicia </a:t>
             </a:r>
             <a:r>
-              <a:rPr lang="en-US" sz="1600" dirty="0" err="1"/>
+              <a:rPr lang="en-US" sz="1400" dirty="0" err="1"/>
               <a:t>Klinvex</a:t>
             </a:r>
             <a:r>
-              <a:rPr lang="en-US" sz="1600" dirty="0"/>
+              <a:rPr lang="en-US" sz="1400" dirty="0"/>
               <a:t>, Mark Miller, Jared O’Neal, Katherine Riley, David Rogers, Deborah Stevens, James </a:t>
             </a:r>
             <a:r>
-              <a:rPr lang="en-US" sz="1600" dirty="0" err="1"/>
+              <a:rPr lang="en-US" sz="1400" dirty="0" err="1"/>
               <a:t>Willenbring</a:t>
             </a:r>
-            <a:endParaRPr lang="en-US" sz="1600" dirty="0"/>
+            <a:endParaRPr lang="en-US" sz="1400" dirty="0"/>
           </a:p>
           <a:p>
             <a:pPr>
@@ -3704,22 +3709,22 @@
               </a:spcBef>
             </a:pPr>
             <a:r>
-              <a:rPr lang="en-US" sz="1600" dirty="0"/>
+              <a:rPr lang="en-US" sz="1400" dirty="0"/>
               <a:t>This work was supported by the U.S. Department of Energy Office of Science, Office of Advanced Scientific Computing Research (ASCR), and by the </a:t>
             </a:r>
             <a:r>
-              <a:rPr lang="en-US" sz="1600" dirty="0" err="1"/>
+              <a:rPr lang="en-US" sz="1400" dirty="0" err="1"/>
               <a:t>Exascale</a:t>
             </a:r>
             <a:r>
-              <a:rPr lang="en-US" sz="1600" dirty="0"/>
+              <a:rPr lang="en-US" sz="1400" dirty="0"/>
               <a:t> Computing Project (17-SC-20-SC), a collaborative effort of the U.S. Department of Energy Office of Science and the National Nuclear Security Administration</a:t>
             </a:r>
             <a:r>
-              <a:rPr lang="en-US" sz="1600" i="1" dirty="0"/>
+              <a:rPr lang="en-US" sz="1400" i="1" dirty="0"/>
               <a:t>.</a:t>
             </a:r>
-            <a:endParaRPr lang="en-US" sz="1600" dirty="0"/>
+            <a:endParaRPr lang="en-US" sz="1400" dirty="0"/>
           </a:p>
           <a:p>
             <a:pPr>
@@ -3728,15 +3733,15 @@
               </a:spcBef>
             </a:pPr>
             <a:r>
-              <a:rPr lang="en-US" sz="1600" dirty="0"/>
+              <a:rPr lang="en-US" sz="1400" dirty="0"/>
               <a:t>This work was performed in part at the Argonne National Laboratory, which is managed by </a:t>
             </a:r>
             <a:r>
-              <a:rPr lang="en-US" sz="1600" dirty="0" err="1"/>
+              <a:rPr lang="en-US" sz="1400" dirty="0" err="1"/>
               <a:t>UChicago</a:t>
             </a:r>
             <a:r>
-              <a:rPr lang="en-US" sz="1600" dirty="0"/>
+              <a:rPr lang="en-US" sz="1400" dirty="0"/>
               <a:t> Argonne, LLC for the U.S. Department of Energy under Contract No. DE-AC02-06CH11357.</a:t>
             </a:r>
           </a:p>
@@ -3747,7 +3752,7 @@
               </a:spcBef>
             </a:pPr>
             <a:r>
-              <a:rPr lang="en-US" sz="1600" dirty="0"/>
+              <a:rPr lang="en-US" sz="1400" dirty="0"/>
               <a:t>This work was performed in part at the Oak Ridge National Laboratory, which is managed by UT-Battelle, LLC for the U.S. Department of Energy under Contract No. DE-AC05-00OR22725.</a:t>
             </a:r>
           </a:p>
@@ -3758,7 +3763,7 @@
               </a:spcBef>
             </a:pPr>
             <a:r>
-              <a:rPr lang="en-US" sz="1600" dirty="0"/>
+              <a:rPr lang="en-US" sz="1400" dirty="0"/>
               <a:t>This work was performed in part at the Lawrence Livermore National Laboratory, which is managed by Lawrence Livermore National Security, LLC for the U.S. Department of Energy under Contract No. DE-AC52-07NA27344.</a:t>
             </a:r>
           </a:p>
@@ -3769,8 +3774,31 @@
               </a:spcBef>
             </a:pPr>
             <a:r>
+              <a:rPr lang="en-US" sz="1400" dirty="0"/>
+              <a:t>This work was performed in part at the Los Alamos National Laboratory, which is managed </a:t>
+            </a:r>
+            <a:r>
+              <a:rPr lang="en-US" sz="1400" dirty="0" err="1"/>
+              <a:t>byTriad</a:t>
+            </a:r>
+            <a:r>
+              <a:rPr lang="en-US" sz="1400" dirty="0"/>
+              <a:t> National Security, LLC for the U.S. Department of Energy under Contract No.89233218CNA000001</a:t>
+            </a:r>
+          </a:p>
+          <a:p>
+            <a:pPr>
+              <a:spcBef>
+                <a:spcPts val="400"/>
+              </a:spcBef>
+            </a:pPr>
+            <a:r>
+              <a:rPr lang="en-US" sz="1400" dirty="0"/>
+              <a:t>This work was performed in part at Sandia National Laboratories. Sandia National Laboratories is a multi-mission laboratory managed and operated by National Technology and Engineering Solutions of Sandia, LLC., a wholly owned subsidiary of Honeywell International, Inc., for the U.S. Department of Energy’s National Nuclear Security Administration under contract DE-NA0003525</a:t>
+            </a:r>
+            <a:r>
               <a:rPr lang="en-US" sz="1600" dirty="0"/>
-              <a:t>This work was performed in part at Sandia National Laboratories. Sandia National Laboratories is a multi-mission laboratory managed and operated by National Technology and Engineering Solutions of Sandia, LLC., a wholly owned subsidiary of Honeywell International, Inc., for the U.S. Department of Energy’s National Nuclear Security Administration under contract DE-NA0003525.</a:t>
+              <a:t>.</a:t>
             </a:r>
           </a:p>
         </p:txBody>
@@ -4748,12 +4776,9 @@
 </file>
 
 <file path=customXml/item1.xml><?xml version="1.0" encoding="utf-8"?>
-<?mso-contentType ?>
-<FormTemplates xmlns="http://schemas.microsoft.com/sharepoint/v3/contenttype/forms">
-  <Display>DocumentLibraryForm</Display>
-  <Edit>DocumentLibraryForm</Edit>
-  <New>DocumentLibraryForm</New>
-</FormTemplates>
+<p:properties xmlns:p="http://schemas.microsoft.com/office/2006/metadata/properties" xmlns:xsi="http://www.w3.org/2001/XMLSchema-instance" xmlns:pc="http://schemas.microsoft.com/office/infopath/2007/PartnerControls">
+  <documentManagement/>
+</p:properties>
 </file>
 
 <file path=customXml/item2.xml><?xml version="1.0" encoding="utf-8"?>
@@ -4806,15 +4831,25 @@
 </file>
 
 <file path=customXml/item3.xml><?xml version="1.0" encoding="utf-8"?>
-<p:properties xmlns:p="http://schemas.microsoft.com/office/2006/metadata/properties" xmlns:xsi="http://www.w3.org/2001/XMLSchema-instance" xmlns:pc="http://schemas.microsoft.com/office/infopath/2007/PartnerControls">
-  <documentManagement/>
-</p:properties>
+<?mso-contentType ?>
+<FormTemplates xmlns="http://schemas.microsoft.com/sharepoint/v3/contenttype/forms">
+  <Display>DocumentLibraryForm</Display>
+  <Edit>DocumentLibraryForm</Edit>
+  <New>DocumentLibraryForm</New>
+</FormTemplates>
 </file>
 
 <file path=customXml/itemProps1.xml><?xml version="1.0" encoding="utf-8"?>
-<ds:datastoreItem xmlns:ds="http://schemas.openxmlformats.org/officeDocument/2006/customXml" ds:itemID="{19E20559-B232-4371-8690-E3D8007EDB82}">
+<ds:datastoreItem xmlns:ds="http://schemas.openxmlformats.org/officeDocument/2006/customXml" ds:itemID="{A50EC660-24D0-43A0-AE5E-E274115E726B}">
   <ds:schemaRefs>
-    <ds:schemaRef ds:uri="http://schemas.microsoft.com/sharepoint/v3/contenttype/forms"/>
+    <ds:schemaRef ds:uri="http://purl.org/dc/elements/1.1/"/>
+    <ds:schemaRef ds:uri="http://schemas.microsoft.com/office/2006/metadata/properties"/>
+    <ds:schemaRef ds:uri="http://purl.org/dc/terms/"/>
+    <ds:schemaRef ds:uri="http://schemas.openxmlformats.org/package/2006/metadata/core-properties"/>
+    <ds:schemaRef ds:uri="http://schemas.microsoft.com/office/2006/documentManagement/types"/>
+    <ds:schemaRef ds:uri="http://www.w3.org/XML/1998/namespace"/>
+    <ds:schemaRef ds:uri="http://purl.org/dc/dcmitype/"/>
+    <ds:schemaRef ds:uri="http://schemas.microsoft.com/office/infopath/2007/PartnerControls"/>
   </ds:schemaRefs>
 </ds:datastoreItem>
 </file>
@@ -4835,16 +4870,9 @@
 </file>
 
 <file path=customXml/itemProps3.xml><?xml version="1.0" encoding="utf-8"?>
-<ds:datastoreItem xmlns:ds="http://schemas.openxmlformats.org/officeDocument/2006/customXml" ds:itemID="{A50EC660-24D0-43A0-AE5E-E274115E726B}">
+<ds:datastoreItem xmlns:ds="http://schemas.openxmlformats.org/officeDocument/2006/customXml" ds:itemID="{19E20559-B232-4371-8690-E3D8007EDB82}">
   <ds:schemaRefs>
-    <ds:schemaRef ds:uri="http://purl.org/dc/elements/1.1/"/>
-    <ds:schemaRef ds:uri="http://schemas.microsoft.com/office/2006/metadata/properties"/>
-    <ds:schemaRef ds:uri="http://purl.org/dc/terms/"/>
-    <ds:schemaRef ds:uri="http://schemas.openxmlformats.org/package/2006/metadata/core-properties"/>
-    <ds:schemaRef ds:uri="http://schemas.microsoft.com/office/2006/documentManagement/types"/>
-    <ds:schemaRef ds:uri="http://www.w3.org/XML/1998/namespace"/>
-    <ds:schemaRef ds:uri="http://purl.org/dc/dcmitype/"/>
-    <ds:schemaRef ds:uri="http://schemas.microsoft.com/office/infopath/2007/PartnerControls"/>
+    <ds:schemaRef ds:uri="http://schemas.microsoft.com/sharepoint/v3/contenttype/forms"/>
   </ds:schemaRefs>
 </ds:datastoreItem>
 </file>
--- a/license-master.pptx
+++ b/license-master.pptx
@@ -3775,15 +3775,15 @@
             </a:pPr>
             <a:r>
               <a:rPr lang="en-US" sz="1400" dirty="0"/>
-              <a:t>This work was performed in part at the Los Alamos National Laboratory, which is managed </a:t>
-            </a:r>
-            <a:r>
-              <a:rPr lang="en-US" sz="1400" dirty="0" err="1"/>
-              <a:t>byTriad</a:t>
+              <a:t>This work was performed in part at the Los Alamos National Laboratory, which is </a:t>
+            </a:r>
+            <a:r>
+              <a:rPr lang="en-US" sz="1400"/>
+              <a:t>managed by Triad </a:t>
             </a:r>
             <a:r>
               <a:rPr lang="en-US" sz="1400" dirty="0"/>
-              <a:t> National Security, LLC for the U.S. Department of Energy under Contract No.89233218CNA000001</a:t>
+              <a:t>National Security, LLC for the U.S. Department of Energy under Contract No.89233218CNA000001</a:t>
             </a:r>
           </a:p>
           <a:p>
@@ -4776,9 +4776,12 @@
 </file>
 
 <file path=customXml/item1.xml><?xml version="1.0" encoding="utf-8"?>
-<p:properties xmlns:p="http://schemas.microsoft.com/office/2006/metadata/properties" xmlns:xsi="http://www.w3.org/2001/XMLSchema-instance" xmlns:pc="http://schemas.microsoft.com/office/infopath/2007/PartnerControls">
-  <documentManagement/>
-</p:properties>
+<?mso-contentType ?>
+<FormTemplates xmlns="http://schemas.microsoft.com/sharepoint/v3/contenttype/forms">
+  <Display>DocumentLibraryForm</Display>
+  <Edit>DocumentLibraryForm</Edit>
+  <New>DocumentLibraryForm</New>
+</FormTemplates>
 </file>
 
 <file path=customXml/item2.xml><?xml version="1.0" encoding="utf-8"?>
@@ -4831,25 +4834,15 @@
 </file>
 
 <file path=customXml/item3.xml><?xml version="1.0" encoding="utf-8"?>
-<?mso-contentType ?>
-<FormTemplates xmlns="http://schemas.microsoft.com/sharepoint/v3/contenttype/forms">
-  <Display>DocumentLibraryForm</Display>
-  <Edit>DocumentLibraryForm</Edit>
-  <New>DocumentLibraryForm</New>
-</FormTemplates>
+<p:properties xmlns:p="http://schemas.microsoft.com/office/2006/metadata/properties" xmlns:xsi="http://www.w3.org/2001/XMLSchema-instance" xmlns:pc="http://schemas.microsoft.com/office/infopath/2007/PartnerControls">
+  <documentManagement/>
+</p:properties>
 </file>
 
 <file path=customXml/itemProps1.xml><?xml version="1.0" encoding="utf-8"?>
-<ds:datastoreItem xmlns:ds="http://schemas.openxmlformats.org/officeDocument/2006/customXml" ds:itemID="{A50EC660-24D0-43A0-AE5E-E274115E726B}">
+<ds:datastoreItem xmlns:ds="http://schemas.openxmlformats.org/officeDocument/2006/customXml" ds:itemID="{19E20559-B232-4371-8690-E3D8007EDB82}">
   <ds:schemaRefs>
-    <ds:schemaRef ds:uri="http://purl.org/dc/elements/1.1/"/>
-    <ds:schemaRef ds:uri="http://schemas.microsoft.com/office/2006/metadata/properties"/>
-    <ds:schemaRef ds:uri="http://purl.org/dc/terms/"/>
-    <ds:schemaRef ds:uri="http://schemas.openxmlformats.org/package/2006/metadata/core-properties"/>
-    <ds:schemaRef ds:uri="http://schemas.microsoft.com/office/2006/documentManagement/types"/>
-    <ds:schemaRef ds:uri="http://www.w3.org/XML/1998/namespace"/>
-    <ds:schemaRef ds:uri="http://purl.org/dc/dcmitype/"/>
-    <ds:schemaRef ds:uri="http://schemas.microsoft.com/office/infopath/2007/PartnerControls"/>
+    <ds:schemaRef ds:uri="http://schemas.microsoft.com/sharepoint/v3/contenttype/forms"/>
   </ds:schemaRefs>
 </ds:datastoreItem>
 </file>
@@ -4870,9 +4863,16 @@
 </file>
 
 <file path=customXml/itemProps3.xml><?xml version="1.0" encoding="utf-8"?>
-<ds:datastoreItem xmlns:ds="http://schemas.openxmlformats.org/officeDocument/2006/customXml" ds:itemID="{19E20559-B232-4371-8690-E3D8007EDB82}">
+<ds:datastoreItem xmlns:ds="http://schemas.openxmlformats.org/officeDocument/2006/customXml" ds:itemID="{A50EC660-24D0-43A0-AE5E-E274115E726B}">
   <ds:schemaRefs>
-    <ds:schemaRef ds:uri="http://schemas.microsoft.com/sharepoint/v3/contenttype/forms"/>
+    <ds:schemaRef ds:uri="http://purl.org/dc/elements/1.1/"/>
+    <ds:schemaRef ds:uri="http://schemas.microsoft.com/office/2006/metadata/properties"/>
+    <ds:schemaRef ds:uri="http://purl.org/dc/terms/"/>
+    <ds:schemaRef ds:uri="http://schemas.openxmlformats.org/package/2006/metadata/core-properties"/>
+    <ds:schemaRef ds:uri="http://schemas.microsoft.com/office/2006/documentManagement/types"/>
+    <ds:schemaRef ds:uri="http://www.w3.org/XML/1998/namespace"/>
+    <ds:schemaRef ds:uri="http://purl.org/dc/dcmitype/"/>
+    <ds:schemaRef ds:uri="http://schemas.microsoft.com/office/infopath/2007/PartnerControls"/>
   </ds:schemaRefs>
 </ds:datastoreItem>
 </file>
--- a/license-master.pptx
+++ b/license-master.pptx
@@ -255,7 +255,7 @@
           <a:p>
             <a:fld id="{0B842F42-2CE9-4E35-95C1-410DC08A50B1}" type="datetimeFigureOut">
               <a:rPr lang="en-US" smtClean="0"/>
-              <a:t>9/27/20</a:t>
+              <a:t>9/28/2020</a:t>
             </a:fld>
             <a:endParaRPr lang="en-US"/>
           </a:p>
@@ -420,7 +420,7 @@
           <a:p>
             <a:fld id="{6F282904-F315-4730-8D91-37D99E141A6F}" type="datetimeFigureOut">
               <a:rPr lang="en-US" smtClean="0"/>
-              <a:t>9/27/20</a:t>
+              <a:t>9/28/2020</a:t>
             </a:fld>
             <a:endParaRPr lang="en-US"/>
           </a:p>
@@ -3775,15 +3775,7 @@
             </a:pPr>
             <a:r>
               <a:rPr lang="en-US" sz="1400" dirty="0"/>
-              <a:t>This work was performed in part at the Los Alamos National Laboratory, which is </a:t>
-            </a:r>
-            <a:r>
-              <a:rPr lang="en-US" sz="1400"/>
-              <a:t>managed by Triad </a:t>
-            </a:r>
-            <a:r>
-              <a:rPr lang="en-US" sz="1400" dirty="0"/>
-              <a:t>National Security, LLC for the U.S. Department of Energy under Contract No.89233218CNA000001</a:t>
+              <a:t>This work was performed in part at the Los Alamos National Laboratory, which is managed by Triad National Security, LLC for the U.S. Department of Energy under Contract No.89233218CNA000001</a:t>
             </a:r>
           </a:p>
           <a:p>
@@ -3794,11 +3786,7 @@
             </a:pPr>
             <a:r>
               <a:rPr lang="en-US" sz="1400" dirty="0"/>
-              <a:t>This work was performed in part at Sandia National Laboratories. Sandia National Laboratories is a multi-mission laboratory managed and operated by National Technology and Engineering Solutions of Sandia, LLC., a wholly owned subsidiary of Honeywell International, Inc., for the U.S. Department of Energy’s National Nuclear Security Administration under contract DE-NA0003525</a:t>
-            </a:r>
-            <a:r>
-              <a:rPr lang="en-US" sz="1600" dirty="0"/>
-              <a:t>.</a:t>
+              <a:t>This work was performed in part at Sandia National Laboratories. Sandia National Laboratories is a multi-mission laboratory managed and operated by National Technology and Engineering Solutions of Sandia, LLC., a wholly owned subsidiary of Honeywell International, Inc., for the U.S. Department of Energy’s National Nuclear Security Administration under contract DE-NA0003525.</a:t>
             </a:r>
           </a:p>
         </p:txBody>
@@ -4776,12 +4764,9 @@
 </file>
 
 <file path=customXml/item1.xml><?xml version="1.0" encoding="utf-8"?>
-<?mso-contentType ?>
-<FormTemplates xmlns="http://schemas.microsoft.com/sharepoint/v3/contenttype/forms">
-  <Display>DocumentLibraryForm</Display>
-  <Edit>DocumentLibraryForm</Edit>
-  <New>DocumentLibraryForm</New>
-</FormTemplates>
+<p:properties xmlns:p="http://schemas.microsoft.com/office/2006/metadata/properties" xmlns:xsi="http://www.w3.org/2001/XMLSchema-instance" xmlns:pc="http://schemas.microsoft.com/office/infopath/2007/PartnerControls">
+  <documentManagement/>
+</p:properties>
 </file>
 
 <file path=customXml/item2.xml><?xml version="1.0" encoding="utf-8"?>
@@ -4834,15 +4819,25 @@
 </file>
 
 <file path=customXml/item3.xml><?xml version="1.0" encoding="utf-8"?>
-<p:properties xmlns:p="http://schemas.microsoft.com/office/2006/metadata/properties" xmlns:xsi="http://www.w3.org/2001/XMLSchema-instance" xmlns:pc="http://schemas.microsoft.com/office/infopath/2007/PartnerControls">
-  <documentManagement/>
-</p:properties>
+<?mso-contentType ?>
+<FormTemplates xmlns="http://schemas.microsoft.com/sharepoint/v3/contenttype/forms">
+  <Display>DocumentLibraryForm</Display>
+  <Edit>DocumentLibraryForm</Edit>
+  <New>DocumentLibraryForm</New>
+</FormTemplates>
 </file>
 
 <file path=customXml/itemProps1.xml><?xml version="1.0" encoding="utf-8"?>
-<ds:datastoreItem xmlns:ds="http://schemas.openxmlformats.org/officeDocument/2006/customXml" ds:itemID="{19E20559-B232-4371-8690-E3D8007EDB82}">
+<ds:datastoreItem xmlns:ds="http://schemas.openxmlformats.org/officeDocument/2006/customXml" ds:itemID="{A50EC660-24D0-43A0-AE5E-E274115E726B}">
   <ds:schemaRefs>
-    <ds:schemaRef ds:uri="http://schemas.microsoft.com/sharepoint/v3/contenttype/forms"/>
+    <ds:schemaRef ds:uri="http://purl.org/dc/elements/1.1/"/>
+    <ds:schemaRef ds:uri="http://schemas.microsoft.com/office/2006/metadata/properties"/>
+    <ds:schemaRef ds:uri="http://purl.org/dc/terms/"/>
+    <ds:schemaRef ds:uri="http://schemas.openxmlformats.org/package/2006/metadata/core-properties"/>
+    <ds:schemaRef ds:uri="http://schemas.microsoft.com/office/2006/documentManagement/types"/>
+    <ds:schemaRef ds:uri="http://www.w3.org/XML/1998/namespace"/>
+    <ds:schemaRef ds:uri="http://purl.org/dc/dcmitype/"/>
+    <ds:schemaRef ds:uri="http://schemas.microsoft.com/office/infopath/2007/PartnerControls"/>
   </ds:schemaRefs>
 </ds:datastoreItem>
 </file>
@@ -4863,16 +4858,9 @@
 </file>
 
 <file path=customXml/itemProps3.xml><?xml version="1.0" encoding="utf-8"?>
-<ds:datastoreItem xmlns:ds="http://schemas.openxmlformats.org/officeDocument/2006/customXml" ds:itemID="{A50EC660-24D0-43A0-AE5E-E274115E726B}">
+<ds:datastoreItem xmlns:ds="http://schemas.openxmlformats.org/officeDocument/2006/customXml" ds:itemID="{19E20559-B232-4371-8690-E3D8007EDB82}">
   <ds:schemaRefs>
-    <ds:schemaRef ds:uri="http://purl.org/dc/elements/1.1/"/>
-    <ds:schemaRef ds:uri="http://schemas.microsoft.com/office/2006/metadata/properties"/>
-    <ds:schemaRef ds:uri="http://purl.org/dc/terms/"/>
-    <ds:schemaRef ds:uri="http://schemas.openxmlformats.org/package/2006/metadata/core-properties"/>
-    <ds:schemaRef ds:uri="http://schemas.microsoft.com/office/2006/documentManagement/types"/>
-    <ds:schemaRef ds:uri="http://www.w3.org/XML/1998/namespace"/>
-    <ds:schemaRef ds:uri="http://purl.org/dc/dcmitype/"/>
-    <ds:schemaRef ds:uri="http://schemas.microsoft.com/office/infopath/2007/PartnerControls"/>
+    <ds:schemaRef ds:uri="http://schemas.microsoft.com/sharepoint/v3/contenttype/forms"/>
   </ds:schemaRefs>
 </ds:datastoreItem>
 </file>
--- a/license-master.pptx
+++ b/license-master.pptx
@@ -255,7 +255,7 @@
           <a:p>
             <a:fld id="{0B842F42-2CE9-4E35-95C1-410DC08A50B1}" type="datetimeFigureOut">
               <a:rPr lang="en-US" smtClean="0"/>
-              <a:t>9/28/2020</a:t>
+              <a:t>3/21/2021</a:t>
             </a:fld>
             <a:endParaRPr lang="en-US"/>
           </a:p>
@@ -420,7 +420,7 @@
           <a:p>
             <a:fld id="{6F282904-F315-4730-8D91-37D99E141A6F}" type="datetimeFigureOut">
               <a:rPr lang="en-US" smtClean="0"/>
-              <a:t>9/28/2020</a:t>
+              <a:t>3/21/2021</a:t>
             </a:fld>
             <a:endParaRPr lang="en-US"/>
           </a:p>
@@ -3629,13 +3629,13 @@
             </a:pPr>
             <a:r>
               <a:rPr lang="en-US" sz="1600" b="1" dirty="0"/>
-              <a:t>The requested citation the overall tutorial is: David E. Bernholdt, Anshu Dubey, Patricia A. Grubel, Rinku K. Gupta, Better Scientific Software tutorial, in SC ‘20: International Conference for High Performance Computing, Networking, Storage and Analysis, online, 2020. DOI: </a:t>
+              <a:t>The requested citation the overall tutorial is: David E. Bernholdt, Anshu Dubey, Rinku K. Gupta, and David M. Rogers, Better Scientific Software tutorial, in Improving Scientific Software conference, online, 2021. DOI: </a:t>
             </a:r>
             <a:r>
               <a:rPr lang="en-US" sz="1600" b="1" dirty="0">
                 <a:hlinkClick r:id="rId4"/>
               </a:rPr>
-              <a:t>10.6084/m9.figshare.12994376</a:t>
+              <a:t>10.6084/m9.figshare.14256257</a:t>
             </a:r>
             <a:endParaRPr lang="en-US" sz="1600" b="1" dirty="0"/>
           </a:p>
@@ -4764,9 +4764,12 @@
 </file>
 
 <file path=customXml/item1.xml><?xml version="1.0" encoding="utf-8"?>
-<p:properties xmlns:p="http://schemas.microsoft.com/office/2006/metadata/properties" xmlns:xsi="http://www.w3.org/2001/XMLSchema-instance" xmlns:pc="http://schemas.microsoft.com/office/infopath/2007/PartnerControls">
-  <documentManagement/>
-</p:properties>
+<?mso-contentType ?>
+<FormTemplates xmlns="http://schemas.microsoft.com/sharepoint/v3/contenttype/forms">
+  <Display>DocumentLibraryForm</Display>
+  <Edit>DocumentLibraryForm</Edit>
+  <New>DocumentLibraryForm</New>
+</FormTemplates>
 </file>
 
 <file path=customXml/item2.xml><?xml version="1.0" encoding="utf-8"?>
@@ -4819,25 +4822,15 @@
 </file>
 
 <file path=customXml/item3.xml><?xml version="1.0" encoding="utf-8"?>
-<?mso-contentType ?>
-<FormTemplates xmlns="http://schemas.microsoft.com/sharepoint/v3/contenttype/forms">
-  <Display>DocumentLibraryForm</Display>
-  <Edit>DocumentLibraryForm</Edit>
-  <New>DocumentLibraryForm</New>
-</FormTemplates>
+<p:properties xmlns:p="http://schemas.microsoft.com/office/2006/metadata/properties" xmlns:xsi="http://www.w3.org/2001/XMLSchema-instance" xmlns:pc="http://schemas.microsoft.com/office/infopath/2007/PartnerControls">
+  <documentManagement/>
+</p:properties>
 </file>
 
 <file path=customXml/itemProps1.xml><?xml version="1.0" encoding="utf-8"?>
-<ds:datastoreItem xmlns:ds="http://schemas.openxmlformats.org/officeDocument/2006/customXml" ds:itemID="{A50EC660-24D0-43A0-AE5E-E274115E726B}">
+<ds:datastoreItem xmlns:ds="http://schemas.openxmlformats.org/officeDocument/2006/customXml" ds:itemID="{19E20559-B232-4371-8690-E3D8007EDB82}">
   <ds:schemaRefs>
-    <ds:schemaRef ds:uri="http://purl.org/dc/elements/1.1/"/>
-    <ds:schemaRef ds:uri="http://schemas.microsoft.com/office/2006/metadata/properties"/>
-    <ds:schemaRef ds:uri="http://purl.org/dc/terms/"/>
-    <ds:schemaRef ds:uri="http://schemas.openxmlformats.org/package/2006/metadata/core-properties"/>
-    <ds:schemaRef ds:uri="http://schemas.microsoft.com/office/2006/documentManagement/types"/>
-    <ds:schemaRef ds:uri="http://www.w3.org/XML/1998/namespace"/>
-    <ds:schemaRef ds:uri="http://purl.org/dc/dcmitype/"/>
-    <ds:schemaRef ds:uri="http://schemas.microsoft.com/office/infopath/2007/PartnerControls"/>
+    <ds:schemaRef ds:uri="http://schemas.microsoft.com/sharepoint/v3/contenttype/forms"/>
   </ds:schemaRefs>
 </ds:datastoreItem>
 </file>
@@ -4858,9 +4851,16 @@
 </file>
 
 <file path=customXml/itemProps3.xml><?xml version="1.0" encoding="utf-8"?>
-<ds:datastoreItem xmlns:ds="http://schemas.openxmlformats.org/officeDocument/2006/customXml" ds:itemID="{19E20559-B232-4371-8690-E3D8007EDB82}">
+<ds:datastoreItem xmlns:ds="http://schemas.openxmlformats.org/officeDocument/2006/customXml" ds:itemID="{A50EC660-24D0-43A0-AE5E-E274115E726B}">
   <ds:schemaRefs>
-    <ds:schemaRef ds:uri="http://schemas.microsoft.com/sharepoint/v3/contenttype/forms"/>
+    <ds:schemaRef ds:uri="http://purl.org/dc/elements/1.1/"/>
+    <ds:schemaRef ds:uri="http://schemas.microsoft.com/office/2006/metadata/properties"/>
+    <ds:schemaRef ds:uri="http://purl.org/dc/terms/"/>
+    <ds:schemaRef ds:uri="http://schemas.openxmlformats.org/package/2006/metadata/core-properties"/>
+    <ds:schemaRef ds:uri="http://schemas.microsoft.com/office/2006/documentManagement/types"/>
+    <ds:schemaRef ds:uri="http://www.w3.org/XML/1998/namespace"/>
+    <ds:schemaRef ds:uri="http://purl.org/dc/dcmitype/"/>
+    <ds:schemaRef ds:uri="http://schemas.microsoft.com/office/infopath/2007/PartnerControls"/>
   </ds:schemaRefs>
 </ds:datastoreItem>
 </file>
--- a/license-master.pptx
+++ b/license-master.pptx
@@ -255,7 +255,7 @@
           <a:p>
             <a:fld id="{0B842F42-2CE9-4E35-95C1-410DC08A50B1}" type="datetimeFigureOut">
               <a:rPr lang="en-US" smtClean="0"/>
-              <a:t>3/21/2021</a:t>
+              <a:t>4/6/2021</a:t>
             </a:fld>
             <a:endParaRPr lang="en-US"/>
           </a:p>
@@ -420,7 +420,7 @@
           <a:p>
             <a:fld id="{6F282904-F315-4730-8D91-37D99E141A6F}" type="datetimeFigureOut">
               <a:rPr lang="en-US" smtClean="0"/>
-              <a:t>3/21/2021</a:t>
+              <a:t>4/6/2021</a:t>
             </a:fld>
             <a:endParaRPr lang="en-US"/>
           </a:p>
@@ -3629,13 +3629,29 @@
             </a:pPr>
             <a:r>
               <a:rPr lang="en-US" sz="1600" b="1" dirty="0"/>
-              <a:t>The requested citation the overall tutorial is: David E. Bernholdt, Anshu Dubey, Rinku K. Gupta, and David M. Rogers, Better Scientific Software tutorial, in Improving Scientific Software conference, online, 2021. DOI: </a:t>
+              <a:t>The requested citation the overall tutorial is: David E. Bernholdt, Patricia A. Grubel, and James M. </a:t>
+            </a:r>
+            <a:r>
+              <a:rPr lang="en-US" sz="1600" b="1" dirty="0" err="1"/>
+              <a:t>Willenbring</a:t>
+            </a:r>
+            <a:r>
+              <a:rPr lang="en-US" sz="1600" b="1" dirty="0"/>
+              <a:t>, Developing a Testing and Continuous Integration Strategy for your Team tutorial, in </a:t>
+            </a:r>
+            <a:r>
+              <a:rPr lang="en-US" sz="1600" b="1" dirty="0" err="1"/>
+              <a:t>Exascale</a:t>
+            </a:r>
+            <a:r>
+              <a:rPr lang="en-US" sz="1600" b="1" dirty="0"/>
+              <a:t> Computing Project Annual Meeting, online, 2021. DOI: </a:t>
             </a:r>
             <a:r>
               <a:rPr lang="en-US" sz="1600" b="1" dirty="0">
                 <a:hlinkClick r:id="rId4"/>
               </a:rPr>
-              <a:t>10.6084/m9.figshare.14256257</a:t>
+              <a:t>10.6084/m9.figshare.14376956</a:t>
             </a:r>
             <a:endParaRPr lang="en-US" sz="1600" b="1" dirty="0"/>
           </a:p>
@@ -3678,15 +3694,7 @@
             </a:pPr>
             <a:r>
               <a:rPr lang="en-US" sz="1400" dirty="0"/>
-              <a:t>Additional contributors include: Mike </a:t>
-            </a:r>
-            <a:r>
-              <a:rPr lang="en-US" sz="1400" dirty="0" err="1"/>
-              <a:t>Heroux</a:t>
-            </a:r>
-            <a:r>
-              <a:rPr lang="en-US" sz="1400" dirty="0"/>
-              <a:t>, Alicia </a:t>
+              <a:t>Additional contributors include: David E. Bernholdt, Anshu Dubey, Rinku K. Gupta, Mike Heroux, Alicia </a:t>
             </a:r>
             <a:r>
               <a:rPr lang="en-US" sz="1400" dirty="0" err="1"/>
@@ -4764,12 +4772,9 @@
 </file>
 
 <file path=customXml/item1.xml><?xml version="1.0" encoding="utf-8"?>
-<?mso-contentType ?>
-<FormTemplates xmlns="http://schemas.microsoft.com/sharepoint/v3/contenttype/forms">
-  <Display>DocumentLibraryForm</Display>
-  <Edit>DocumentLibraryForm</Edit>
-  <New>DocumentLibraryForm</New>
-</FormTemplates>
+<p:properties xmlns:p="http://schemas.microsoft.com/office/2006/metadata/properties" xmlns:xsi="http://www.w3.org/2001/XMLSchema-instance" xmlns:pc="http://schemas.microsoft.com/office/infopath/2007/PartnerControls">
+  <documentManagement/>
+</p:properties>
 </file>
 
 <file path=customXml/item2.xml><?xml version="1.0" encoding="utf-8"?>
@@ -4822,15 +4827,25 @@
 </file>
 
 <file path=customXml/item3.xml><?xml version="1.0" encoding="utf-8"?>
-<p:properties xmlns:p="http://schemas.microsoft.com/office/2006/metadata/properties" xmlns:xsi="http://www.w3.org/2001/XMLSchema-instance" xmlns:pc="http://schemas.microsoft.com/office/infopath/2007/PartnerControls">
-  <documentManagement/>
-</p:properties>
+<?mso-contentType ?>
+<FormTemplates xmlns="http://schemas.microsoft.com/sharepoint/v3/contenttype/forms">
+  <Display>DocumentLibraryForm</Display>
+  <Edit>DocumentLibraryForm</Edit>
+  <New>DocumentLibraryForm</New>
+</FormTemplates>
 </file>
 
 <file path=customXml/itemProps1.xml><?xml version="1.0" encoding="utf-8"?>
-<ds:datastoreItem xmlns:ds="http://schemas.openxmlformats.org/officeDocument/2006/customXml" ds:itemID="{19E20559-B232-4371-8690-E3D8007EDB82}">
+<ds:datastoreItem xmlns:ds="http://schemas.openxmlformats.org/officeDocument/2006/customXml" ds:itemID="{A50EC660-24D0-43A0-AE5E-E274115E726B}">
   <ds:schemaRefs>
-    <ds:schemaRef ds:uri="http://schemas.microsoft.com/sharepoint/v3/contenttype/forms"/>
+    <ds:schemaRef ds:uri="http://purl.org/dc/elements/1.1/"/>
+    <ds:schemaRef ds:uri="http://schemas.microsoft.com/office/2006/metadata/properties"/>
+    <ds:schemaRef ds:uri="http://purl.org/dc/terms/"/>
+    <ds:schemaRef ds:uri="http://schemas.openxmlformats.org/package/2006/metadata/core-properties"/>
+    <ds:schemaRef ds:uri="http://schemas.microsoft.com/office/2006/documentManagement/types"/>
+    <ds:schemaRef ds:uri="http://www.w3.org/XML/1998/namespace"/>
+    <ds:schemaRef ds:uri="http://purl.org/dc/dcmitype/"/>
+    <ds:schemaRef ds:uri="http://schemas.microsoft.com/office/infopath/2007/PartnerControls"/>
   </ds:schemaRefs>
 </ds:datastoreItem>
 </file>
@@ -4851,16 +4866,9 @@
 </file>
 
 <file path=customXml/itemProps3.xml><?xml version="1.0" encoding="utf-8"?>
-<ds:datastoreItem xmlns:ds="http://schemas.openxmlformats.org/officeDocument/2006/customXml" ds:itemID="{A50EC660-24D0-43A0-AE5E-E274115E726B}">
+<ds:datastoreItem xmlns:ds="http://schemas.openxmlformats.org/officeDocument/2006/customXml" ds:itemID="{19E20559-B232-4371-8690-E3D8007EDB82}">
   <ds:schemaRefs>
-    <ds:schemaRef ds:uri="http://purl.org/dc/elements/1.1/"/>
-    <ds:schemaRef ds:uri="http://schemas.microsoft.com/office/2006/metadata/properties"/>
-    <ds:schemaRef ds:uri="http://purl.org/dc/terms/"/>
-    <ds:schemaRef ds:uri="http://schemas.openxmlformats.org/package/2006/metadata/core-properties"/>
-    <ds:schemaRef ds:uri="http://schemas.microsoft.com/office/2006/documentManagement/types"/>
-    <ds:schemaRef ds:uri="http://www.w3.org/XML/1998/namespace"/>
-    <ds:schemaRef ds:uri="http://purl.org/dc/dcmitype/"/>
-    <ds:schemaRef ds:uri="http://schemas.microsoft.com/office/infopath/2007/PartnerControls"/>
+    <ds:schemaRef ds:uri="http://schemas.microsoft.com/sharepoint/v3/contenttype/forms"/>
   </ds:schemaRefs>
 </ds:datastoreItem>
 </file>
--- a/license-master.pptx
+++ b/license-master.pptx
@@ -255,7 +255,7 @@
           <a:p>
             <a:fld id="{0B842F42-2CE9-4E35-95C1-410DC08A50B1}" type="datetimeFigureOut">
               <a:rPr lang="en-US" smtClean="0"/>
-              <a:t>4/6/2021</a:t>
+              <a:t>5/21/2021</a:t>
             </a:fld>
             <a:endParaRPr lang="en-US"/>
           </a:p>
@@ -420,7 +420,7 @@
           <a:p>
             <a:fld id="{6F282904-F315-4730-8D91-37D99E141A6F}" type="datetimeFigureOut">
               <a:rPr lang="en-US" smtClean="0"/>
-              <a:t>4/6/2021</a:t>
+              <a:t>5/21/2021</a:t>
             </a:fld>
             <a:endParaRPr lang="en-US"/>
           </a:p>
@@ -1028,7 +1028,7 @@
         </p:blipFill>
         <p:spPr>
           <a:xfrm>
-            <a:off x="360640" y="483164"/>
+            <a:off x="360639" y="483164"/>
             <a:ext cx="2050840" cy="935496"/>
           </a:xfrm>
           <a:prstGeom prst="rect">
@@ -1115,45 +1115,10 @@
       </p:pic>
       <p:pic>
         <p:nvPicPr>
-          <p:cNvPr id="11" name="Picture 10">
+          <p:cNvPr id="8" name="Picture 7" descr="A picture containing shape&#10;&#10;Description automatically generated">
             <a:extLst>
               <a:ext uri="{FF2B5EF4-FFF2-40B4-BE49-F238E27FC236}">
-                <a16:creationId xmlns:a16="http://schemas.microsoft.com/office/drawing/2014/main" id="{FEB516F4-C09A-4E83-A0F1-168C638F25AA}"/>
-              </a:ext>
-            </a:extLst>
-          </p:cNvPr>
-          <p:cNvPicPr>
-            <a:picLocks noChangeAspect="1"/>
-          </p:cNvPicPr>
-          <p:nvPr userDrawn="1"/>
-        </p:nvPicPr>
-        <p:blipFill rotWithShape="1">
-          <a:blip r:embed="rId7">
-            <a:extLst>
-              <a:ext uri="{28A0092B-C50C-407E-A947-70E740481C1C}">
-                <a14:useLocalDpi xmlns:a14="http://schemas.microsoft.com/office/drawing/2010/main" val="0"/>
-              </a:ext>
-            </a:extLst>
-          </a:blip>
-          <a:srcRect r="58932" b="1495"/>
-          <a:stretch/>
-        </p:blipFill>
-        <p:spPr>
-          <a:xfrm rot="10800000">
-            <a:off x="-1" y="1572767"/>
-            <a:ext cx="2852965" cy="4078297"/>
-          </a:xfrm>
-          <a:prstGeom prst="rect">
-            <a:avLst/>
-          </a:prstGeom>
-        </p:spPr>
-      </p:pic>
-      <p:pic>
-        <p:nvPicPr>
-          <p:cNvPr id="10" name="Picture 9" descr="IDEAS_logo.png">
-            <a:extLst>
-              <a:ext uri="{FF2B5EF4-FFF2-40B4-BE49-F238E27FC236}">
-                <a16:creationId xmlns:a16="http://schemas.microsoft.com/office/drawing/2014/main" id="{9DE86E9C-D24A-4552-A542-495444B5B047}"/>
+                <a16:creationId xmlns:a16="http://schemas.microsoft.com/office/drawing/2014/main" id="{C432A180-7341-4E28-8C2B-73F9AB53D13F}"/>
               </a:ext>
             </a:extLst>
           </p:cNvPr>
@@ -1163,10 +1128,10 @@
           <p:nvPr userDrawn="1"/>
         </p:nvPicPr>
         <p:blipFill>
-          <a:blip r:embed="rId8" cstate="print">
+          <a:blip r:embed="rId7">
             <a:extLst>
               <a:ext uri="{28A0092B-C50C-407E-A947-70E740481C1C}">
-                <a14:useLocalDpi xmlns:a14="http://schemas.microsoft.com/office/drawing/2010/main"/>
+                <a14:useLocalDpi xmlns:a14="http://schemas.microsoft.com/office/drawing/2010/main" val="0"/>
               </a:ext>
             </a:extLst>
           </a:blip>
@@ -1176,8 +1141,8 @@
         </p:blipFill>
         <p:spPr>
           <a:xfrm>
-            <a:off x="211056" y="1848659"/>
-            <a:ext cx="2350008" cy="815135"/>
+            <a:off x="331810" y="1848659"/>
+            <a:ext cx="2108499" cy="914400"/>
           </a:xfrm>
           <a:prstGeom prst="rect">
             <a:avLst/>
@@ -1198,6 +1163,604 @@
 </file>
 
 <file path=ppt/slideLayouts/slideLayout2.xml><?xml version="1.0" encoding="utf-8"?>
+<p:sldLayout xmlns:a="http://schemas.openxmlformats.org/drawingml/2006/main" xmlns:r="http://schemas.openxmlformats.org/officeDocument/2006/relationships" xmlns:p="http://schemas.openxmlformats.org/presentationml/2006/main" showMasterSp="0" preserve="1" userDrawn="1">
+  <p:cSld name="8_Title Slide">
+    <p:spTree>
+      <p:nvGrpSpPr>
+        <p:cNvPr id="1" name=""/>
+        <p:cNvGrpSpPr/>
+        <p:nvPr/>
+      </p:nvGrpSpPr>
+      <p:grpSpPr>
+        <a:xfrm>
+          <a:off x="0" y="0"/>
+          <a:ext cx="0" cy="0"/>
+          <a:chOff x="0" y="0"/>
+          <a:chExt cx="0" cy="0"/>
+        </a:xfrm>
+      </p:grpSpPr>
+      <p:sp>
+        <p:nvSpPr>
+          <p:cNvPr id="4" name="Rectangle 3">
+            <a:extLst>
+              <a:ext uri="{FF2B5EF4-FFF2-40B4-BE49-F238E27FC236}">
+                <a16:creationId xmlns:a16="http://schemas.microsoft.com/office/drawing/2014/main" id="{2E2177C6-060C-4445-8C10-ADA6D3CE5F74}"/>
+              </a:ext>
+            </a:extLst>
+          </p:cNvPr>
+          <p:cNvSpPr/>
+          <p:nvPr userDrawn="1"/>
+        </p:nvSpPr>
+        <p:spPr>
+          <a:xfrm>
+            <a:off x="0" y="6186396"/>
+            <a:ext cx="12188825" cy="671604"/>
+          </a:xfrm>
+          <a:prstGeom prst="rect">
+            <a:avLst/>
+          </a:prstGeom>
+          <a:solidFill>
+            <a:schemeClr val="accent1">
+              <a:lumMod val="75000"/>
+            </a:schemeClr>
+          </a:solidFill>
+          <a:ln>
+            <a:noFill/>
+          </a:ln>
+          <a:effectLst/>
+          <a:scene3d>
+            <a:camera prst="orthographicFront">
+              <a:rot lat="0" lon="0" rev="0"/>
+            </a:camera>
+            <a:lightRig rig="threePt" dir="t">
+              <a:rot lat="0" lon="0" rev="1200000"/>
+            </a:lightRig>
+          </a:scene3d>
+          <a:sp3d/>
+        </p:spPr>
+        <p:style>
+          <a:lnRef idx="0">
+            <a:schemeClr val="accent1"/>
+          </a:lnRef>
+          <a:fillRef idx="3">
+            <a:schemeClr val="accent1"/>
+          </a:fillRef>
+          <a:effectRef idx="3">
+            <a:schemeClr val="accent1"/>
+          </a:effectRef>
+          <a:fontRef idx="minor">
+            <a:schemeClr val="lt1"/>
+          </a:fontRef>
+        </p:style>
+        <p:txBody>
+          <a:bodyPr rot="0" spcFirstLastPara="0" vertOverflow="overflow" horzOverflow="overflow" vert="horz" wrap="square" lIns="548640" tIns="45720" rIns="45720" bIns="45720" numCol="1" spcCol="0" rtlCol="0" fromWordArt="0" anchor="ctr" anchorCtr="0" forceAA="0" compatLnSpc="1">
+            <a:prstTxWarp prst="textNoShape">
+              <a:avLst/>
+            </a:prstTxWarp>
+            <a:noAutofit/>
+          </a:bodyPr>
+          <a:lstStyle/>
+          <a:p>
+            <a:pPr algn="l">
+              <a:lnSpc>
+                <a:spcPct val="90000"/>
+              </a:lnSpc>
+            </a:pPr>
+            <a:r>
+              <a:rPr lang="en-US" sz="1600" dirty="0">
+                <a:ln>
+                  <a:noFill/>
+                </a:ln>
+                <a:solidFill>
+                  <a:schemeClr val="bg1"/>
+                </a:solidFill>
+              </a:rPr>
+              <a:t>exascaleproject.org</a:t>
+            </a:r>
+          </a:p>
+        </p:txBody>
+      </p:sp>
+      <p:sp>
+        <p:nvSpPr>
+          <p:cNvPr id="22" name="Rectangle 21"/>
+          <p:cNvSpPr/>
+          <p:nvPr userDrawn="1"/>
+        </p:nvSpPr>
+        <p:spPr>
+          <a:xfrm>
+            <a:off x="8305800" y="5921829"/>
+            <a:ext cx="3883025" cy="936171"/>
+          </a:xfrm>
+          <a:prstGeom prst="rect">
+            <a:avLst/>
+          </a:prstGeom>
+          <a:noFill/>
+          <a:ln>
+            <a:noFill/>
+          </a:ln>
+          <a:effectLst/>
+          <a:scene3d>
+            <a:camera prst="orthographicFront">
+              <a:rot lat="0" lon="0" rev="0"/>
+            </a:camera>
+            <a:lightRig rig="threePt" dir="t">
+              <a:rot lat="0" lon="0" rev="1200000"/>
+            </a:lightRig>
+          </a:scene3d>
+          <a:sp3d/>
+        </p:spPr>
+        <p:style>
+          <a:lnRef idx="0">
+            <a:schemeClr val="accent1"/>
+          </a:lnRef>
+          <a:fillRef idx="3">
+            <a:schemeClr val="accent1"/>
+          </a:fillRef>
+          <a:effectRef idx="3">
+            <a:schemeClr val="accent1"/>
+          </a:effectRef>
+          <a:fontRef idx="minor">
+            <a:schemeClr val="lt1"/>
+          </a:fontRef>
+        </p:style>
+        <p:txBody>
+          <a:bodyPr rot="0" spcFirstLastPara="0" vertOverflow="overflow" horzOverflow="overflow" vert="horz" wrap="square" lIns="45720" tIns="45720" rIns="45720" bIns="45720" numCol="1" spcCol="0" rtlCol="0" fromWordArt="0" anchor="ctr" anchorCtr="0" forceAA="0" compatLnSpc="1">
+            <a:prstTxWarp prst="textNoShape">
+              <a:avLst/>
+            </a:prstTxWarp>
+            <a:noAutofit/>
+          </a:bodyPr>
+          <a:lstStyle/>
+          <a:p>
+            <a:pPr algn="ctr">
+              <a:lnSpc>
+                <a:spcPct val="90000"/>
+              </a:lnSpc>
+            </a:pPr>
+            <a:endParaRPr lang="en-US" dirty="0">
+              <a:solidFill>
+                <a:schemeClr val="tx1"/>
+              </a:solidFill>
+            </a:endParaRPr>
+          </a:p>
+        </p:txBody>
+      </p:sp>
+      <p:sp>
+        <p:nvSpPr>
+          <p:cNvPr id="2" name="Title 1"/>
+          <p:cNvSpPr>
+            <a:spLocks noGrp="1"/>
+          </p:cNvSpPr>
+          <p:nvPr userDrawn="1">
+            <p:ph type="ctrTitle"/>
+          </p:nvPr>
+        </p:nvSpPr>
+        <p:spPr>
+          <a:xfrm>
+            <a:off x="3177633" y="503144"/>
+            <a:ext cx="8292316" cy="1030930"/>
+          </a:xfrm>
+        </p:spPr>
+        <p:txBody>
+          <a:bodyPr anchor="b"/>
+          <a:lstStyle>
+            <a:lvl1pPr algn="l">
+              <a:defRPr sz="3200" b="1">
+                <a:solidFill>
+                  <a:schemeClr val="tx1"/>
+                </a:solidFill>
+                <a:latin typeface="+mn-lt"/>
+              </a:defRPr>
+            </a:lvl1pPr>
+          </a:lstStyle>
+          <a:p>
+            <a:r>
+              <a:rPr lang="en-US"/>
+              <a:t>Click to edit Master title style</a:t>
+            </a:r>
+            <a:endParaRPr lang="en-US" dirty="0"/>
+          </a:p>
+        </p:txBody>
+      </p:sp>
+      <p:sp>
+        <p:nvSpPr>
+          <p:cNvPr id="3" name="Subtitle 2"/>
+          <p:cNvSpPr>
+            <a:spLocks noGrp="1"/>
+          </p:cNvSpPr>
+          <p:nvPr userDrawn="1">
+            <p:ph type="subTitle" idx="1"/>
+          </p:nvPr>
+        </p:nvSpPr>
+        <p:spPr>
+          <a:xfrm>
+            <a:off x="3177632" y="2085962"/>
+            <a:ext cx="8292317" cy="2855300"/>
+          </a:xfrm>
+        </p:spPr>
+        <p:txBody>
+          <a:bodyPr lIns="109728"/>
+          <a:lstStyle>
+            <a:lvl1pPr marL="0" indent="0" algn="l">
+              <a:buNone/>
+              <a:defRPr sz="2400">
+                <a:solidFill>
+                  <a:schemeClr val="tx1"/>
+                </a:solidFill>
+                <a:latin typeface="Arial" panose="020B0604020202020204" pitchFamily="34" charset="0"/>
+                <a:cs typeface="Arial" panose="020B0604020202020204" pitchFamily="34" charset="0"/>
+              </a:defRPr>
+            </a:lvl1pPr>
+            <a:lvl2pPr marL="457200" indent="0" algn="ctr">
+              <a:buNone/>
+              <a:defRPr>
+                <a:solidFill>
+                  <a:schemeClr val="tx1">
+                    <a:tint val="75000"/>
+                  </a:schemeClr>
+                </a:solidFill>
+              </a:defRPr>
+            </a:lvl2pPr>
+            <a:lvl3pPr marL="914400" indent="0" algn="ctr">
+              <a:buNone/>
+              <a:defRPr>
+                <a:solidFill>
+                  <a:schemeClr val="tx1">
+                    <a:tint val="75000"/>
+                  </a:schemeClr>
+                </a:solidFill>
+              </a:defRPr>
+            </a:lvl3pPr>
+            <a:lvl4pPr marL="1371600" indent="0" algn="ctr">
+              <a:buNone/>
+              <a:defRPr>
+                <a:solidFill>
+                  <a:schemeClr val="tx1">
+                    <a:tint val="75000"/>
+                  </a:schemeClr>
+                </a:solidFill>
+              </a:defRPr>
+            </a:lvl4pPr>
+            <a:lvl5pPr marL="1828800" indent="0" algn="ctr">
+              <a:buNone/>
+              <a:defRPr>
+                <a:solidFill>
+                  <a:schemeClr val="tx1">
+                    <a:tint val="75000"/>
+                  </a:schemeClr>
+                </a:solidFill>
+              </a:defRPr>
+            </a:lvl5pPr>
+            <a:lvl6pPr marL="2286000" indent="0" algn="ctr">
+              <a:buNone/>
+              <a:defRPr>
+                <a:solidFill>
+                  <a:schemeClr val="tx1">
+                    <a:tint val="75000"/>
+                  </a:schemeClr>
+                </a:solidFill>
+              </a:defRPr>
+            </a:lvl6pPr>
+            <a:lvl7pPr marL="2743200" indent="0" algn="ctr">
+              <a:buNone/>
+              <a:defRPr>
+                <a:solidFill>
+                  <a:schemeClr val="tx1">
+                    <a:tint val="75000"/>
+                  </a:schemeClr>
+                </a:solidFill>
+              </a:defRPr>
+            </a:lvl7pPr>
+            <a:lvl8pPr marL="3200400" indent="0" algn="ctr">
+              <a:buNone/>
+              <a:defRPr>
+                <a:solidFill>
+                  <a:schemeClr val="tx1">
+                    <a:tint val="75000"/>
+                  </a:schemeClr>
+                </a:solidFill>
+              </a:defRPr>
+            </a:lvl8pPr>
+            <a:lvl9pPr marL="3657600" indent="0" algn="ctr">
+              <a:buNone/>
+              <a:defRPr>
+                <a:solidFill>
+                  <a:schemeClr val="tx1">
+                    <a:tint val="75000"/>
+                  </a:schemeClr>
+                </a:solidFill>
+              </a:defRPr>
+            </a:lvl9pPr>
+          </a:lstStyle>
+          <a:p>
+            <a:r>
+              <a:rPr lang="en-US"/>
+              <a:t>Click to edit Master subtitle style</a:t>
+            </a:r>
+            <a:endParaRPr lang="en-US" dirty="0"/>
+          </a:p>
+        </p:txBody>
+      </p:sp>
+      <p:pic>
+        <p:nvPicPr>
+          <p:cNvPr id="12" name="Picture 11"/>
+          <p:cNvPicPr>
+            <a:picLocks noChangeAspect="1"/>
+          </p:cNvPicPr>
+          <p:nvPr userDrawn="1"/>
+        </p:nvPicPr>
+        <p:blipFill>
+          <a:blip r:embed="rId2" cstate="print">
+            <a:extLst>
+              <a:ext uri="{28A0092B-C50C-407E-A947-70E740481C1C}">
+                <a14:useLocalDpi xmlns:a14="http://schemas.microsoft.com/office/drawing/2010/main" val="0"/>
+              </a:ext>
+            </a:extLst>
+          </a:blip>
+          <a:stretch>
+            <a:fillRect/>
+          </a:stretch>
+        </p:blipFill>
+        <p:spPr>
+          <a:xfrm>
+            <a:off x="362749" y="483164"/>
+            <a:ext cx="2050840" cy="935496"/>
+          </a:xfrm>
+          <a:prstGeom prst="rect">
+            <a:avLst/>
+          </a:prstGeom>
+        </p:spPr>
+      </p:pic>
+      <p:pic>
+        <p:nvPicPr>
+          <p:cNvPr id="16" name="Picture 15"/>
+          <p:cNvPicPr>
+            <a:picLocks noChangeAspect="1"/>
+          </p:cNvPicPr>
+          <p:nvPr userDrawn="1"/>
+        </p:nvPicPr>
+        <p:blipFill>
+          <a:blip r:embed="rId3" cstate="print">
+            <a:extLst>
+              <a:ext uri="{BEBA8EAE-BF5A-486C-A8C5-ECC9F3942E4B}">
+                <a14:imgProps xmlns:a14="http://schemas.microsoft.com/office/drawing/2010/main">
+                  <a14:imgLayer r:embed="rId4">
+                    <a14:imgEffect>
+                      <a14:brightnessContrast bright="100000"/>
+                    </a14:imgEffect>
+                  </a14:imgLayer>
+                </a14:imgProps>
+              </a:ext>
+              <a:ext uri="{28A0092B-C50C-407E-A947-70E740481C1C}">
+                <a14:useLocalDpi xmlns:a14="http://schemas.microsoft.com/office/drawing/2010/main" val="0"/>
+              </a:ext>
+            </a:extLst>
+          </a:blip>
+          <a:stretch>
+            <a:fillRect/>
+          </a:stretch>
+        </p:blipFill>
+        <p:spPr>
+          <a:xfrm>
+            <a:off x="7289921" y="6322747"/>
+            <a:ext cx="2409477" cy="401008"/>
+          </a:xfrm>
+          <a:prstGeom prst="rect">
+            <a:avLst/>
+          </a:prstGeom>
+        </p:spPr>
+      </p:pic>
+      <p:pic>
+        <p:nvPicPr>
+          <p:cNvPr id="17" name="Picture 16"/>
+          <p:cNvPicPr>
+            <a:picLocks noChangeAspect="1"/>
+          </p:cNvPicPr>
+          <p:nvPr userDrawn="1"/>
+        </p:nvPicPr>
+        <p:blipFill rotWithShape="1">
+          <a:blip r:embed="rId5" cstate="print">
+            <a:extLst>
+              <a:ext uri="{BEBA8EAE-BF5A-486C-A8C5-ECC9F3942E4B}">
+                <a14:imgProps xmlns:a14="http://schemas.microsoft.com/office/drawing/2010/main">
+                  <a14:imgLayer r:embed="rId6">
+                    <a14:imgEffect>
+                      <a14:brightnessContrast bright="100000"/>
+                    </a14:imgEffect>
+                  </a14:imgLayer>
+                </a14:imgProps>
+              </a:ext>
+              <a:ext uri="{28A0092B-C50C-407E-A947-70E740481C1C}">
+                <a14:useLocalDpi xmlns:a14="http://schemas.microsoft.com/office/drawing/2010/main" val="0"/>
+              </a:ext>
+            </a:extLst>
+          </a:blip>
+          <a:srcRect b="70693"/>
+          <a:stretch/>
+        </p:blipFill>
+        <p:spPr>
+          <a:xfrm>
+            <a:off x="10204521" y="6307740"/>
+            <a:ext cx="1367541" cy="428915"/>
+          </a:xfrm>
+          <a:prstGeom prst="rect">
+            <a:avLst/>
+          </a:prstGeom>
+        </p:spPr>
+      </p:pic>
+      <p:pic>
+        <p:nvPicPr>
+          <p:cNvPr id="8" name="Picture 7" descr="A picture containing shape&#10;&#10;Description automatically generated">
+            <a:extLst>
+              <a:ext uri="{FF2B5EF4-FFF2-40B4-BE49-F238E27FC236}">
+                <a16:creationId xmlns:a16="http://schemas.microsoft.com/office/drawing/2014/main" id="{C432A180-7341-4E28-8C2B-73F9AB53D13F}"/>
+              </a:ext>
+            </a:extLst>
+          </p:cNvPr>
+          <p:cNvPicPr>
+            <a:picLocks noChangeAspect="1"/>
+          </p:cNvPicPr>
+          <p:nvPr userDrawn="1"/>
+        </p:nvPicPr>
+        <p:blipFill>
+          <a:blip r:embed="rId7">
+            <a:extLst>
+              <a:ext uri="{28A0092B-C50C-407E-A947-70E740481C1C}">
+                <a14:useLocalDpi xmlns:a14="http://schemas.microsoft.com/office/drawing/2010/main" val="0"/>
+              </a:ext>
+            </a:extLst>
+          </a:blip>
+          <a:stretch>
+            <a:fillRect/>
+          </a:stretch>
+        </p:blipFill>
+        <p:spPr>
+          <a:xfrm>
+            <a:off x="333920" y="1848659"/>
+            <a:ext cx="2108499" cy="914400"/>
+          </a:xfrm>
+          <a:prstGeom prst="rect">
+            <a:avLst/>
+          </a:prstGeom>
+        </p:spPr>
+      </p:pic>
+      <p:pic>
+        <p:nvPicPr>
+          <p:cNvPr id="13" name="Picture 2" descr="https://licensebuttons.net/l/by/4.0/88x31.png">
+            <a:extLst>
+              <a:ext uri="{FF2B5EF4-FFF2-40B4-BE49-F238E27FC236}">
+                <a16:creationId xmlns:a16="http://schemas.microsoft.com/office/drawing/2014/main" id="{FAFD7D99-41CA-4FD0-9396-9C5659F22045}"/>
+              </a:ext>
+            </a:extLst>
+          </p:cNvPr>
+          <p:cNvPicPr>
+            <a:picLocks noChangeAspect="1" noChangeArrowheads="1"/>
+          </p:cNvPicPr>
+          <p:nvPr userDrawn="1"/>
+        </p:nvPicPr>
+        <p:blipFill>
+          <a:blip r:embed="rId8">
+            <a:extLst>
+              <a:ext uri="{28A0092B-C50C-407E-A947-70E740481C1C}">
+                <a14:useLocalDpi xmlns:a14="http://schemas.microsoft.com/office/drawing/2010/main" val="0"/>
+              </a:ext>
+            </a:extLst>
+          </a:blip>
+          <a:srcRect/>
+          <a:stretch>
+            <a:fillRect/>
+          </a:stretch>
+        </p:blipFill>
+        <p:spPr bwMode="auto">
+          <a:xfrm>
+            <a:off x="969069" y="5841262"/>
+            <a:ext cx="838200" cy="295275"/>
+          </a:xfrm>
+          <a:prstGeom prst="rect">
+            <a:avLst/>
+          </a:prstGeom>
+          <a:noFill/>
+          <a:extLst>
+            <a:ext uri="{909E8E84-426E-40DD-AFC4-6F175D3DCCD1}">
+              <a14:hiddenFill xmlns:a14="http://schemas.microsoft.com/office/drawing/2010/main">
+                <a:solidFill>
+                  <a:srgbClr val="FFFFFF"/>
+                </a:solidFill>
+              </a14:hiddenFill>
+            </a:ext>
+          </a:extLst>
+        </p:spPr>
+      </p:pic>
+      <p:sp>
+        <p:nvSpPr>
+          <p:cNvPr id="14" name="TextBox 13">
+            <a:extLst>
+              <a:ext uri="{FF2B5EF4-FFF2-40B4-BE49-F238E27FC236}">
+                <a16:creationId xmlns:a16="http://schemas.microsoft.com/office/drawing/2014/main" id="{9D022D1C-99FF-490C-8690-D8081D33C0AF}"/>
+              </a:ext>
+            </a:extLst>
+          </p:cNvPr>
+          <p:cNvSpPr txBox="1"/>
+          <p:nvPr userDrawn="1"/>
+        </p:nvSpPr>
+        <p:spPr>
+          <a:xfrm>
+            <a:off x="1810964" y="5776533"/>
+            <a:ext cx="1171114" cy="424732"/>
+          </a:xfrm>
+          <a:prstGeom prst="rect">
+            <a:avLst/>
+          </a:prstGeom>
+          <a:noFill/>
+        </p:spPr>
+        <p:txBody>
+          <a:bodyPr wrap="square" rtlCol="0">
+            <a:spAutoFit/>
+          </a:bodyPr>
+          <a:lstStyle/>
+          <a:p>
+            <a:pPr algn="ctr">
+              <a:lnSpc>
+                <a:spcPct val="90000"/>
+              </a:lnSpc>
+            </a:pPr>
+            <a:r>
+              <a:rPr lang="en-US" sz="1200" dirty="0"/>
+              <a:t>See slide 2 for license details</a:t>
+            </a:r>
+          </a:p>
+        </p:txBody>
+      </p:sp>
+      <p:pic>
+        <p:nvPicPr>
+          <p:cNvPr id="15" name="Picture 14">
+            <a:extLst>
+              <a:ext uri="{FF2B5EF4-FFF2-40B4-BE49-F238E27FC236}">
+                <a16:creationId xmlns:a16="http://schemas.microsoft.com/office/drawing/2014/main" id="{C554CDC7-44CF-4751-9869-0265C8E01840}"/>
+              </a:ext>
+            </a:extLst>
+          </p:cNvPr>
+          <p:cNvPicPr>
+            <a:picLocks noChangeAspect="1"/>
+          </p:cNvPicPr>
+          <p:nvPr userDrawn="1"/>
+        </p:nvPicPr>
+        <p:blipFill>
+          <a:blip r:embed="rId9" cstate="print">
+            <a:extLst>
+              <a:ext uri="{28A0092B-C50C-407E-A947-70E740481C1C}">
+                <a14:useLocalDpi xmlns:a14="http://schemas.microsoft.com/office/drawing/2010/main" val="0"/>
+              </a:ext>
+            </a:extLst>
+          </a:blip>
+          <a:stretch>
+            <a:fillRect/>
+          </a:stretch>
+        </p:blipFill>
+        <p:spPr>
+          <a:xfrm>
+            <a:off x="333211" y="3189686"/>
+            <a:ext cx="2109916" cy="905256"/>
+          </a:xfrm>
+          <a:prstGeom prst="rect">
+            <a:avLst/>
+          </a:prstGeom>
+        </p:spPr>
+      </p:pic>
+    </p:spTree>
+    <p:extLst>
+      <p:ext uri="{BB962C8B-B14F-4D97-AF65-F5344CB8AC3E}">
+        <p14:creationId xmlns:p14="http://schemas.microsoft.com/office/powerpoint/2010/main" val="451228200"/>
+      </p:ext>
+    </p:extLst>
+  </p:cSld>
+  <p:clrMapOvr>
+    <a:masterClrMapping/>
+  </p:clrMapOvr>
+</p:sldLayout>
+</file>
+
+<file path=ppt/slideLayouts/slideLayout3.xml><?xml version="1.0" encoding="utf-8"?>
 <p:sldLayout xmlns:a="http://schemas.openxmlformats.org/drawingml/2006/main" xmlns:r="http://schemas.openxmlformats.org/officeDocument/2006/relationships" xmlns:p="http://schemas.openxmlformats.org/presentationml/2006/main" type="obj" preserve="1">
   <p:cSld name="Title and Content">
     <p:bg>
@@ -1352,7 +1915,7 @@
 </p:sldLayout>
 </file>
 
-<file path=ppt/slideLayouts/slideLayout3.xml><?xml version="1.0" encoding="utf-8"?>
+<file path=ppt/slideLayouts/slideLayout4.xml><?xml version="1.0" encoding="utf-8"?>
 <p:sldLayout xmlns:a="http://schemas.openxmlformats.org/drawingml/2006/main" xmlns:r="http://schemas.openxmlformats.org/officeDocument/2006/relationships" xmlns:p="http://schemas.openxmlformats.org/presentationml/2006/main" type="twoTxTwoObj" preserve="1">
   <p:cSld name="Comparison">
     <p:spTree>
@@ -1823,7 +2386,7 @@
 </p:sldLayout>
 </file>
 
-<file path=ppt/slideLayouts/slideLayout4.xml><?xml version="1.0" encoding="utf-8"?>
+<file path=ppt/slideLayouts/slideLayout5.xml><?xml version="1.0" encoding="utf-8"?>
 <p:sldLayout xmlns:a="http://schemas.openxmlformats.org/drawingml/2006/main" xmlns:r="http://schemas.openxmlformats.org/officeDocument/2006/relationships" xmlns:p="http://schemas.openxmlformats.org/presentationml/2006/main" preserve="1" userDrawn="1">
   <p:cSld name="quad chart">
     <p:spTree>
@@ -2586,7 +3149,7 @@
 </p:sldLayout>
 </file>
 
-<file path=ppt/slideLayouts/slideLayout5.xml><?xml version="1.0" encoding="utf-8"?>
+<file path=ppt/slideLayouts/slideLayout6.xml><?xml version="1.0" encoding="utf-8"?>
 <p:sldLayout xmlns:a="http://schemas.openxmlformats.org/drawingml/2006/main" xmlns:r="http://schemas.openxmlformats.org/officeDocument/2006/relationships" xmlns:p="http://schemas.openxmlformats.org/presentationml/2006/main" preserve="1" userDrawn="1">
   <p:cSld name="Section divider">
     <p:spTree>
@@ -2644,7 +3207,7 @@
 </p:sldLayout>
 </file>
 
-<file path=ppt/slideLayouts/slideLayout6.xml><?xml version="1.0" encoding="utf-8"?>
+<file path=ppt/slideLayouts/slideLayout7.xml><?xml version="1.0" encoding="utf-8"?>
 <p:sldLayout xmlns:a="http://schemas.openxmlformats.org/drawingml/2006/main" xmlns:r="http://schemas.openxmlformats.org/officeDocument/2006/relationships" xmlns:p="http://schemas.openxmlformats.org/presentationml/2006/main" type="titleOnly" preserve="1">
   <p:cSld name="Title Only">
     <p:spTree>
@@ -2727,48 +3290,6 @@
           <a:chExt cx="0" cy="0"/>
         </a:xfrm>
       </p:grpSpPr>
-      <p:pic>
-        <p:nvPicPr>
-          <p:cNvPr id="14" name="Picture 13">
-            <a:extLst>
-              <a:ext uri="{FF2B5EF4-FFF2-40B4-BE49-F238E27FC236}">
-                <a16:creationId xmlns:a16="http://schemas.microsoft.com/office/drawing/2014/main" id="{ED1C1369-A08C-454A-B0B5-0955BB31B118}"/>
-              </a:ext>
-            </a:extLst>
-          </p:cNvPr>
-          <p:cNvPicPr>
-            <a:picLocks noChangeAspect="1"/>
-          </p:cNvPicPr>
-          <p:nvPr userDrawn="1"/>
-        </p:nvPicPr>
-        <p:blipFill rotWithShape="1">
-          <a:blip r:embed="rId8">
-            <a:extLst>
-              <a:ext uri="{28A0092B-C50C-407E-A947-70E740481C1C}">
-                <a14:useLocalDpi xmlns:a14="http://schemas.microsoft.com/office/drawing/2010/main" val="0"/>
-              </a:ext>
-            </a:extLst>
-          </a:blip>
-          <a:srcRect r="58932" b="1495"/>
-          <a:stretch/>
-        </p:blipFill>
-        <p:spPr>
-          <a:xfrm>
-            <a:off x="9335860" y="0"/>
-            <a:ext cx="2852965" cy="4078297"/>
-          </a:xfrm>
-          <a:prstGeom prst="rect">
-            <a:avLst/>
-          </a:prstGeom>
-          <a:effectLst>
-            <a:outerShdw blurRad="50800" dist="50800" dir="5400000" algn="ctr" rotWithShape="0">
-              <a:srgbClr val="000000">
-                <a:alpha val="0"/>
-              </a:srgbClr>
-            </a:outerShdw>
-          </a:effectLst>
-        </p:spPr>
-      </p:pic>
       <p:sp>
         <p:nvSpPr>
           <p:cNvPr id="1026" name="Title Placeholder 1"/>
@@ -2907,7 +3428,7 @@
         </p:blipFill>
         <p:spPr>
           <a:xfrm>
-            <a:off x="9741160" y="6183517"/>
+            <a:off x="9741160" y="6185919"/>
             <a:ext cx="1971212" cy="533060"/>
           </a:xfrm>
           <a:prstGeom prst="rect">
@@ -3020,10 +3541,10 @@
       </p:sp>
       <p:pic>
         <p:nvPicPr>
-          <p:cNvPr id="10" name="Picture 9" descr="IDEAS_logo.png">
+          <p:cNvPr id="3" name="Picture 2" descr="A picture containing shape&#10;&#10;Description automatically generated">
             <a:extLst>
               <a:ext uri="{FF2B5EF4-FFF2-40B4-BE49-F238E27FC236}">
-                <a16:creationId xmlns:a16="http://schemas.microsoft.com/office/drawing/2014/main" id="{B8E2FEED-84DC-4438-B439-E3DA7A28736A}"/>
+                <a16:creationId xmlns:a16="http://schemas.microsoft.com/office/drawing/2014/main" id="{2A4943B8-0F89-4A94-B130-A128F45E57C4}"/>
               </a:ext>
             </a:extLst>
           </p:cNvPr>
@@ -3033,10 +3554,10 @@
           <p:nvPr userDrawn="1"/>
         </p:nvPicPr>
         <p:blipFill>
-          <a:blip r:embed="rId10" cstate="print">
+          <a:blip r:embed="rId10">
             <a:extLst>
               <a:ext uri="{28A0092B-C50C-407E-A947-70E740481C1C}">
-                <a14:useLocalDpi xmlns:a14="http://schemas.microsoft.com/office/drawing/2010/main"/>
+                <a14:useLocalDpi xmlns:a14="http://schemas.microsoft.com/office/drawing/2010/main" val="0"/>
               </a:ext>
             </a:extLst>
           </a:blip>
@@ -3046,8 +3567,8 @@
         </p:blipFill>
         <p:spPr>
           <a:xfrm>
-            <a:off x="7663530" y="6156960"/>
-            <a:ext cx="1845330" cy="640080"/>
+            <a:off x="7806050" y="6114121"/>
+            <a:ext cx="1560289" cy="676656"/>
           </a:xfrm>
           <a:prstGeom prst="rect">
             <a:avLst/>
@@ -3064,11 +3585,12 @@
   <p:clrMap bg1="lt1" tx1="dk1" bg2="lt2" tx2="dk2" accent1="accent1" accent2="accent2" accent3="accent3" accent4="accent4" accent5="accent5" accent6="accent6" hlink="hlink" folHlink="folHlink"/>
   <p:sldLayoutIdLst>
     <p:sldLayoutId id="2147483949" r:id="rId1"/>
-    <p:sldLayoutId id="2147483937" r:id="rId2"/>
-    <p:sldLayoutId id="2147483939" r:id="rId3"/>
-    <p:sldLayoutId id="2147483950" r:id="rId4"/>
-    <p:sldLayoutId id="2147483940" r:id="rId5"/>
-    <p:sldLayoutId id="2147483941" r:id="rId6"/>
+    <p:sldLayoutId id="2147483951" r:id="rId2"/>
+    <p:sldLayoutId id="2147483937" r:id="rId3"/>
+    <p:sldLayoutId id="2147483939" r:id="rId4"/>
+    <p:sldLayoutId id="2147483950" r:id="rId5"/>
+    <p:sldLayoutId id="2147483940" r:id="rId6"/>
+    <p:sldLayoutId id="2147483941" r:id="rId7"/>
   </p:sldLayoutIdLst>
   <p:hf hdr="0" ftr="0" dt="0"/>
   <p:txStyles>
@@ -3629,29 +4151,13 @@
             </a:pPr>
             <a:r>
               <a:rPr lang="en-US" sz="1600" b="1" dirty="0"/>
-              <a:t>The requested citation the overall tutorial is: David E. Bernholdt, Patricia A. Grubel, and James M. </a:t>
-            </a:r>
-            <a:r>
-              <a:rPr lang="en-US" sz="1600" b="1" dirty="0" err="1"/>
-              <a:t>Willenbring</a:t>
-            </a:r>
-            <a:r>
-              <a:rPr lang="en-US" sz="1600" b="1" dirty="0"/>
-              <a:t>, Developing a Testing and Continuous Integration Strategy for your Team tutorial, in </a:t>
-            </a:r>
-            <a:r>
-              <a:rPr lang="en-US" sz="1600" b="1" dirty="0" err="1"/>
-              <a:t>Exascale</a:t>
-            </a:r>
-            <a:r>
-              <a:rPr lang="en-US" sz="1600" b="1" dirty="0"/>
-              <a:t> Computing Project Annual Meeting, online, 2021. DOI: </a:t>
+              <a:t>The requested citation the overall tutorial is: David E. Bernholdt, Anshu Dubey, Patricia A. Grubel, Rinku K. Gupta, and David M. Rogers, Better Scientific Software tutorial, in ISC High Performance, online, 2021. DOI: </a:t>
             </a:r>
             <a:r>
               <a:rPr lang="en-US" sz="1600" b="1" dirty="0">
                 <a:hlinkClick r:id="rId4"/>
               </a:rPr>
-              <a:t>10.6084/m9.figshare.14376956</a:t>
+              <a:t>10.6084/m9.figshare.14642520</a:t>
             </a:r>
             <a:endParaRPr lang="en-US" sz="1600" b="1" dirty="0"/>
           </a:p>
@@ -3828,8 +4334,8 @@
         </p:blipFill>
         <p:spPr bwMode="auto">
           <a:xfrm>
-            <a:off x="10249254" y="570111"/>
-            <a:ext cx="1661258" cy="585216"/>
+            <a:off x="10230336" y="879673"/>
+            <a:ext cx="838200" cy="295275"/>
           </a:xfrm>
           <a:prstGeom prst="rect">
             <a:avLst/>
@@ -4772,9 +5278,12 @@
 </file>
 
 <file path=customXml/item1.xml><?xml version="1.0" encoding="utf-8"?>
-<p:properties xmlns:p="http://schemas.microsoft.com/office/2006/metadata/properties" xmlns:xsi="http://www.w3.org/2001/XMLSchema-instance" xmlns:pc="http://schemas.microsoft.com/office/infopath/2007/PartnerControls">
-  <documentManagement/>
-</p:properties>
+<?mso-contentType ?>
+<FormTemplates xmlns="http://schemas.microsoft.com/sharepoint/v3/contenttype/forms">
+  <Display>DocumentLibraryForm</Display>
+  <Edit>DocumentLibraryForm</Edit>
+  <New>DocumentLibraryForm</New>
+</FormTemplates>
 </file>
 
 <file path=customXml/item2.xml><?xml version="1.0" encoding="utf-8"?>
@@ -4827,25 +5336,15 @@
 </file>
 
 <file path=customXml/item3.xml><?xml version="1.0" encoding="utf-8"?>
-<?mso-contentType ?>
-<FormTemplates xmlns="http://schemas.microsoft.com/sharepoint/v3/contenttype/forms">
-  <Display>DocumentLibraryForm</Display>
-  <Edit>DocumentLibraryForm</Edit>
-  <New>DocumentLibraryForm</New>
-</FormTemplates>
+<p:properties xmlns:p="http://schemas.microsoft.com/office/2006/metadata/properties" xmlns:xsi="http://www.w3.org/2001/XMLSchema-instance" xmlns:pc="http://schemas.microsoft.com/office/infopath/2007/PartnerControls">
+  <documentManagement/>
+</p:properties>
 </file>
 
 <file path=customXml/itemProps1.xml><?xml version="1.0" encoding="utf-8"?>
-<ds:datastoreItem xmlns:ds="http://schemas.openxmlformats.org/officeDocument/2006/customXml" ds:itemID="{A50EC660-24D0-43A0-AE5E-E274115E726B}">
+<ds:datastoreItem xmlns:ds="http://schemas.openxmlformats.org/officeDocument/2006/customXml" ds:itemID="{19E20559-B232-4371-8690-E3D8007EDB82}">
   <ds:schemaRefs>
-    <ds:schemaRef ds:uri="http://purl.org/dc/elements/1.1/"/>
-    <ds:schemaRef ds:uri="http://schemas.microsoft.com/office/2006/metadata/properties"/>
-    <ds:schemaRef ds:uri="http://purl.org/dc/terms/"/>
-    <ds:schemaRef ds:uri="http://schemas.openxmlformats.org/package/2006/metadata/core-properties"/>
-    <ds:schemaRef ds:uri="http://schemas.microsoft.com/office/2006/documentManagement/types"/>
-    <ds:schemaRef ds:uri="http://www.w3.org/XML/1998/namespace"/>
-    <ds:schemaRef ds:uri="http://purl.org/dc/dcmitype/"/>
-    <ds:schemaRef ds:uri="http://schemas.microsoft.com/office/infopath/2007/PartnerControls"/>
+    <ds:schemaRef ds:uri="http://schemas.microsoft.com/sharepoint/v3/contenttype/forms"/>
   </ds:schemaRefs>
 </ds:datastoreItem>
 </file>
@@ -4866,9 +5365,16 @@
 </file>
 
 <file path=customXml/itemProps3.xml><?xml version="1.0" encoding="utf-8"?>
-<ds:datastoreItem xmlns:ds="http://schemas.openxmlformats.org/officeDocument/2006/customXml" ds:itemID="{19E20559-B232-4371-8690-E3D8007EDB82}">
+<ds:datastoreItem xmlns:ds="http://schemas.openxmlformats.org/officeDocument/2006/customXml" ds:itemID="{A50EC660-24D0-43A0-AE5E-E274115E726B}">
   <ds:schemaRefs>
-    <ds:schemaRef ds:uri="http://schemas.microsoft.com/sharepoint/v3/contenttype/forms"/>
+    <ds:schemaRef ds:uri="http://purl.org/dc/elements/1.1/"/>
+    <ds:schemaRef ds:uri="http://schemas.microsoft.com/office/2006/metadata/properties"/>
+    <ds:schemaRef ds:uri="http://purl.org/dc/terms/"/>
+    <ds:schemaRef ds:uri="http://schemas.openxmlformats.org/package/2006/metadata/core-properties"/>
+    <ds:schemaRef ds:uri="http://schemas.microsoft.com/office/2006/documentManagement/types"/>
+    <ds:schemaRef ds:uri="http://www.w3.org/XML/1998/namespace"/>
+    <ds:schemaRef ds:uri="http://purl.org/dc/dcmitype/"/>
+    <ds:schemaRef ds:uri="http://schemas.microsoft.com/office/infopath/2007/PartnerControls"/>
   </ds:schemaRefs>
 </ds:datastoreItem>
 </file>
--- a/license-master.pptx
+++ b/license-master.pptx
@@ -255,7 +255,7 @@
           <a:p>
             <a:fld id="{0B842F42-2CE9-4E35-95C1-410DC08A50B1}" type="datetimeFigureOut">
               <a:rPr lang="en-US" smtClean="0"/>
-              <a:t>5/21/2021</a:t>
+              <a:t>6/15/2021</a:t>
             </a:fld>
             <a:endParaRPr lang="en-US"/>
           </a:p>
@@ -420,7 +420,7 @@
           <a:p>
             <a:fld id="{6F282904-F315-4730-8D91-37D99E141A6F}" type="datetimeFigureOut">
               <a:rPr lang="en-US" smtClean="0"/>
-              <a:t>5/21/2021</a:t>
+              <a:t>6/15/2021</a:t>
             </a:fld>
             <a:endParaRPr lang="en-US"/>
           </a:p>
@@ -4199,32 +4199,12 @@
               </a:spcBef>
             </a:pPr>
             <a:r>
+              <a:rPr lang="en-US" sz="1400"/>
+              <a:t>This </a:t>
+            </a:r>
+            <a:r>
               <a:rPr lang="en-US" sz="1400" dirty="0"/>
-              <a:t>Additional contributors include: David E. Bernholdt, Anshu Dubey, Rinku K. Gupta, Mike Heroux, Alicia </a:t>
-            </a:r>
-            <a:r>
-              <a:rPr lang="en-US" sz="1400" dirty="0" err="1"/>
-              <a:t>Klinvex</a:t>
-            </a:r>
-            <a:r>
-              <a:rPr lang="en-US" sz="1400" dirty="0"/>
-              <a:t>, Mark Miller, Jared O’Neal, Katherine Riley, David Rogers, Deborah Stevens, James </a:t>
-            </a:r>
-            <a:r>
-              <a:rPr lang="en-US" sz="1400" dirty="0" err="1"/>
-              <a:t>Willenbring</a:t>
-            </a:r>
-            <a:endParaRPr lang="en-US" sz="1400" dirty="0"/>
-          </a:p>
-          <a:p>
-            <a:pPr>
-              <a:spcBef>
-                <a:spcPts val="400"/>
-              </a:spcBef>
-            </a:pPr>
-            <a:r>
-              <a:rPr lang="en-US" sz="1400" dirty="0"/>
-              <a:t>This work was supported by the U.S. Department of Energy Office of Science, Office of Advanced Scientific Computing Research (ASCR), and by the </a:t>
+              <a:t>work was supported by the U.S. Department of Energy Office of Science, Office of Advanced Scientific Computing Research (ASCR), and by the </a:t>
             </a:r>
             <a:r>
               <a:rPr lang="en-US" sz="1400" dirty="0" err="1"/>
@@ -5278,12 +5258,9 @@
 </file>
 
 <file path=customXml/item1.xml><?xml version="1.0" encoding="utf-8"?>
-<?mso-contentType ?>
-<FormTemplates xmlns="http://schemas.microsoft.com/sharepoint/v3/contenttype/forms">
-  <Display>DocumentLibraryForm</Display>
-  <Edit>DocumentLibraryForm</Edit>
-  <New>DocumentLibraryForm</New>
-</FormTemplates>
+<p:properties xmlns:p="http://schemas.microsoft.com/office/2006/metadata/properties" xmlns:xsi="http://www.w3.org/2001/XMLSchema-instance" xmlns:pc="http://schemas.microsoft.com/office/infopath/2007/PartnerControls">
+  <documentManagement/>
+</p:properties>
 </file>
 
 <file path=customXml/item2.xml><?xml version="1.0" encoding="utf-8"?>
@@ -5336,15 +5313,25 @@
 </file>
 
 <file path=customXml/item3.xml><?xml version="1.0" encoding="utf-8"?>
-<p:properties xmlns:p="http://schemas.microsoft.com/office/2006/metadata/properties" xmlns:xsi="http://www.w3.org/2001/XMLSchema-instance" xmlns:pc="http://schemas.microsoft.com/office/infopath/2007/PartnerControls">
-  <documentManagement/>
-</p:properties>
+<?mso-contentType ?>
+<FormTemplates xmlns="http://schemas.microsoft.com/sharepoint/v3/contenttype/forms">
+  <Display>DocumentLibraryForm</Display>
+  <Edit>DocumentLibraryForm</Edit>
+  <New>DocumentLibraryForm</New>
+</FormTemplates>
 </file>
 
 <file path=customXml/itemProps1.xml><?xml version="1.0" encoding="utf-8"?>
-<ds:datastoreItem xmlns:ds="http://schemas.openxmlformats.org/officeDocument/2006/customXml" ds:itemID="{19E20559-B232-4371-8690-E3D8007EDB82}">
+<ds:datastoreItem xmlns:ds="http://schemas.openxmlformats.org/officeDocument/2006/customXml" ds:itemID="{A50EC660-24D0-43A0-AE5E-E274115E726B}">
   <ds:schemaRefs>
-    <ds:schemaRef ds:uri="http://schemas.microsoft.com/sharepoint/v3/contenttype/forms"/>
+    <ds:schemaRef ds:uri="http://purl.org/dc/elements/1.1/"/>
+    <ds:schemaRef ds:uri="http://schemas.microsoft.com/office/2006/metadata/properties"/>
+    <ds:schemaRef ds:uri="http://purl.org/dc/terms/"/>
+    <ds:schemaRef ds:uri="http://schemas.openxmlformats.org/package/2006/metadata/core-properties"/>
+    <ds:schemaRef ds:uri="http://schemas.microsoft.com/office/2006/documentManagement/types"/>
+    <ds:schemaRef ds:uri="http://www.w3.org/XML/1998/namespace"/>
+    <ds:schemaRef ds:uri="http://purl.org/dc/dcmitype/"/>
+    <ds:schemaRef ds:uri="http://schemas.microsoft.com/office/infopath/2007/PartnerControls"/>
   </ds:schemaRefs>
 </ds:datastoreItem>
 </file>
@@ -5365,16 +5352,9 @@
 </file>
 
 <file path=customXml/itemProps3.xml><?xml version="1.0" encoding="utf-8"?>
-<ds:datastoreItem xmlns:ds="http://schemas.openxmlformats.org/officeDocument/2006/customXml" ds:itemID="{A50EC660-24D0-43A0-AE5E-E274115E726B}">
+<ds:datastoreItem xmlns:ds="http://schemas.openxmlformats.org/officeDocument/2006/customXml" ds:itemID="{19E20559-B232-4371-8690-E3D8007EDB82}">
   <ds:schemaRefs>
-    <ds:schemaRef ds:uri="http://purl.org/dc/elements/1.1/"/>
-    <ds:schemaRef ds:uri="http://schemas.microsoft.com/office/2006/metadata/properties"/>
-    <ds:schemaRef ds:uri="http://purl.org/dc/terms/"/>
-    <ds:schemaRef ds:uri="http://schemas.openxmlformats.org/package/2006/metadata/core-properties"/>
-    <ds:schemaRef ds:uri="http://schemas.microsoft.com/office/2006/documentManagement/types"/>
-    <ds:schemaRef ds:uri="http://www.w3.org/XML/1998/namespace"/>
-    <ds:schemaRef ds:uri="http://purl.org/dc/dcmitype/"/>
-    <ds:schemaRef ds:uri="http://schemas.microsoft.com/office/infopath/2007/PartnerControls"/>
+    <ds:schemaRef ds:uri="http://schemas.microsoft.com/sharepoint/v3/contenttype/forms"/>
   </ds:schemaRefs>
 </ds:datastoreItem>
 </file>
--- a/license-master.pptx
+++ b/license-master.pptx
@@ -255,7 +255,7 @@
           <a:p>
             <a:fld id="{0B842F42-2CE9-4E35-95C1-410DC08A50B1}" type="datetimeFigureOut">
               <a:rPr lang="en-US" smtClean="0"/>
-              <a:t>6/15/2021</a:t>
+              <a:t>8/7/2021</a:t>
             </a:fld>
             <a:endParaRPr lang="en-US"/>
           </a:p>
@@ -420,7 +420,7 @@
           <a:p>
             <a:fld id="{6F282904-F315-4730-8D91-37D99E141A6F}" type="datetimeFigureOut">
               <a:rPr lang="en-US" smtClean="0"/>
-              <a:t>6/15/2021</a:t>
+              <a:t>8/7/2021</a:t>
             </a:fld>
             <a:endParaRPr lang="en-US"/>
           </a:p>
@@ -4151,13 +4151,13 @@
             </a:pPr>
             <a:r>
               <a:rPr lang="en-US" sz="1600" b="1" dirty="0"/>
-              <a:t>The requested citation the overall tutorial is: David E. Bernholdt, Anshu Dubey, Patricia A. Grubel, Rinku K. Gupta, and David M. Rogers, Better Scientific Software tutorial, in ISC High Performance, online, 2021. DOI: </a:t>
+              <a:t>The requested citation the overall tutorial is: David E. Bernholdt, Anshu Dubey, Rinku K. Gupta, and David M. Rogers, Software Productivity and Sustainability track, in Argonne Training Program on Extreme-Scale Computing (ATPESC), online, 2021. DOI: </a:t>
             </a:r>
             <a:r>
               <a:rPr lang="en-US" sz="1600" b="1" dirty="0">
                 <a:hlinkClick r:id="rId4"/>
               </a:rPr>
-              <a:t>10.6084/m9.figshare.14642520</a:t>
+              <a:t>10.6084/m9.figshare.15130590</a:t>
             </a:r>
             <a:endParaRPr lang="en-US" sz="1600" b="1" dirty="0"/>
           </a:p>
@@ -4199,12 +4199,8 @@
               </a:spcBef>
             </a:pPr>
             <a:r>
-              <a:rPr lang="en-US" sz="1400"/>
-              <a:t>This </a:t>
-            </a:r>
-            <a:r>
               <a:rPr lang="en-US" sz="1400" dirty="0"/>
-              <a:t>work was supported by the U.S. Department of Energy Office of Science, Office of Advanced Scientific Computing Research (ASCR), and by the </a:t>
+              <a:t>This work was supported by the U.S. Department of Energy Office of Science, Office of Advanced Scientific Computing Research (ASCR), and by the </a:t>
             </a:r>
             <a:r>
               <a:rPr lang="en-US" sz="1400" dirty="0" err="1"/>
@@ -5258,9 +5254,12 @@
 </file>
 
 <file path=customXml/item1.xml><?xml version="1.0" encoding="utf-8"?>
-<p:properties xmlns:p="http://schemas.microsoft.com/office/2006/metadata/properties" xmlns:xsi="http://www.w3.org/2001/XMLSchema-instance" xmlns:pc="http://schemas.microsoft.com/office/infopath/2007/PartnerControls">
-  <documentManagement/>
-</p:properties>
+<?mso-contentType ?>
+<FormTemplates xmlns="http://schemas.microsoft.com/sharepoint/v3/contenttype/forms">
+  <Display>DocumentLibraryForm</Display>
+  <Edit>DocumentLibraryForm</Edit>
+  <New>DocumentLibraryForm</New>
+</FormTemplates>
 </file>
 
 <file path=customXml/item2.xml><?xml version="1.0" encoding="utf-8"?>
@@ -5313,25 +5312,15 @@
 </file>
 
 <file path=customXml/item3.xml><?xml version="1.0" encoding="utf-8"?>
-<?mso-contentType ?>
-<FormTemplates xmlns="http://schemas.microsoft.com/sharepoint/v3/contenttype/forms">
-  <Display>DocumentLibraryForm</Display>
-  <Edit>DocumentLibraryForm</Edit>
-  <New>DocumentLibraryForm</New>
-</FormTemplates>
+<p:properties xmlns:p="http://schemas.microsoft.com/office/2006/metadata/properties" xmlns:xsi="http://www.w3.org/2001/XMLSchema-instance" xmlns:pc="http://schemas.microsoft.com/office/infopath/2007/PartnerControls">
+  <documentManagement/>
+</p:properties>
 </file>
 
 <file path=customXml/itemProps1.xml><?xml version="1.0" encoding="utf-8"?>
-<ds:datastoreItem xmlns:ds="http://schemas.openxmlformats.org/officeDocument/2006/customXml" ds:itemID="{A50EC660-24D0-43A0-AE5E-E274115E726B}">
+<ds:datastoreItem xmlns:ds="http://schemas.openxmlformats.org/officeDocument/2006/customXml" ds:itemID="{19E20559-B232-4371-8690-E3D8007EDB82}">
   <ds:schemaRefs>
-    <ds:schemaRef ds:uri="http://purl.org/dc/elements/1.1/"/>
-    <ds:schemaRef ds:uri="http://schemas.microsoft.com/office/2006/metadata/properties"/>
-    <ds:schemaRef ds:uri="http://purl.org/dc/terms/"/>
-    <ds:schemaRef ds:uri="http://schemas.openxmlformats.org/package/2006/metadata/core-properties"/>
-    <ds:schemaRef ds:uri="http://schemas.microsoft.com/office/2006/documentManagement/types"/>
-    <ds:schemaRef ds:uri="http://www.w3.org/XML/1998/namespace"/>
-    <ds:schemaRef ds:uri="http://purl.org/dc/dcmitype/"/>
-    <ds:schemaRef ds:uri="http://schemas.microsoft.com/office/infopath/2007/PartnerControls"/>
+    <ds:schemaRef ds:uri="http://schemas.microsoft.com/sharepoint/v3/contenttype/forms"/>
   </ds:schemaRefs>
 </ds:datastoreItem>
 </file>
@@ -5352,9 +5341,16 @@
 </file>
 
 <file path=customXml/itemProps3.xml><?xml version="1.0" encoding="utf-8"?>
-<ds:datastoreItem xmlns:ds="http://schemas.openxmlformats.org/officeDocument/2006/customXml" ds:itemID="{19E20559-B232-4371-8690-E3D8007EDB82}">
+<ds:datastoreItem xmlns:ds="http://schemas.openxmlformats.org/officeDocument/2006/customXml" ds:itemID="{A50EC660-24D0-43A0-AE5E-E274115E726B}">
   <ds:schemaRefs>
-    <ds:schemaRef ds:uri="http://schemas.microsoft.com/sharepoint/v3/contenttype/forms"/>
+    <ds:schemaRef ds:uri="http://purl.org/dc/elements/1.1/"/>
+    <ds:schemaRef ds:uri="http://schemas.microsoft.com/office/2006/metadata/properties"/>
+    <ds:schemaRef ds:uri="http://purl.org/dc/terms/"/>
+    <ds:schemaRef ds:uri="http://schemas.openxmlformats.org/package/2006/metadata/core-properties"/>
+    <ds:schemaRef ds:uri="http://schemas.microsoft.com/office/2006/documentManagement/types"/>
+    <ds:schemaRef ds:uri="http://www.w3.org/XML/1998/namespace"/>
+    <ds:schemaRef ds:uri="http://purl.org/dc/dcmitype/"/>
+    <ds:schemaRef ds:uri="http://schemas.microsoft.com/office/infopath/2007/PartnerControls"/>
   </ds:schemaRefs>
 </ds:datastoreItem>
 </file>
--- a/license-master.pptx
+++ b/license-master.pptx
@@ -255,7 +255,7 @@
           <a:p>
             <a:fld id="{0B842F42-2CE9-4E35-95C1-410DC08A50B1}" type="datetimeFigureOut">
               <a:rPr lang="en-US" smtClean="0"/>
-              <a:t>8/7/2021</a:t>
+              <a:t>9/1/2021</a:t>
             </a:fld>
             <a:endParaRPr lang="en-US"/>
           </a:p>
@@ -420,7 +420,7 @@
           <a:p>
             <a:fld id="{6F282904-F315-4730-8D91-37D99E141A6F}" type="datetimeFigureOut">
               <a:rPr lang="en-US" smtClean="0"/>
-              <a:t>8/7/2021</a:t>
+              <a:t>9/1/2021</a:t>
             </a:fld>
             <a:endParaRPr lang="en-US"/>
           </a:p>
@@ -4151,13 +4151,13 @@
             </a:pPr>
             <a:r>
               <a:rPr lang="en-US" sz="1600" b="1" dirty="0"/>
-              <a:t>The requested citation the overall tutorial is: David E. Bernholdt, Anshu Dubey, Rinku K. Gupta, and David M. Rogers, Software Productivity and Sustainability track, in Argonne Training Program on Extreme-Scale Computing (ATPESC), online, 2021. DOI: </a:t>
+              <a:t>The requested citation the overall tutorial is: David E. Bernholdt, Anshu Dubey, Patricia A. Grubel, Rinku K. Gupta, and Gregory R. Watson, Better Scientific Software tutorial, in the International Conference for High-Performance Computing, Networking, Storage, and Analysis (SC21), St. Louis, MO, USA and online, 2021. DOI: </a:t>
             </a:r>
             <a:r>
               <a:rPr lang="en-US" sz="1600" b="1" dirty="0">
                 <a:hlinkClick r:id="rId4"/>
               </a:rPr>
-              <a:t>10.6084/m9.figshare.15130590</a:t>
+              <a:t>10.6084/m9.figshare.16556628</a:t>
             </a:r>
             <a:endParaRPr lang="en-US" sz="1600" b="1" dirty="0"/>
           </a:p>
@@ -5254,12 +5254,9 @@
 </file>
 
 <file path=customXml/item1.xml><?xml version="1.0" encoding="utf-8"?>
-<?mso-contentType ?>
-<FormTemplates xmlns="http://schemas.microsoft.com/sharepoint/v3/contenttype/forms">
-  <Display>DocumentLibraryForm</Display>
-  <Edit>DocumentLibraryForm</Edit>
-  <New>DocumentLibraryForm</New>
-</FormTemplates>
+<p:properties xmlns:p="http://schemas.microsoft.com/office/2006/metadata/properties" xmlns:xsi="http://www.w3.org/2001/XMLSchema-instance" xmlns:pc="http://schemas.microsoft.com/office/infopath/2007/PartnerControls">
+  <documentManagement/>
+</p:properties>
 </file>
 
 <file path=customXml/item2.xml><?xml version="1.0" encoding="utf-8"?>
@@ -5312,15 +5309,25 @@
 </file>
 
 <file path=customXml/item3.xml><?xml version="1.0" encoding="utf-8"?>
-<p:properties xmlns:p="http://schemas.microsoft.com/office/2006/metadata/properties" xmlns:xsi="http://www.w3.org/2001/XMLSchema-instance" xmlns:pc="http://schemas.microsoft.com/office/infopath/2007/PartnerControls">
-  <documentManagement/>
-</p:properties>
+<?mso-contentType ?>
+<FormTemplates xmlns="http://schemas.microsoft.com/sharepoint/v3/contenttype/forms">
+  <Display>DocumentLibraryForm</Display>
+  <Edit>DocumentLibraryForm</Edit>
+  <New>DocumentLibraryForm</New>
+</FormTemplates>
 </file>
 
 <file path=customXml/itemProps1.xml><?xml version="1.0" encoding="utf-8"?>
-<ds:datastoreItem xmlns:ds="http://schemas.openxmlformats.org/officeDocument/2006/customXml" ds:itemID="{19E20559-B232-4371-8690-E3D8007EDB82}">
+<ds:datastoreItem xmlns:ds="http://schemas.openxmlformats.org/officeDocument/2006/customXml" ds:itemID="{A50EC660-24D0-43A0-AE5E-E274115E726B}">
   <ds:schemaRefs>
-    <ds:schemaRef ds:uri="http://schemas.microsoft.com/sharepoint/v3/contenttype/forms"/>
+    <ds:schemaRef ds:uri="http://purl.org/dc/elements/1.1/"/>
+    <ds:schemaRef ds:uri="http://schemas.microsoft.com/office/2006/metadata/properties"/>
+    <ds:schemaRef ds:uri="http://purl.org/dc/terms/"/>
+    <ds:schemaRef ds:uri="http://schemas.openxmlformats.org/package/2006/metadata/core-properties"/>
+    <ds:schemaRef ds:uri="http://schemas.microsoft.com/office/2006/documentManagement/types"/>
+    <ds:schemaRef ds:uri="http://www.w3.org/XML/1998/namespace"/>
+    <ds:schemaRef ds:uri="http://purl.org/dc/dcmitype/"/>
+    <ds:schemaRef ds:uri="http://schemas.microsoft.com/office/infopath/2007/PartnerControls"/>
   </ds:schemaRefs>
 </ds:datastoreItem>
 </file>
@@ -5341,16 +5348,9 @@
 </file>
 
 <file path=customXml/itemProps3.xml><?xml version="1.0" encoding="utf-8"?>
-<ds:datastoreItem xmlns:ds="http://schemas.openxmlformats.org/officeDocument/2006/customXml" ds:itemID="{A50EC660-24D0-43A0-AE5E-E274115E726B}">
+<ds:datastoreItem xmlns:ds="http://schemas.openxmlformats.org/officeDocument/2006/customXml" ds:itemID="{19E20559-B232-4371-8690-E3D8007EDB82}">
   <ds:schemaRefs>
-    <ds:schemaRef ds:uri="http://purl.org/dc/elements/1.1/"/>
-    <ds:schemaRef ds:uri="http://schemas.microsoft.com/office/2006/metadata/properties"/>
-    <ds:schemaRef ds:uri="http://purl.org/dc/terms/"/>
-    <ds:schemaRef ds:uri="http://schemas.openxmlformats.org/package/2006/metadata/core-properties"/>
-    <ds:schemaRef ds:uri="http://schemas.microsoft.com/office/2006/documentManagement/types"/>
-    <ds:schemaRef ds:uri="http://www.w3.org/XML/1998/namespace"/>
-    <ds:schemaRef ds:uri="http://purl.org/dc/dcmitype/"/>
-    <ds:schemaRef ds:uri="http://schemas.microsoft.com/office/infopath/2007/PartnerControls"/>
+    <ds:schemaRef ds:uri="http://schemas.microsoft.com/sharepoint/v3/contenttype/forms"/>
   </ds:schemaRefs>
 </ds:datastoreItem>
 </file>
--- a/license-master.pptx
+++ b/license-master.pptx
@@ -255,7 +255,7 @@
           <a:p>
             <a:fld id="{0B842F42-2CE9-4E35-95C1-410DC08A50B1}" type="datetimeFigureOut">
               <a:rPr lang="en-US" smtClean="0"/>
-              <a:t>9/1/2021</a:t>
+              <a:t>3/25/2022</a:t>
             </a:fld>
             <a:endParaRPr lang="en-US"/>
           </a:p>
@@ -420,7 +420,7 @@
           <a:p>
             <a:fld id="{6F282904-F315-4730-8D91-37D99E141A6F}" type="datetimeFigureOut">
               <a:rPr lang="en-US" smtClean="0"/>
-              <a:t>9/1/2021</a:t>
+              <a:t>3/25/2022</a:t>
             </a:fld>
             <a:endParaRPr lang="en-US"/>
           </a:p>
@@ -4151,15 +4151,21 @@
             </a:pPr>
             <a:r>
               <a:rPr lang="en-US" sz="1600" b="1" dirty="0"/>
-              <a:t>The requested citation the overall tutorial is: David E. Bernholdt, Anshu Dubey, Patricia A. Grubel, Rinku K. Gupta, and Gregory R. Watson, Better Scientific Software tutorial, in the International Conference for High-Performance Computing, Networking, Storage, and Analysis (SC21), St. Louis, MO, USA and online, 2021. DOI: </a:t>
+              <a:t>The requested citation the overall tutorial is: David E. Bernholdt, Patricia A. Grubel, Rinku K. Gupta, and David M. Rogers, Better Scientific Software tutorial, in Improving Scientific Software conference, online, 2022. DOI: </a:t>
             </a:r>
             <a:r>
               <a:rPr lang="en-US" sz="1600" b="1" dirty="0">
                 <a:hlinkClick r:id="rId4"/>
               </a:rPr>
-              <a:t>10.6084/m9.figshare.16556628</a:t>
-            </a:r>
-            <a:endParaRPr lang="en-US" sz="1600" b="1" dirty="0"/>
+              <a:t>10.6084/m9.figshare</a:t>
+            </a:r>
+            <a:r>
+              <a:rPr lang="en-US" sz="1600" b="1">
+                <a:hlinkClick r:id="rId4"/>
+              </a:rPr>
+              <a:t>.19416767</a:t>
+            </a:r>
+            <a:endParaRPr lang="en-US" sz="1600" b="1"/>
           </a:p>
           <a:p>
             <a:pPr>
@@ -5254,12 +5260,6 @@
 </file>
 
 <file path=customXml/item1.xml><?xml version="1.0" encoding="utf-8"?>
-<p:properties xmlns:p="http://schemas.microsoft.com/office/2006/metadata/properties" xmlns:xsi="http://www.w3.org/2001/XMLSchema-instance" xmlns:pc="http://schemas.microsoft.com/office/infopath/2007/PartnerControls">
-  <documentManagement/>
-</p:properties>
-</file>
-
-<file path=customXml/item2.xml><?xml version="1.0" encoding="utf-8"?>
 <ct:contentTypeSchema xmlns:ct="http://schemas.microsoft.com/office/2006/metadata/contentType" xmlns:ma="http://schemas.microsoft.com/office/2006/metadata/properties/metaAttributes" ct:_="" ma:_="" ma:contentTypeName="Document" ma:contentTypeID="0x010100565464437F680748A68B85EB6594EA7D" ma:contentTypeVersion="0" ma:contentTypeDescription="Create a new document." ma:contentTypeScope="" ma:versionID="fe3f4dd58d5914c51cfc6deaa8ad845c">
   <xsd:schema xmlns:xsd="http://www.w3.org/2001/XMLSchema" xmlns:p="http://schemas.microsoft.com/office/2006/metadata/properties" targetNamespace="http://schemas.microsoft.com/office/2006/metadata/properties" ma:root="true" ma:fieldsID="4aeb20c0e3442673af7ee10786458764">
     <xsd:element name="properties">
@@ -5308,6 +5308,12 @@
 </ct:contentTypeSchema>
 </file>
 
+<file path=customXml/item2.xml><?xml version="1.0" encoding="utf-8"?>
+<p:properties xmlns:p="http://schemas.microsoft.com/office/2006/metadata/properties" xmlns:xsi="http://www.w3.org/2001/XMLSchema-instance" xmlns:pc="http://schemas.microsoft.com/office/infopath/2007/PartnerControls">
+  <documentManagement/>
+</p:properties>
+</file>
+
 <file path=customXml/item3.xml><?xml version="1.0" encoding="utf-8"?>
 <?mso-contentType ?>
 <FormTemplates xmlns="http://schemas.microsoft.com/sharepoint/v3/contenttype/forms">
@@ -5318,6 +5324,21 @@
 </file>
 
 <file path=customXml/itemProps1.xml><?xml version="1.0" encoding="utf-8"?>
+<ds:datastoreItem xmlns:ds="http://schemas.openxmlformats.org/officeDocument/2006/customXml" ds:itemID="{E8DB7DEB-074E-4EE8-9B6E-FD277323109C}">
+  <ds:schemaRefs>
+    <ds:schemaRef ds:uri="http://schemas.microsoft.com/office/2006/metadata/contentType"/>
+    <ds:schemaRef ds:uri="http://schemas.microsoft.com/office/2006/metadata/properties/metaAttributes"/>
+    <ds:schemaRef ds:uri="http://www.w3.org/2001/XMLSchema"/>
+    <ds:schemaRef ds:uri="http://schemas.microsoft.com/office/2006/metadata/properties"/>
+    <ds:schemaRef ds:uri="http://schemas.openxmlformats.org/package/2006/metadata/core-properties"/>
+    <ds:schemaRef ds:uri="http://purl.org/dc/elements/1.1/"/>
+    <ds:schemaRef ds:uri="http://purl.org/dc/terms/"/>
+    <ds:schemaRef ds:uri="http://schemas.microsoft.com/office/internal/2005/internalDocumentation"/>
+  </ds:schemaRefs>
+</ds:datastoreItem>
+</file>
+
+<file path=customXml/itemProps2.xml><?xml version="1.0" encoding="utf-8"?>
 <ds:datastoreItem xmlns:ds="http://schemas.openxmlformats.org/officeDocument/2006/customXml" ds:itemID="{A50EC660-24D0-43A0-AE5E-E274115E726B}">
   <ds:schemaRefs>
     <ds:schemaRef ds:uri="http://purl.org/dc/elements/1.1/"/>
@@ -5332,21 +5353,6 @@
 </ds:datastoreItem>
 </file>
 
-<file path=customXml/itemProps2.xml><?xml version="1.0" encoding="utf-8"?>
-<ds:datastoreItem xmlns:ds="http://schemas.openxmlformats.org/officeDocument/2006/customXml" ds:itemID="{E8DB7DEB-074E-4EE8-9B6E-FD277323109C}">
-  <ds:schemaRefs>
-    <ds:schemaRef ds:uri="http://schemas.microsoft.com/office/2006/metadata/contentType"/>
-    <ds:schemaRef ds:uri="http://schemas.microsoft.com/office/2006/metadata/properties/metaAttributes"/>
-    <ds:schemaRef ds:uri="http://www.w3.org/2001/XMLSchema"/>
-    <ds:schemaRef ds:uri="http://schemas.microsoft.com/office/2006/metadata/properties"/>
-    <ds:schemaRef ds:uri="http://schemas.openxmlformats.org/package/2006/metadata/core-properties"/>
-    <ds:schemaRef ds:uri="http://purl.org/dc/elements/1.1/"/>
-    <ds:schemaRef ds:uri="http://purl.org/dc/terms/"/>
-    <ds:schemaRef ds:uri="http://schemas.microsoft.com/office/internal/2005/internalDocumentation"/>
-  </ds:schemaRefs>
-</ds:datastoreItem>
-</file>
-
 <file path=customXml/itemProps3.xml><?xml version="1.0" encoding="utf-8"?>
 <ds:datastoreItem xmlns:ds="http://schemas.openxmlformats.org/officeDocument/2006/customXml" ds:itemID="{19E20559-B232-4371-8690-E3D8007EDB82}">
   <ds:schemaRefs>

--- a/license-master.pptx
+++ b/license-master.pptx
@@ -255,7 +255,7 @@
           <a:p>
             <a:fld id="{0B842F42-2CE9-4E35-95C1-410DC08A50B1}" type="datetimeFigureOut">
               <a:rPr lang="en-US" smtClean="0"/>
-              <a:t>3/25/2022</a:t>
+              <a:t>4/17/2022</a:t>
             </a:fld>
             <a:endParaRPr lang="en-US"/>
           </a:p>
@@ -420,7 +420,7 @@
           <a:p>
             <a:fld id="{6F282904-F315-4730-8D91-37D99E141A6F}" type="datetimeFigureOut">
               <a:rPr lang="en-US" smtClean="0"/>
-              <a:t>3/25/2022</a:t>
+              <a:t>4/17/2022</a:t>
             </a:fld>
             <a:endParaRPr lang="en-US"/>
           </a:p>
@@ -4151,21 +4151,23 @@
             </a:pPr>
             <a:r>
               <a:rPr lang="en-US" sz="1600" b="1" dirty="0"/>
-              <a:t>The requested citation the overall tutorial is: David E. Bernholdt, Patricia A. Grubel, Rinku K. Gupta, and David M. Rogers, Better Scientific Software tutorial, in Improving Scientific Software conference, online, 2022. DOI: </a:t>
+              <a:t>The requested citation the overall tutorial is: Gregory R. Watson and David M. </a:t>
+            </a:r>
+            <a:r>
+              <a:rPr lang="en-US" sz="1600" b="1"/>
+              <a:t>Rogers, </a:t>
+            </a:r>
+            <a:r>
+              <a:rPr lang="en-US" sz="1600" b="1" dirty="0"/>
+              <a:t>Developing a Testing and Continuous Integration Strategy for your Team tutorial, in Exascale Computing Project Annual Meeting, online, 2022. DOI: </a:t>
             </a:r>
             <a:r>
               <a:rPr lang="en-US" sz="1600" b="1" dirty="0">
                 <a:hlinkClick r:id="rId4"/>
               </a:rPr>
-              <a:t>10.6084/m9.figshare</a:t>
-            </a:r>
-            <a:r>
-              <a:rPr lang="en-US" sz="1600" b="1">
-                <a:hlinkClick r:id="rId4"/>
-              </a:rPr>
-              <a:t>.19416767</a:t>
-            </a:r>
-            <a:endParaRPr lang="en-US" sz="1600" b="1"/>
+              <a:t>10.6084/m9.figshare.19608927</a:t>
+            </a:r>
+            <a:endParaRPr lang="en-US" sz="1600" b="1" dirty="0"/>
           </a:p>
           <a:p>
             <a:pPr>
@@ -5260,6 +5262,12 @@
 </file>
 
 <file path=customXml/item1.xml><?xml version="1.0" encoding="utf-8"?>
+<p:properties xmlns:p="http://schemas.microsoft.com/office/2006/metadata/properties" xmlns:xsi="http://www.w3.org/2001/XMLSchema-instance" xmlns:pc="http://schemas.microsoft.com/office/infopath/2007/PartnerControls">
+  <documentManagement/>
+</p:properties>
+</file>
+
+<file path=customXml/item2.xml><?xml version="1.0" encoding="utf-8"?>
 <ct:contentTypeSchema xmlns:ct="http://schemas.microsoft.com/office/2006/metadata/contentType" xmlns:ma="http://schemas.microsoft.com/office/2006/metadata/properties/metaAttributes" ct:_="" ma:_="" ma:contentTypeName="Document" ma:contentTypeID="0x010100565464437F680748A68B85EB6594EA7D" ma:contentTypeVersion="0" ma:contentTypeDescription="Create a new document." ma:contentTypeScope="" ma:versionID="fe3f4dd58d5914c51cfc6deaa8ad845c">
   <xsd:schema xmlns:xsd="http://www.w3.org/2001/XMLSchema" xmlns:p="http://schemas.microsoft.com/office/2006/metadata/properties" targetNamespace="http://schemas.microsoft.com/office/2006/metadata/properties" ma:root="true" ma:fieldsID="4aeb20c0e3442673af7ee10786458764">
     <xsd:element name="properties">
@@ -5308,12 +5316,6 @@
 </ct:contentTypeSchema>
 </file>
 
-<file path=customXml/item2.xml><?xml version="1.0" encoding="utf-8"?>
-<p:properties xmlns:p="http://schemas.microsoft.com/office/2006/metadata/properties" xmlns:xsi="http://www.w3.org/2001/XMLSchema-instance" xmlns:pc="http://schemas.microsoft.com/office/infopath/2007/PartnerControls">
-  <documentManagement/>
-</p:properties>
-</file>
-
 <file path=customXml/item3.xml><?xml version="1.0" encoding="utf-8"?>
 <?mso-contentType ?>
 <FormTemplates xmlns="http://schemas.microsoft.com/sharepoint/v3/contenttype/forms">
@@ -5324,6 +5326,21 @@
 </file>
 
 <file path=customXml/itemProps1.xml><?xml version="1.0" encoding="utf-8"?>
+<ds:datastoreItem xmlns:ds="http://schemas.openxmlformats.org/officeDocument/2006/customXml" ds:itemID="{A50EC660-24D0-43A0-AE5E-E274115E726B}">
+  <ds:schemaRefs>
+    <ds:schemaRef ds:uri="http://purl.org/dc/elements/1.1/"/>
+    <ds:schemaRef ds:uri="http://schemas.microsoft.com/office/2006/metadata/properties"/>
+    <ds:schemaRef ds:uri="http://purl.org/dc/terms/"/>
+    <ds:schemaRef ds:uri="http://schemas.openxmlformats.org/package/2006/metadata/core-properties"/>
+    <ds:schemaRef ds:uri="http://schemas.microsoft.com/office/2006/documentManagement/types"/>
+    <ds:schemaRef ds:uri="http://www.w3.org/XML/1998/namespace"/>
+    <ds:schemaRef ds:uri="http://purl.org/dc/dcmitype/"/>
+    <ds:schemaRef ds:uri="http://schemas.microsoft.com/office/infopath/2007/PartnerControls"/>
+  </ds:schemaRefs>
+</ds:datastoreItem>
+</file>
+
+<file path=customXml/itemProps2.xml><?xml version="1.0" encoding="utf-8"?>
 <ds:datastoreItem xmlns:ds="http://schemas.openxmlformats.org/officeDocument/2006/customXml" ds:itemID="{E8DB7DEB-074E-4EE8-9B6E-FD277323109C}">
   <ds:schemaRefs>
     <ds:schemaRef ds:uri="http://schemas.microsoft.com/office/2006/metadata/contentType"/>
@@ -5338,21 +5355,6 @@
 </ds:datastoreItem>
 </file>
 
-<file path=customXml/itemProps2.xml><?xml version="1.0" encoding="utf-8"?>
-<ds:datastoreItem xmlns:ds="http://schemas.openxmlformats.org/officeDocument/2006/customXml" ds:itemID="{A50EC660-24D0-43A0-AE5E-E274115E726B}">
-  <ds:schemaRefs>
-    <ds:schemaRef ds:uri="http://purl.org/dc/elements/1.1/"/>
-    <ds:schemaRef ds:uri="http://schemas.microsoft.com/office/2006/metadata/properties"/>
-    <ds:schemaRef ds:uri="http://purl.org/dc/terms/"/>
-    <ds:schemaRef ds:uri="http://schemas.openxmlformats.org/package/2006/metadata/core-properties"/>
-    <ds:schemaRef ds:uri="http://schemas.microsoft.com/office/2006/documentManagement/types"/>
-    <ds:schemaRef ds:uri="http://www.w3.org/XML/1998/namespace"/>
-    <ds:schemaRef ds:uri="http://purl.org/dc/dcmitype/"/>
-    <ds:schemaRef ds:uri="http://schemas.microsoft.com/office/infopath/2007/PartnerControls"/>
-  </ds:schemaRefs>
-</ds:datastoreItem>
-</file>
-
 <file path=customXml/itemProps3.xml><?xml version="1.0" encoding="utf-8"?>
 <ds:datastoreItem xmlns:ds="http://schemas.openxmlformats.org/officeDocument/2006/customXml" ds:itemID="{19E20559-B232-4371-8690-E3D8007EDB82}">
   <ds:schemaRefs>

--- a/license-master.pptx
+++ b/license-master.pptx
@@ -255,7 +255,7 @@
           <a:p>
             <a:fld id="{0B842F42-2CE9-4E35-95C1-410DC08A50B1}" type="datetimeFigureOut">
               <a:rPr lang="en-US" smtClean="0"/>
-              <a:t>4/17/2022</a:t>
+              <a:t>5/17/22</a:t>
             </a:fld>
             <a:endParaRPr lang="en-US"/>
           </a:p>
@@ -420,7 +420,7 @@
           <a:p>
             <a:fld id="{6F282904-F315-4730-8D91-37D99E141A6F}" type="datetimeFigureOut">
               <a:rPr lang="en-US" smtClean="0"/>
-              <a:t>4/17/2022</a:t>
+              <a:t>5/17/22</a:t>
             </a:fld>
             <a:endParaRPr lang="en-US"/>
           </a:p>
@@ -4151,23 +4151,16 @@
             </a:pPr>
             <a:r>
               <a:rPr lang="en-US" sz="1600" b="1" dirty="0"/>
-              <a:t>The requested citation the overall tutorial is: Gregory R. Watson and David M. </a:t>
-            </a:r>
-            <a:r>
-              <a:rPr lang="en-US" sz="1600" b="1"/>
-              <a:t>Rogers, </a:t>
+              <a:t>The requested citation the overall tutorial is: </a:t>
+            </a:r>
+            <a:r>
+              <a:rPr lang="en-US" sz="1600" b="1" dirty="0" err="1"/>
+              <a:t>Anshu</a:t>
             </a:r>
             <a:r>
               <a:rPr lang="en-US" sz="1600" b="1" dirty="0"/>
-              <a:t>Developing a Testing and Continuous Integration Strategy for your Team tutorial, in Exascale Computing Project Annual Meeting, online, 2022. DOI: </a:t>
-            </a:r>
-            <a:r>
-              <a:rPr lang="en-US" sz="1600" b="1" dirty="0">
-                <a:hlinkClick r:id="rId4"/>
-              </a:rPr>
-              <a:t>10.6084/m9.figshare.19608927</a:t>
-            </a:r>
-            <a:endParaRPr lang="en-US" sz="1600" b="1" dirty="0"/>
+              <a:t> Dubey and Gregory R. Watson, Better Scientific Software Tutorial, in ISC High Performance, 2022, Hamburg Germany. DOI: 10.6084/m9.figshare.19781752</a:t>
+            </a:r>
           </a:p>
           <a:p>
             <a:pPr>
@@ -4185,7 +4178,7 @@
             </a:r>
             <a:r>
               <a:rPr lang="en-US" sz="1600" dirty="0"/>
-              <a:t>, in Better Scientific Software tutorial…</a:t>
+              <a:t>, in Better Scientific Software tutorial, ISC, 2022 …</a:t>
             </a:r>
           </a:p>
           <a:p>
@@ -4304,7 +4297,7 @@
           <p:nvPr/>
         </p:nvPicPr>
         <p:blipFill>
-          <a:blip r:embed="rId5">
+          <a:blip r:embed="rId4">
             <a:extLst>
               <a:ext uri="{28A0092B-C50C-407E-A947-70E740481C1C}">
                 <a14:useLocalDpi xmlns:a14="http://schemas.microsoft.com/office/drawing/2010/main" val="0"/>

--- a/license-master.pptx
+++ b/license-master.pptx
@@ -255,7 +255,7 @@
           <a:p>
             <a:fld id="{0B842F42-2CE9-4E35-95C1-410DC08A50B1}" type="datetimeFigureOut">
               <a:rPr lang="en-US" smtClean="0"/>
-              <a:t>5/17/22</a:t>
+              <a:t>8/1/2022</a:t>
             </a:fld>
             <a:endParaRPr lang="en-US"/>
           </a:p>
@@ -420,7 +420,7 @@
           <a:p>
             <a:fld id="{6F282904-F315-4730-8D91-37D99E141A6F}" type="datetimeFigureOut">
               <a:rPr lang="en-US" smtClean="0"/>
-              <a:t>5/17/22</a:t>
+              <a:t>8/1/2022</a:t>
             </a:fld>
             <a:endParaRPr lang="en-US"/>
           </a:p>
@@ -4151,15 +4151,25 @@
             </a:pPr>
             <a:r>
               <a:rPr lang="en-US" sz="1600" b="1" dirty="0"/>
-              <a:t>The requested citation the overall tutorial is: </a:t>
+              <a:t>The requested citation the overall tutorial is: David E. Bernholdt, Anshu Dubey, Todd Gamblin, Jared O’Neal, and </a:t>
             </a:r>
             <a:r>
               <a:rPr lang="en-US" sz="1600" b="1" dirty="0" err="1"/>
-              <a:t>Anshu</a:t>
+              <a:t>Boyana</a:t>
             </a:r>
             <a:r>
               <a:rPr lang="en-US" sz="1600" b="1" dirty="0"/>
-              <a:t> Dubey and Gregory R. Watson, Better Scientific Software Tutorial, in ISC High Performance, 2022, Hamburg Germany. DOI: 10.6084/m9.figshare.19781752</a:t>
+              <a:t> R. Norris, Software Productivity and Sustainability track, in Argonne Training Program on Extreme-Scale Computing, Q-Center, St. Charles, Illinois, 2022. DOI: </a:t>
+            </a:r>
+            <a:r>
+              <a:rPr lang="en-US" sz="1600" b="1" dirty="0">
+                <a:hlinkClick r:id="rId4"/>
+              </a:rPr>
+              <a:t>10.6084/m9.figshare.20416215</a:t>
+            </a:r>
+            <a:r>
+              <a:rPr lang="en-US" sz="1600" b="1" dirty="0"/>
+              <a:t>.</a:t>
             </a:r>
           </a:p>
           <a:p>
@@ -4201,15 +4211,7 @@
             </a:pPr>
             <a:r>
               <a:rPr lang="en-US" sz="1400" dirty="0"/>
-              <a:t>This work was supported by the U.S. Department of Energy Office of Science, Office of Advanced Scientific Computing Research (ASCR), and by the </a:t>
-            </a:r>
-            <a:r>
-              <a:rPr lang="en-US" sz="1400" dirty="0" err="1"/>
-              <a:t>Exascale</a:t>
-            </a:r>
-            <a:r>
-              <a:rPr lang="en-US" sz="1400" dirty="0"/>
-              <a:t> Computing Project (17-SC-20-SC), a collaborative effort of the U.S. Department of Energy Office of Science and the National Nuclear Security Administration</a:t>
+              <a:t>This work was supported by the U.S. Department of Energy Office of Science, Office of Advanced Scientific Computing Research (ASCR), and by the Exascale Computing Project (17-SC-20-SC), a collaborative effort of the U.S. Department of Energy Office of Science and the National Nuclear Security Administration</a:t>
             </a:r>
             <a:r>
               <a:rPr lang="en-US" sz="1400" i="1" dirty="0"/>
@@ -4225,15 +4227,7 @@
             </a:pPr>
             <a:r>
               <a:rPr lang="en-US" sz="1400" dirty="0"/>
-              <a:t>This work was performed in part at the Argonne National Laboratory, which is managed by </a:t>
-            </a:r>
-            <a:r>
-              <a:rPr lang="en-US" sz="1400" dirty="0" err="1"/>
-              <a:t>UChicago</a:t>
-            </a:r>
-            <a:r>
-              <a:rPr lang="en-US" sz="1400" dirty="0"/>
-              <a:t> Argonne, LLC for the U.S. Department of Energy under Contract No. DE-AC02-06CH11357.</a:t>
+              <a:t>This work was performed in part at the Argonne National Laboratory, which is managed by UChicago Argonne, LLC for the U.S. Department of Energy under Contract No. DE-AC02-06CH11357.</a:t>
             </a:r>
           </a:p>
           <a:p>
@@ -4297,7 +4291,7 @@
           <p:nvPr/>
         </p:nvPicPr>
         <p:blipFill>
-          <a:blip r:embed="rId4">
+          <a:blip r:embed="rId5">
             <a:extLst>
               <a:ext uri="{28A0092B-C50C-407E-A947-70E740481C1C}">
                 <a14:useLocalDpi xmlns:a14="http://schemas.microsoft.com/office/drawing/2010/main" val="0"/>
@@ -5255,9 +5249,12 @@
 </file>
 
 <file path=customXml/item1.xml><?xml version="1.0" encoding="utf-8"?>
-<p:properties xmlns:p="http://schemas.microsoft.com/office/2006/metadata/properties" xmlns:xsi="http://www.w3.org/2001/XMLSchema-instance" xmlns:pc="http://schemas.microsoft.com/office/infopath/2007/PartnerControls">
-  <documentManagement/>
-</p:properties>
+<?mso-contentType ?>
+<FormTemplates xmlns="http://schemas.microsoft.com/sharepoint/v3/contenttype/forms">
+  <Display>DocumentLibraryForm</Display>
+  <Edit>DocumentLibraryForm</Edit>
+  <New>DocumentLibraryForm</New>
+</FormTemplates>
 </file>
 
 <file path=customXml/item2.xml><?xml version="1.0" encoding="utf-8"?>
@@ -5310,25 +5307,15 @@
 </file>
 
 <file path=customXml/item3.xml><?xml version="1.0" encoding="utf-8"?>
-<?mso-contentType ?>
-<FormTemplates xmlns="http://schemas.microsoft.com/sharepoint/v3/contenttype/forms">
-  <Display>DocumentLibraryForm</Display>
-  <Edit>DocumentLibraryForm</Edit>
-  <New>DocumentLibraryForm</New>
-</FormTemplates>
+<p:properties xmlns:p="http://schemas.microsoft.com/office/2006/metadata/properties" xmlns:xsi="http://www.w3.org/2001/XMLSchema-instance" xmlns:pc="http://schemas.microsoft.com/office/infopath/2007/PartnerControls">
+  <documentManagement/>
+</p:properties>
 </file>
 
 <file path=customXml/itemProps1.xml><?xml version="1.0" encoding="utf-8"?>
-<ds:datastoreItem xmlns:ds="http://schemas.openxmlformats.org/officeDocument/2006/customXml" ds:itemID="{A50EC660-24D0-43A0-AE5E-E274115E726B}">
+<ds:datastoreItem xmlns:ds="http://schemas.openxmlformats.org/officeDocument/2006/customXml" ds:itemID="{19E20559-B232-4371-8690-E3D8007EDB82}">
   <ds:schemaRefs>
-    <ds:schemaRef ds:uri="http://purl.org/dc/elements/1.1/"/>
-    <ds:schemaRef ds:uri="http://schemas.microsoft.com/office/2006/metadata/properties"/>
-    <ds:schemaRef ds:uri="http://purl.org/dc/terms/"/>
-    <ds:schemaRef ds:uri="http://schemas.openxmlformats.org/package/2006/metadata/core-properties"/>
-    <ds:schemaRef ds:uri="http://schemas.microsoft.com/office/2006/documentManagement/types"/>
-    <ds:schemaRef ds:uri="http://www.w3.org/XML/1998/namespace"/>
-    <ds:schemaRef ds:uri="http://purl.org/dc/dcmitype/"/>
-    <ds:schemaRef ds:uri="http://schemas.microsoft.com/office/infopath/2007/PartnerControls"/>
+    <ds:schemaRef ds:uri="http://schemas.microsoft.com/sharepoint/v3/contenttype/forms"/>
   </ds:schemaRefs>
 </ds:datastoreItem>
 </file>
@@ -5349,9 +5336,16 @@
 </file>
 
 <file path=customXml/itemProps3.xml><?xml version="1.0" encoding="utf-8"?>
-<ds:datastoreItem xmlns:ds="http://schemas.openxmlformats.org/officeDocument/2006/customXml" ds:itemID="{19E20559-B232-4371-8690-E3D8007EDB82}">
+<ds:datastoreItem xmlns:ds="http://schemas.openxmlformats.org/officeDocument/2006/customXml" ds:itemID="{A50EC660-24D0-43A0-AE5E-E274115E726B}">
   <ds:schemaRefs>
-    <ds:schemaRef ds:uri="http://schemas.microsoft.com/sharepoint/v3/contenttype/forms"/>
+    <ds:schemaRef ds:uri="http://purl.org/dc/elements/1.1/"/>
+    <ds:schemaRef ds:uri="http://schemas.microsoft.com/office/2006/metadata/properties"/>
+    <ds:schemaRef ds:uri="http://purl.org/dc/terms/"/>
+    <ds:schemaRef ds:uri="http://schemas.openxmlformats.org/package/2006/metadata/core-properties"/>
+    <ds:schemaRef ds:uri="http://schemas.microsoft.com/office/2006/documentManagement/types"/>
+    <ds:schemaRef ds:uri="http://www.w3.org/XML/1998/namespace"/>
+    <ds:schemaRef ds:uri="http://purl.org/dc/dcmitype/"/>
+    <ds:schemaRef ds:uri="http://schemas.microsoft.com/office/infopath/2007/PartnerControls"/>
   </ds:schemaRefs>
 </ds:datastoreItem>
 </file>
--- a/license-master.pptx
+++ b/license-master.pptx
@@ -255,7 +255,7 @@
           <a:p>
             <a:fld id="{0B842F42-2CE9-4E35-95C1-410DC08A50B1}" type="datetimeFigureOut">
               <a:rPr lang="en-US" smtClean="0"/>
-              <a:t>8/1/2022</a:t>
+              <a:t>8/9/2022</a:t>
             </a:fld>
             <a:endParaRPr lang="en-US"/>
           </a:p>
@@ -420,7 +420,7 @@
           <a:p>
             <a:fld id="{6F282904-F315-4730-8D91-37D99E141A6F}" type="datetimeFigureOut">
               <a:rPr lang="en-US" smtClean="0"/>
-              <a:t>8/1/2022</a:t>
+              <a:t>8/9/2022</a:t>
             </a:fld>
             <a:endParaRPr lang="en-US"/>
           </a:p>
@@ -4159,7 +4159,15 @@
             </a:r>
             <a:r>
               <a:rPr lang="en-US" sz="1600" b="1" dirty="0"/>
-              <a:t> R. Norris, Software Productivity and Sustainability track, in Argonne Training Program on Extreme-Scale Computing, Q-Center, St. Charles, Illinois, 2022. DOI: </a:t>
+              <a:t> R. Norris, Software Productivity and Sustainability track, in Argonne Training Program on Extreme-Scale Computing</a:t>
+            </a:r>
+            <a:r>
+              <a:rPr lang="en-US" sz="1600" b="1"/>
+              <a:t>, St</a:t>
+            </a:r>
+            <a:r>
+              <a:rPr lang="en-US" sz="1600" b="1" dirty="0"/>
+              <a:t>. Charles, Illinois, 2022. DOI: </a:t>
             </a:r>
             <a:r>
               <a:rPr lang="en-US" sz="1600" b="1" dirty="0">
@@ -4238,7 +4246,7 @@
             </a:pPr>
             <a:r>
               <a:rPr lang="en-US" sz="1400" dirty="0"/>
-              <a:t>This work was performed in part at the Oak Ridge National Laboratory, which is managed by UT-Battelle, LLC for the U.S. Department of Energy under Contract No. DE-AC05-00OR22725.</a:t>
+              <a:t>This work was performed in part at the Lawrence Livermore National Laboratory, which is managed by Lawrence Livermore National Security, LLC for the U.S. Department of Energy under Contract No. DE-AC52-07NA27344.</a:t>
             </a:r>
           </a:p>
           <a:p>
@@ -4249,7 +4257,7 @@
             </a:pPr>
             <a:r>
               <a:rPr lang="en-US" sz="1400" dirty="0"/>
-              <a:t>This work was performed in part at the Lawrence Livermore National Laboratory, which is managed by Lawrence Livermore National Security, LLC for the U.S. Department of Energy under Contract No. DE-AC52-07NA27344.</a:t>
+              <a:t>This work was performed in part at the Los Alamos National Laboratory, which is managed by Triad National Security, LLC for the U.S. Department of Energy under Contract No.89233218CNA000001</a:t>
             </a:r>
           </a:p>
           <a:p>
@@ -4260,7 +4268,7 @@
             </a:pPr>
             <a:r>
               <a:rPr lang="en-US" sz="1400" dirty="0"/>
-              <a:t>This work was performed in part at the Los Alamos National Laboratory, which is managed by Triad National Security, LLC for the U.S. Department of Energy under Contract No.89233218CNA000001</a:t>
+              <a:t>This work was performed in part at the Oak Ridge National Laboratory, which is managed by UT-Battelle, LLC for the U.S. Department of Energy under Contract No. DE-AC05-00OR22725.</a:t>
             </a:r>
           </a:p>
           <a:p>
@@ -4272,6 +4280,17 @@
             <a:r>
               <a:rPr lang="en-US" sz="1400" dirty="0"/>
               <a:t>This work was performed in part at Sandia National Laboratories. Sandia National Laboratories is a multi-mission laboratory managed and operated by National Technology and Engineering Solutions of Sandia, LLC., a wholly owned subsidiary of Honeywell International, Inc., for the U.S. Department of Energy’s National Nuclear Security Administration under contract DE-NA0003525.</a:t>
+            </a:r>
+          </a:p>
+          <a:p>
+            <a:pPr>
+              <a:spcBef>
+                <a:spcPts val="400"/>
+              </a:spcBef>
+            </a:pPr>
+            <a:r>
+              <a:rPr lang="en-US" sz="1400" dirty="0"/>
+              <a:t>This work was performed in part at University of Oregon through a subcontract with Argonne National Laboratory.</a:t>
             </a:r>
           </a:p>
         </p:txBody>
@@ -5258,6 +5277,12 @@
 </file>
 
 <file path=customXml/item2.xml><?xml version="1.0" encoding="utf-8"?>
+<p:properties xmlns:p="http://schemas.microsoft.com/office/2006/metadata/properties" xmlns:xsi="http://www.w3.org/2001/XMLSchema-instance" xmlns:pc="http://schemas.microsoft.com/office/infopath/2007/PartnerControls">
+  <documentManagement/>
+</p:properties>
+</file>
+
+<file path=customXml/item3.xml><?xml version="1.0" encoding="utf-8"?>
 <ct:contentTypeSchema xmlns:ct="http://schemas.microsoft.com/office/2006/metadata/contentType" xmlns:ma="http://schemas.microsoft.com/office/2006/metadata/properties/metaAttributes" ct:_="" ma:_="" ma:contentTypeName="Document" ma:contentTypeID="0x010100565464437F680748A68B85EB6594EA7D" ma:contentTypeVersion="0" ma:contentTypeDescription="Create a new document." ma:contentTypeScope="" ma:versionID="fe3f4dd58d5914c51cfc6deaa8ad845c">
   <xsd:schema xmlns:xsd="http://www.w3.org/2001/XMLSchema" xmlns:p="http://schemas.microsoft.com/office/2006/metadata/properties" targetNamespace="http://schemas.microsoft.com/office/2006/metadata/properties" ma:root="true" ma:fieldsID="4aeb20c0e3442673af7ee10786458764">
     <xsd:element name="properties">
@@ -5306,12 +5331,6 @@
 </ct:contentTypeSchema>
 </file>
 
-<file path=customXml/item3.xml><?xml version="1.0" encoding="utf-8"?>
-<p:properties xmlns:p="http://schemas.microsoft.com/office/2006/metadata/properties" xmlns:xsi="http://www.w3.org/2001/XMLSchema-instance" xmlns:pc="http://schemas.microsoft.com/office/infopath/2007/PartnerControls">
-  <documentManagement/>
-</p:properties>
-</file>
-
 <file path=customXml/itemProps1.xml><?xml version="1.0" encoding="utf-8"?>
 <ds:datastoreItem xmlns:ds="http://schemas.openxmlformats.org/officeDocument/2006/customXml" ds:itemID="{19E20559-B232-4371-8690-E3D8007EDB82}">
   <ds:schemaRefs>
@@ -5321,6 +5340,21 @@
 </file>
 
 <file path=customXml/itemProps2.xml><?xml version="1.0" encoding="utf-8"?>
+<ds:datastoreItem xmlns:ds="http://schemas.openxmlformats.org/officeDocument/2006/customXml" ds:itemID="{A50EC660-24D0-43A0-AE5E-E274115E726B}">
+  <ds:schemaRefs>
+    <ds:schemaRef ds:uri="http://purl.org/dc/elements/1.1/"/>
+    <ds:schemaRef ds:uri="http://schemas.microsoft.com/office/2006/metadata/properties"/>
+    <ds:schemaRef ds:uri="http://purl.org/dc/terms/"/>
+    <ds:schemaRef ds:uri="http://schemas.openxmlformats.org/package/2006/metadata/core-properties"/>
+    <ds:schemaRef ds:uri="http://schemas.microsoft.com/office/2006/documentManagement/types"/>
+    <ds:schemaRef ds:uri="http://www.w3.org/XML/1998/namespace"/>
+    <ds:schemaRef ds:uri="http://purl.org/dc/dcmitype/"/>
+    <ds:schemaRef ds:uri="http://schemas.microsoft.com/office/infopath/2007/PartnerControls"/>
+  </ds:schemaRefs>
+</ds:datastoreItem>
+</file>
+
+<file path=customXml/itemProps3.xml><?xml version="1.0" encoding="utf-8"?>
 <ds:datastoreItem xmlns:ds="http://schemas.openxmlformats.org/officeDocument/2006/customXml" ds:itemID="{E8DB7DEB-074E-4EE8-9B6E-FD277323109C}">
   <ds:schemaRefs>
     <ds:schemaRef ds:uri="http://schemas.microsoft.com/office/2006/metadata/contentType"/>
@@ -5333,19 +5367,4 @@
     <ds:schemaRef ds:uri="http://schemas.microsoft.com/office/internal/2005/internalDocumentation"/>
   </ds:schemaRefs>
 </ds:datastoreItem>
-</file>
-
-<file path=customXml/itemProps3.xml><?xml version="1.0" encoding="utf-8"?>
-<ds:datastoreItem xmlns:ds="http://schemas.openxmlformats.org/officeDocument/2006/customXml" ds:itemID="{A50EC660-24D0-43A0-AE5E-E274115E726B}">
-  <ds:schemaRefs>
-    <ds:schemaRef ds:uri="http://purl.org/dc/elements/1.1/"/>
-    <ds:schemaRef ds:uri="http://schemas.microsoft.com/office/2006/metadata/properties"/>
-    <ds:schemaRef ds:uri="http://purl.org/dc/terms/"/>
-    <ds:schemaRef ds:uri="http://schemas.openxmlformats.org/package/2006/metadata/core-properties"/>
-    <ds:schemaRef ds:uri="http://schemas.microsoft.com/office/2006/documentManagement/types"/>
-    <ds:schemaRef ds:uri="http://www.w3.org/XML/1998/namespace"/>
-    <ds:schemaRef ds:uri="http://purl.org/dc/dcmitype/"/>
-    <ds:schemaRef ds:uri="http://schemas.microsoft.com/office/infopath/2007/PartnerControls"/>
-  </ds:schemaRefs>
-</ds:datastoreItem>
 </file>
--- a/license-master.pptx
+++ b/license-master.pptx
@@ -255,7 +255,7 @@
           <a:p>
             <a:fld id="{0B842F42-2CE9-4E35-95C1-410DC08A50B1}" type="datetimeFigureOut">
               <a:rPr lang="en-US" smtClean="0"/>
-              <a:t>8/9/2022</a:t>
+              <a:t>10/27/2022</a:t>
             </a:fld>
             <a:endParaRPr lang="en-US"/>
           </a:p>
@@ -420,7 +420,7 @@
           <a:p>
             <a:fld id="{6F282904-F315-4730-8D91-37D99E141A6F}" type="datetimeFigureOut">
               <a:rPr lang="en-US" smtClean="0"/>
-              <a:t>8/9/2022</a:t>
+              <a:t>10/27/2022</a:t>
             </a:fld>
             <a:endParaRPr lang="en-US"/>
           </a:p>
@@ -4151,29 +4151,13 @@
             </a:pPr>
             <a:r>
               <a:rPr lang="en-US" sz="1600" b="1" dirty="0"/>
-              <a:t>The requested citation the overall tutorial is: David E. Bernholdt, Anshu Dubey, Todd Gamblin, Jared O’Neal, and </a:t>
-            </a:r>
-            <a:r>
-              <a:rPr lang="en-US" sz="1600" b="1" dirty="0" err="1"/>
-              <a:t>Boyana</a:t>
-            </a:r>
-            <a:r>
-              <a:rPr lang="en-US" sz="1600" b="1" dirty="0"/>
-              <a:t> R. Norris, Software Productivity and Sustainability track, in Argonne Training Program on Extreme-Scale Computing</a:t>
-            </a:r>
-            <a:r>
-              <a:rPr lang="en-US" sz="1600" b="1"/>
-              <a:t>, St</a:t>
-            </a:r>
-            <a:r>
-              <a:rPr lang="en-US" sz="1600" b="1" dirty="0"/>
-              <a:t>. Charles, Illinois, 2022. DOI: </a:t>
+              <a:t>The requested citation the overall tutorial is: David E. Bernholdt, Anshu Dubey, and Patricia A. Grubel, Better Scientific Software tutorial, in The International Conference for High-Performance Computing, Networking, Storage, and Analysis (SC22), Dallas, Texas, 2022. DOI: </a:t>
             </a:r>
             <a:r>
               <a:rPr lang="en-US" sz="1600" b="1" dirty="0">
                 <a:hlinkClick r:id="rId4"/>
               </a:rPr>
-              <a:t>10.6084/m9.figshare.20416215</a:t>
+              <a:t>10.6084/m9.figshare.21384057</a:t>
             </a:r>
             <a:r>
               <a:rPr lang="en-US" sz="1600" b="1" dirty="0"/>
@@ -4196,7 +4180,7 @@
             </a:r>
             <a:r>
               <a:rPr lang="en-US" sz="1600" dirty="0"/>
-              <a:t>, in Better Scientific Software tutorial, ISC, 2022 …</a:t>
+              <a:t>, in Better Scientific Software tutorial, …</a:t>
             </a:r>
           </a:p>
           <a:p>
@@ -4279,19 +4263,13 @@
             </a:pPr>
             <a:r>
               <a:rPr lang="en-US" sz="1400" dirty="0"/>
-              <a:t>This work was performed in part at Sandia National Laboratories. Sandia National Laboratories is a multi-mission laboratory managed and operated by National Technology and Engineering Solutions of Sandia, LLC., a wholly owned subsidiary of Honeywell International, Inc., for the U.S. Department of Energy’s National Nuclear Security Administration under contract DE-NA0003525.</a:t>
-            </a:r>
-          </a:p>
-          <a:p>
-            <a:pPr>
-              <a:spcBef>
-                <a:spcPts val="400"/>
-              </a:spcBef>
-            </a:pPr>
-            <a:r>
-              <a:rPr lang="en-US" sz="1400" dirty="0"/>
-              <a:t>This work was performed in part at University of Oregon through a subcontract with Argonne National Laboratory.</a:t>
-            </a:r>
+              <a:t>This work was performed in part at Sandia National Laboratories. Sandia National Laboratories is a multi-mission laboratory managed and operated by National Technology and Engineering Solutions of Sandia, LLC., a wholly owned subsidiary of Honeywell International, Inc., for the U.S. Department of Energy’s National Nuclear Security Administration under contract </a:t>
+            </a:r>
+            <a:r>
+              <a:rPr lang="en-US" sz="1400"/>
+              <a:t>DE-NA0003525.</a:t>
+            </a:r>
+            <a:endParaRPr lang="en-US" sz="1400" dirty="0"/>
           </a:p>
         </p:txBody>
       </p:sp>
@@ -5268,21 +5246,6 @@
 </file>
 
 <file path=customXml/item1.xml><?xml version="1.0" encoding="utf-8"?>
-<?mso-contentType ?>
-<FormTemplates xmlns="http://schemas.microsoft.com/sharepoint/v3/contenttype/forms">
-  <Display>DocumentLibraryForm</Display>
-  <Edit>DocumentLibraryForm</Edit>
-  <New>DocumentLibraryForm</New>
-</FormTemplates>
-</file>
-
-<file path=customXml/item2.xml><?xml version="1.0" encoding="utf-8"?>
-<p:properties xmlns:p="http://schemas.microsoft.com/office/2006/metadata/properties" xmlns:xsi="http://www.w3.org/2001/XMLSchema-instance" xmlns:pc="http://schemas.microsoft.com/office/infopath/2007/PartnerControls">
-  <documentManagement/>
-</p:properties>
-</file>
-
-<file path=customXml/item3.xml><?xml version="1.0" encoding="utf-8"?>
 <ct:contentTypeSchema xmlns:ct="http://schemas.microsoft.com/office/2006/metadata/contentType" xmlns:ma="http://schemas.microsoft.com/office/2006/metadata/properties/metaAttributes" ct:_="" ma:_="" ma:contentTypeName="Document" ma:contentTypeID="0x010100565464437F680748A68B85EB6594EA7D" ma:contentTypeVersion="0" ma:contentTypeDescription="Create a new document." ma:contentTypeScope="" ma:versionID="fe3f4dd58d5914c51cfc6deaa8ad845c">
   <xsd:schema xmlns:xsd="http://www.w3.org/2001/XMLSchema" xmlns:p="http://schemas.microsoft.com/office/2006/metadata/properties" targetNamespace="http://schemas.microsoft.com/office/2006/metadata/properties" ma:root="true" ma:fieldsID="4aeb20c0e3442673af7ee10786458764">
     <xsd:element name="properties">
@@ -5331,10 +5294,32 @@
 </ct:contentTypeSchema>
 </file>
 
+<file path=customXml/item2.xml><?xml version="1.0" encoding="utf-8"?>
+<p:properties xmlns:p="http://schemas.microsoft.com/office/2006/metadata/properties" xmlns:xsi="http://www.w3.org/2001/XMLSchema-instance" xmlns:pc="http://schemas.microsoft.com/office/infopath/2007/PartnerControls">
+  <documentManagement/>
+</p:properties>
+</file>
+
+<file path=customXml/item3.xml><?xml version="1.0" encoding="utf-8"?>
+<?mso-contentType ?>
+<FormTemplates xmlns="http://schemas.microsoft.com/sharepoint/v3/contenttype/forms">
+  <Display>DocumentLibraryForm</Display>
+  <Edit>DocumentLibraryForm</Edit>
+  <New>DocumentLibraryForm</New>
+</FormTemplates>
+</file>
+
 <file path=customXml/itemProps1.xml><?xml version="1.0" encoding="utf-8"?>
-<ds:datastoreItem xmlns:ds="http://schemas.openxmlformats.org/officeDocument/2006/customXml" ds:itemID="{19E20559-B232-4371-8690-E3D8007EDB82}">
+<ds:datastoreItem xmlns:ds="http://schemas.openxmlformats.org/officeDocument/2006/customXml" ds:itemID="{E8DB7DEB-074E-4EE8-9B6E-FD277323109C}">
   <ds:schemaRefs>
-    <ds:schemaRef ds:uri="http://schemas.microsoft.com/sharepoint/v3/contenttype/forms"/>
+    <ds:schemaRef ds:uri="http://schemas.microsoft.com/office/2006/metadata/contentType"/>
+    <ds:schemaRef ds:uri="http://schemas.microsoft.com/office/2006/metadata/properties/metaAttributes"/>
+    <ds:schemaRef ds:uri="http://www.w3.org/2001/XMLSchema"/>
+    <ds:schemaRef ds:uri="http://schemas.microsoft.com/office/2006/metadata/properties"/>
+    <ds:schemaRef ds:uri="http://schemas.openxmlformats.org/package/2006/metadata/core-properties"/>
+    <ds:schemaRef ds:uri="http://purl.org/dc/elements/1.1/"/>
+    <ds:schemaRef ds:uri="http://purl.org/dc/terms/"/>
+    <ds:schemaRef ds:uri="http://schemas.microsoft.com/office/internal/2005/internalDocumentation"/>
   </ds:schemaRefs>
 </ds:datastoreItem>
 </file>
@@ -5355,16 +5340,9 @@
 </file>
 
 <file path=customXml/itemProps3.xml><?xml version="1.0" encoding="utf-8"?>
-<ds:datastoreItem xmlns:ds="http://schemas.openxmlformats.org/officeDocument/2006/customXml" ds:itemID="{E8DB7DEB-074E-4EE8-9B6E-FD277323109C}">
+<ds:datastoreItem xmlns:ds="http://schemas.openxmlformats.org/officeDocument/2006/customXml" ds:itemID="{19E20559-B232-4371-8690-E3D8007EDB82}">
   <ds:schemaRefs>
-    <ds:schemaRef ds:uri="http://schemas.microsoft.com/office/2006/metadata/contentType"/>
-    <ds:schemaRef ds:uri="http://schemas.microsoft.com/office/2006/metadata/properties/metaAttributes"/>
-    <ds:schemaRef ds:uri="http://www.w3.org/2001/XMLSchema"/>
-    <ds:schemaRef ds:uri="http://schemas.microsoft.com/office/2006/metadata/properties"/>
-    <ds:schemaRef ds:uri="http://schemas.openxmlformats.org/package/2006/metadata/core-properties"/>
-    <ds:schemaRef ds:uri="http://purl.org/dc/elements/1.1/"/>
-    <ds:schemaRef ds:uri="http://purl.org/dc/terms/"/>
-    <ds:schemaRef ds:uri="http://schemas.microsoft.com/office/internal/2005/internalDocumentation"/>
+    <ds:schemaRef ds:uri="http://schemas.microsoft.com/sharepoint/v3/contenttype/forms"/>
   </ds:schemaRefs>
 </ds:datastoreItem>
 </file>
--- a/license-master.pptx
+++ b/license-master.pptx
@@ -255,7 +255,7 @@
           <a:p>
             <a:fld id="{0B842F42-2CE9-4E35-95C1-410DC08A50B1}" type="datetimeFigureOut">
               <a:rPr lang="en-US" smtClean="0"/>
-              <a:t>10/27/2022</a:t>
+              <a:t>2/1/2023</a:t>
             </a:fld>
             <a:endParaRPr lang="en-US"/>
           </a:p>
@@ -420,7 +420,7 @@
           <a:p>
             <a:fld id="{6F282904-F315-4730-8D91-37D99E141A6F}" type="datetimeFigureOut">
               <a:rPr lang="en-US" smtClean="0"/>
-              <a:t>10/27/2022</a:t>
+              <a:t>2/1/2023</a:t>
             </a:fld>
             <a:endParaRPr lang="en-US"/>
           </a:p>
@@ -4151,16 +4151,37 @@
             </a:pPr>
             <a:r>
               <a:rPr lang="en-US" sz="1600" b="1" dirty="0"/>
-              <a:t>The requested citation the overall tutorial is: David E. Bernholdt, Anshu Dubey, and Patricia A. Grubel, Better Scientific Software tutorial, in The International Conference for High-Performance Computing, Networking, Storage, and Analysis (SC22), Dallas, Texas, 2022. DOI: </a:t>
-            </a:r>
-            <a:r>
-              <a:rPr lang="en-US" sz="1600" b="1" dirty="0">
+              <a:t>The requested citation the overall tutorial is: </a:t>
+            </a:r>
+            <a:r>
+              <a:rPr lang="en-US" sz="1600" b="0" i="0" dirty="0">
+                <a:solidFill>
+                  <a:srgbClr val="111111"/>
+                </a:solidFill>
+                <a:effectLst/>
+                <a:latin typeface="+mn-lt"/>
+              </a:rPr>
+              <a:t>David E. Bernholdt, David M. Rogers, and Gregory R. Watson, Software Practices for Better Science: Testing, Reproducibility, and Documentation tutorial, in Exascale Computing Project Tutorial Days, online, 2023. DOI: </a:t>
+            </a:r>
+            <a:r>
+              <a:rPr lang="en-US" sz="1600" b="0" i="0" u="none" strike="noStrike" dirty="0">
+                <a:solidFill>
+                  <a:srgbClr val="2A7AE2"/>
+                </a:solidFill>
+                <a:effectLst/>
+                <a:latin typeface="+mn-lt"/>
                 <a:hlinkClick r:id="rId4"/>
               </a:rPr>
-              <a:t>10.6084/m9.figshare.21384057</a:t>
-            </a:r>
-            <a:r>
-              <a:rPr lang="en-US" sz="1600" b="1" dirty="0"/>
+              <a:t>10.6084/m9.figshare.21989507</a:t>
+            </a:r>
+            <a:r>
+              <a:rPr lang="en-US" sz="1600" b="0" i="0" dirty="0">
+                <a:solidFill>
+                  <a:srgbClr val="111111"/>
+                </a:solidFill>
+                <a:effectLst/>
+                <a:latin typeface="+mn-lt"/>
+              </a:rPr>
               <a:t>.</a:t>
             </a:r>
           </a:p>
@@ -4180,7 +4201,29 @@
             </a:r>
             <a:r>
               <a:rPr lang="en-US" sz="1600" dirty="0"/>
-              <a:t>, in Better Scientific Software tutorial, …</a:t>
+              <a:t>, </a:t>
+            </a:r>
+            <a:r>
+              <a:rPr lang="en-US" sz="1600"/>
+              <a:t>in </a:t>
+            </a:r>
+            <a:r>
+              <a:rPr lang="en-US" sz="1600" b="0" i="0">
+                <a:solidFill>
+                  <a:srgbClr val="111111"/>
+                </a:solidFill>
+                <a:effectLst/>
+                <a:latin typeface="+mn-lt"/>
+              </a:rPr>
+              <a:t>Software Practices for Better Science: Testing, Reproducibility, and Documentation tutorial</a:t>
+            </a:r>
+            <a:r>
+              <a:rPr lang="en-US" sz="1600"/>
+              <a:t>, </a:t>
+            </a:r>
+            <a:r>
+              <a:rPr lang="en-US" sz="1600" dirty="0"/>
+              <a:t>…</a:t>
             </a:r>
           </a:p>
           <a:p>
@@ -4263,13 +4306,8 @@
             </a:pPr>
             <a:r>
               <a:rPr lang="en-US" sz="1400" dirty="0"/>
-              <a:t>This work was performed in part at Sandia National Laboratories. Sandia National Laboratories is a multi-mission laboratory managed and operated by National Technology and Engineering Solutions of Sandia, LLC., a wholly owned subsidiary of Honeywell International, Inc., for the U.S. Department of Energy’s National Nuclear Security Administration under contract </a:t>
-            </a:r>
-            <a:r>
-              <a:rPr lang="en-US" sz="1400"/>
-              <a:t>DE-NA0003525.</a:t>
-            </a:r>
-            <a:endParaRPr lang="en-US" sz="1400" dirty="0"/>
+              <a:t>This work was performed in part at Sandia National Laboratories. Sandia National Laboratories is a multi-mission laboratory managed and operated by National Technology and Engineering Solutions of Sandia, LLC., a wholly owned subsidiary of Honeywell International, Inc., for the U.S. Department of Energy’s National Nuclear Security Administration under contract DE-NA0003525.</a:t>
+            </a:r>
           </a:p>
         </p:txBody>
       </p:sp>
@@ -5246,6 +5284,21 @@
 </file>
 
 <file path=customXml/item1.xml><?xml version="1.0" encoding="utf-8"?>
+<?mso-contentType ?>
+<FormTemplates xmlns="http://schemas.microsoft.com/sharepoint/v3/contenttype/forms">
+  <Display>DocumentLibraryForm</Display>
+  <Edit>DocumentLibraryForm</Edit>
+  <New>DocumentLibraryForm</New>
+</FormTemplates>
+</file>
+
+<file path=customXml/item2.xml><?xml version="1.0" encoding="utf-8"?>
+<p:properties xmlns:p="http://schemas.microsoft.com/office/2006/metadata/properties" xmlns:xsi="http://www.w3.org/2001/XMLSchema-instance" xmlns:pc="http://schemas.microsoft.com/office/infopath/2007/PartnerControls">
+  <documentManagement/>
+</p:properties>
+</file>
+
+<file path=customXml/item3.xml><?xml version="1.0" encoding="utf-8"?>
 <ct:contentTypeSchema xmlns:ct="http://schemas.microsoft.com/office/2006/metadata/contentType" xmlns:ma="http://schemas.microsoft.com/office/2006/metadata/properties/metaAttributes" ct:_="" ma:_="" ma:contentTypeName="Document" ma:contentTypeID="0x010100565464437F680748A68B85EB6594EA7D" ma:contentTypeVersion="0" ma:contentTypeDescription="Create a new document." ma:contentTypeScope="" ma:versionID="fe3f4dd58d5914c51cfc6deaa8ad845c">
   <xsd:schema xmlns:xsd="http://www.w3.org/2001/XMLSchema" xmlns:p="http://schemas.microsoft.com/office/2006/metadata/properties" targetNamespace="http://schemas.microsoft.com/office/2006/metadata/properties" ma:root="true" ma:fieldsID="4aeb20c0e3442673af7ee10786458764">
     <xsd:element name="properties">
@@ -5294,32 +5347,10 @@
 </ct:contentTypeSchema>
 </file>
 
-<file path=customXml/item2.xml><?xml version="1.0" encoding="utf-8"?>
-<p:properties xmlns:p="http://schemas.microsoft.com/office/2006/metadata/properties" xmlns:xsi="http://www.w3.org/2001/XMLSchema-instance" xmlns:pc="http://schemas.microsoft.com/office/infopath/2007/PartnerControls">
-  <documentManagement/>
-</p:properties>
-</file>
-
-<file path=customXml/item3.xml><?xml version="1.0" encoding="utf-8"?>
-<?mso-contentType ?>
-<FormTemplates xmlns="http://schemas.microsoft.com/sharepoint/v3/contenttype/forms">
-  <Display>DocumentLibraryForm</Display>
-  <Edit>DocumentLibraryForm</Edit>
-  <New>DocumentLibraryForm</New>
-</FormTemplates>
-</file>
-
 <file path=customXml/itemProps1.xml><?xml version="1.0" encoding="utf-8"?>
-<ds:datastoreItem xmlns:ds="http://schemas.openxmlformats.org/officeDocument/2006/customXml" ds:itemID="{E8DB7DEB-074E-4EE8-9B6E-FD277323109C}">
+<ds:datastoreItem xmlns:ds="http://schemas.openxmlformats.org/officeDocument/2006/customXml" ds:itemID="{19E20559-B232-4371-8690-E3D8007EDB82}">
   <ds:schemaRefs>
-    <ds:schemaRef ds:uri="http://schemas.microsoft.com/office/2006/metadata/contentType"/>
-    <ds:schemaRef ds:uri="http://schemas.microsoft.com/office/2006/metadata/properties/metaAttributes"/>
-    <ds:schemaRef ds:uri="http://www.w3.org/2001/XMLSchema"/>
-    <ds:schemaRef ds:uri="http://schemas.microsoft.com/office/2006/metadata/properties"/>
-    <ds:schemaRef ds:uri="http://schemas.openxmlformats.org/package/2006/metadata/core-properties"/>
-    <ds:schemaRef ds:uri="http://purl.org/dc/elements/1.1/"/>
-    <ds:schemaRef ds:uri="http://purl.org/dc/terms/"/>
-    <ds:schemaRef ds:uri="http://schemas.microsoft.com/office/internal/2005/internalDocumentation"/>
+    <ds:schemaRef ds:uri="http://schemas.microsoft.com/sharepoint/v3/contenttype/forms"/>
   </ds:schemaRefs>
 </ds:datastoreItem>
 </file>
@@ -5340,9 +5371,16 @@
 </file>
 
 <file path=customXml/itemProps3.xml><?xml version="1.0" encoding="utf-8"?>
-<ds:datastoreItem xmlns:ds="http://schemas.openxmlformats.org/officeDocument/2006/customXml" ds:itemID="{19E20559-B232-4371-8690-E3D8007EDB82}">
+<ds:datastoreItem xmlns:ds="http://schemas.openxmlformats.org/officeDocument/2006/customXml" ds:itemID="{E8DB7DEB-074E-4EE8-9B6E-FD277323109C}">
   <ds:schemaRefs>
-    <ds:schemaRef ds:uri="http://schemas.microsoft.com/sharepoint/v3/contenttype/forms"/>
+    <ds:schemaRef ds:uri="http://schemas.microsoft.com/office/2006/metadata/contentType"/>
+    <ds:schemaRef ds:uri="http://schemas.microsoft.com/office/2006/metadata/properties/metaAttributes"/>
+    <ds:schemaRef ds:uri="http://www.w3.org/2001/XMLSchema"/>
+    <ds:schemaRef ds:uri="http://schemas.microsoft.com/office/2006/metadata/properties"/>
+    <ds:schemaRef ds:uri="http://schemas.openxmlformats.org/package/2006/metadata/core-properties"/>
+    <ds:schemaRef ds:uri="http://purl.org/dc/elements/1.1/"/>
+    <ds:schemaRef ds:uri="http://purl.org/dc/terms/"/>
+    <ds:schemaRef ds:uri="http://schemas.microsoft.com/office/internal/2005/internalDocumentation"/>
   </ds:schemaRefs>
 </ds:datastoreItem>
 </file>
--- a/license-master.pptx
+++ b/license-master.pptx
@@ -255,7 +255,7 @@
           <a:p>
             <a:fld id="{0B842F42-2CE9-4E35-95C1-410DC08A50B1}" type="datetimeFigureOut">
               <a:rPr lang="en-US" smtClean="0"/>
-              <a:t>2/1/2023</a:t>
+              <a:t>4/15/2023</a:t>
             </a:fld>
             <a:endParaRPr lang="en-US"/>
           </a:p>
@@ -420,7 +420,7 @@
           <a:p>
             <a:fld id="{6F282904-F315-4730-8D91-37D99E141A6F}" type="datetimeFigureOut">
               <a:rPr lang="en-US" smtClean="0"/>
-              <a:t>2/1/2023</a:t>
+              <a:t>4/15/2023</a:t>
             </a:fld>
             <a:endParaRPr lang="en-US"/>
           </a:p>
@@ -4161,18 +4161,18 @@
                 <a:effectLst/>
                 <a:latin typeface="+mn-lt"/>
               </a:rPr>
-              <a:t>David E. Bernholdt, David M. Rogers, and Gregory R. Watson, Software Practices for Better Science: Testing, Reproducibility, and Documentation tutorial, in Exascale Computing Project Tutorial Days, online, 2023. DOI: </a:t>
-            </a:r>
-            <a:r>
-              <a:rPr lang="en-US" sz="1600" b="0" i="0" u="none" strike="noStrike" dirty="0">
+              <a:t>David E. Bernholdt, Patricia A. Grubel, and David M. Rogers, Better Scientific Software tutorial, in Improving Scientific Software, Boulder, Colorado and online, 2023. DOI: </a:t>
+            </a:r>
+            <a:r>
+              <a:rPr lang="en-US" sz="1600" b="0" i="0" dirty="0">
                 <a:solidFill>
-                  <a:srgbClr val="2A7AE2"/>
+                  <a:srgbClr val="111111"/>
                 </a:solidFill>
                 <a:effectLst/>
                 <a:latin typeface="+mn-lt"/>
                 <a:hlinkClick r:id="rId4"/>
               </a:rPr>
-              <a:t>10.6084/m9.figshare.21989507</a:t>
+              <a:t>10.6084/m9.figshare.22179748</a:t>
             </a:r>
             <a:r>
               <a:rPr lang="en-US" sz="1600" b="0" i="0" dirty="0">
@@ -4201,29 +4201,21 @@
             </a:r>
             <a:r>
               <a:rPr lang="en-US" sz="1600" dirty="0"/>
-              <a:t>, </a:t>
-            </a:r>
-            <a:r>
-              <a:rPr lang="en-US" sz="1600"/>
-              <a:t>in </a:t>
-            </a:r>
-            <a:r>
-              <a:rPr lang="en-US" sz="1600" b="0" i="0">
+              <a:t>, in </a:t>
+            </a:r>
+            <a:r>
+              <a:rPr lang="en-US" sz="1600" b="0" i="1" dirty="0">
                 <a:solidFill>
                   <a:srgbClr val="111111"/>
                 </a:solidFill>
                 <a:effectLst/>
                 <a:latin typeface="+mn-lt"/>
               </a:rPr>
-              <a:t>Software Practices for Better Science: Testing, Reproducibility, and Documentation tutorial</a:t>
-            </a:r>
-            <a:r>
-              <a:rPr lang="en-US" sz="1600"/>
-              <a:t>, </a:t>
+              <a:t>Tutorial Title</a:t>
             </a:r>
             <a:r>
               <a:rPr lang="en-US" sz="1600" dirty="0"/>
-              <a:t>…</a:t>
+              <a:t>, …</a:t>
             </a:r>
           </a:p>
           <a:p>
@@ -5284,21 +5276,6 @@
 </file>
 
 <file path=customXml/item1.xml><?xml version="1.0" encoding="utf-8"?>
-<?mso-contentType ?>
-<FormTemplates xmlns="http://schemas.microsoft.com/sharepoint/v3/contenttype/forms">
-  <Display>DocumentLibraryForm</Display>
-  <Edit>DocumentLibraryForm</Edit>
-  <New>DocumentLibraryForm</New>
-</FormTemplates>
-</file>
-
-<file path=customXml/item2.xml><?xml version="1.0" encoding="utf-8"?>
-<p:properties xmlns:p="http://schemas.microsoft.com/office/2006/metadata/properties" xmlns:xsi="http://www.w3.org/2001/XMLSchema-instance" xmlns:pc="http://schemas.microsoft.com/office/infopath/2007/PartnerControls">
-  <documentManagement/>
-</p:properties>
-</file>
-
-<file path=customXml/item3.xml><?xml version="1.0" encoding="utf-8"?>
 <ct:contentTypeSchema xmlns:ct="http://schemas.microsoft.com/office/2006/metadata/contentType" xmlns:ma="http://schemas.microsoft.com/office/2006/metadata/properties/metaAttributes" ct:_="" ma:_="" ma:contentTypeName="Document" ma:contentTypeID="0x010100565464437F680748A68B85EB6594EA7D" ma:contentTypeVersion="0" ma:contentTypeDescription="Create a new document." ma:contentTypeScope="" ma:versionID="fe3f4dd58d5914c51cfc6deaa8ad845c">
   <xsd:schema xmlns:xsd="http://www.w3.org/2001/XMLSchema" xmlns:p="http://schemas.microsoft.com/office/2006/metadata/properties" targetNamespace="http://schemas.microsoft.com/office/2006/metadata/properties" ma:root="true" ma:fieldsID="4aeb20c0e3442673af7ee10786458764">
     <xsd:element name="properties">
@@ -5347,10 +5324,32 @@
 </ct:contentTypeSchema>
 </file>
 
+<file path=customXml/item2.xml><?xml version="1.0" encoding="utf-8"?>
+<p:properties xmlns:p="http://schemas.microsoft.com/office/2006/metadata/properties" xmlns:xsi="http://www.w3.org/2001/XMLSchema-instance" xmlns:pc="http://schemas.microsoft.com/office/infopath/2007/PartnerControls">
+  <documentManagement/>
+</p:properties>
+</file>
+
+<file path=customXml/item3.xml><?xml version="1.0" encoding="utf-8"?>
+<?mso-contentType ?>
+<FormTemplates xmlns="http://schemas.microsoft.com/sharepoint/v3/contenttype/forms">
+  <Display>DocumentLibraryForm</Display>
+  <Edit>DocumentLibraryForm</Edit>
+  <New>DocumentLibraryForm</New>
+</FormTemplates>
+</file>
+
 <file path=customXml/itemProps1.xml><?xml version="1.0" encoding="utf-8"?>
-<ds:datastoreItem xmlns:ds="http://schemas.openxmlformats.org/officeDocument/2006/customXml" ds:itemID="{19E20559-B232-4371-8690-E3D8007EDB82}">
+<ds:datastoreItem xmlns:ds="http://schemas.openxmlformats.org/officeDocument/2006/customXml" ds:itemID="{E8DB7DEB-074E-4EE8-9B6E-FD277323109C}">
   <ds:schemaRefs>
-    <ds:schemaRef ds:uri="http://schemas.microsoft.com/sharepoint/v3/contenttype/forms"/>
+    <ds:schemaRef ds:uri="http://schemas.microsoft.com/office/2006/metadata/contentType"/>
+    <ds:schemaRef ds:uri="http://schemas.microsoft.com/office/2006/metadata/properties/metaAttributes"/>
+    <ds:schemaRef ds:uri="http://www.w3.org/2001/XMLSchema"/>
+    <ds:schemaRef ds:uri="http://schemas.microsoft.com/office/2006/metadata/properties"/>
+    <ds:schemaRef ds:uri="http://schemas.openxmlformats.org/package/2006/metadata/core-properties"/>
+    <ds:schemaRef ds:uri="http://purl.org/dc/elements/1.1/"/>
+    <ds:schemaRef ds:uri="http://purl.org/dc/terms/"/>
+    <ds:schemaRef ds:uri="http://schemas.microsoft.com/office/internal/2005/internalDocumentation"/>
   </ds:schemaRefs>
 </ds:datastoreItem>
 </file>
@@ -5371,16 +5370,9 @@
 </file>
 
 <file path=customXml/itemProps3.xml><?xml version="1.0" encoding="utf-8"?>
-<ds:datastoreItem xmlns:ds="http://schemas.openxmlformats.org/officeDocument/2006/customXml" ds:itemID="{E8DB7DEB-074E-4EE8-9B6E-FD277323109C}">
+<ds:datastoreItem xmlns:ds="http://schemas.openxmlformats.org/officeDocument/2006/customXml" ds:itemID="{19E20559-B232-4371-8690-E3D8007EDB82}">
   <ds:schemaRefs>
-    <ds:schemaRef ds:uri="http://schemas.microsoft.com/office/2006/metadata/contentType"/>
-    <ds:schemaRef ds:uri="http://schemas.microsoft.com/office/2006/metadata/properties/metaAttributes"/>
-    <ds:schemaRef ds:uri="http://www.w3.org/2001/XMLSchema"/>
-    <ds:schemaRef ds:uri="http://schemas.microsoft.com/office/2006/metadata/properties"/>
-    <ds:schemaRef ds:uri="http://schemas.openxmlformats.org/package/2006/metadata/core-properties"/>
-    <ds:schemaRef ds:uri="http://purl.org/dc/elements/1.1/"/>
-    <ds:schemaRef ds:uri="http://purl.org/dc/terms/"/>
-    <ds:schemaRef ds:uri="http://schemas.microsoft.com/office/internal/2005/internalDocumentation"/>
+    <ds:schemaRef ds:uri="http://schemas.microsoft.com/sharepoint/v3/contenttype/forms"/>
   </ds:schemaRefs>
 </ds:datastoreItem>
 </file>
--- a/license-master.pptx
+++ b/license-master.pptx
@@ -255,7 +255,7 @@
           <a:p>
             <a:fld id="{0B842F42-2CE9-4E35-95C1-410DC08A50B1}" type="datetimeFigureOut">
               <a:rPr lang="en-US" smtClean="0"/>
-              <a:t>4/15/2023</a:t>
+              <a:t>5/9/2023</a:t>
             </a:fld>
             <a:endParaRPr lang="en-US"/>
           </a:p>
@@ -420,7 +420,7 @@
           <a:p>
             <a:fld id="{6F282904-F315-4730-8D91-37D99E141A6F}" type="datetimeFigureOut">
               <a:rPr lang="en-US" smtClean="0"/>
-              <a:t>4/15/2023</a:t>
+              <a:t>5/9/2023</a:t>
             </a:fld>
             <a:endParaRPr lang="en-US"/>
           </a:p>
@@ -4161,10 +4161,10 @@
                 <a:effectLst/>
                 <a:latin typeface="+mn-lt"/>
               </a:rPr>
-              <a:t>David E. Bernholdt, Patricia A. Grubel, and David M. Rogers, Better Scientific Software tutorial, in Improving Scientific Software, Boulder, Colorado and online, 2023. DOI: </a:t>
-            </a:r>
-            <a:r>
-              <a:rPr lang="en-US" sz="1600" b="0" i="0" dirty="0">
+              <a:t>Anshu Dubey and David M. Rogers, Better Scientific Software tutorial, in ISC High Performance, Hamburg, Germany and online, 2023. DOI: </a:t>
+            </a:r>
+            <a:r>
+              <a:rPr lang="en-US" sz="1600" b="0" i="0" u="sng" dirty="0">
                 <a:solidFill>
                   <a:srgbClr val="111111"/>
                 </a:solidFill>
@@ -4172,10 +4172,21 @@
                 <a:latin typeface="+mn-lt"/>
                 <a:hlinkClick r:id="rId4"/>
               </a:rPr>
-              <a:t>10.6084/m9.figshare.22179748</a:t>
-            </a:r>
-            <a:r>
-              <a:rPr lang="en-US" sz="1600" b="0" i="0" dirty="0">
+              <a:t>10.6084/m9.figshare</a:t>
+            </a:r>
+            <a:r>
+              <a:rPr lang="en-US" sz="1600" b="0" i="0" u="sng">
+                <a:solidFill>
+                  <a:srgbClr val="111111"/>
+                </a:solidFill>
+                <a:effectLst/>
+                <a:latin typeface="+mn-lt"/>
+                <a:hlinkClick r:id="rId4"/>
+              </a:rPr>
+              <a:t>.22790762</a:t>
+            </a:r>
+            <a:r>
+              <a:rPr lang="en-US" sz="1600" b="0" i="0">
                 <a:solidFill>
                   <a:srgbClr val="111111"/>
                 </a:solidFill>
@@ -4184,6 +4195,13 @@
               </a:rPr>
               <a:t>.</a:t>
             </a:r>
+            <a:endParaRPr lang="en-US" sz="1600" b="0" i="0" dirty="0">
+              <a:solidFill>
+                <a:srgbClr val="111111"/>
+              </a:solidFill>
+              <a:effectLst/>
+              <a:latin typeface="+mn-lt"/>
+            </a:endParaRPr>
           </a:p>
           <a:p>
             <a:pPr>
@@ -5276,6 +5294,21 @@
 </file>
 
 <file path=customXml/item1.xml><?xml version="1.0" encoding="utf-8"?>
+<?mso-contentType ?>
+<FormTemplates xmlns="http://schemas.microsoft.com/sharepoint/v3/contenttype/forms">
+  <Display>DocumentLibraryForm</Display>
+  <Edit>DocumentLibraryForm</Edit>
+  <New>DocumentLibraryForm</New>
+</FormTemplates>
+</file>
+
+<file path=customXml/item2.xml><?xml version="1.0" encoding="utf-8"?>
+<p:properties xmlns:p="http://schemas.microsoft.com/office/2006/metadata/properties" xmlns:xsi="http://www.w3.org/2001/XMLSchema-instance" xmlns:pc="http://schemas.microsoft.com/office/infopath/2007/PartnerControls">
+  <documentManagement/>
+</p:properties>
+</file>
+
+<file path=customXml/item3.xml><?xml version="1.0" encoding="utf-8"?>
 <ct:contentTypeSchema xmlns:ct="http://schemas.microsoft.com/office/2006/metadata/contentType" xmlns:ma="http://schemas.microsoft.com/office/2006/metadata/properties/metaAttributes" ct:_="" ma:_="" ma:contentTypeName="Document" ma:contentTypeID="0x010100565464437F680748A68B85EB6594EA7D" ma:contentTypeVersion="0" ma:contentTypeDescription="Create a new document." ma:contentTypeScope="" ma:versionID="fe3f4dd58d5914c51cfc6deaa8ad845c">
   <xsd:schema xmlns:xsd="http://www.w3.org/2001/XMLSchema" xmlns:p="http://schemas.microsoft.com/office/2006/metadata/properties" targetNamespace="http://schemas.microsoft.com/office/2006/metadata/properties" ma:root="true" ma:fieldsID="4aeb20c0e3442673af7ee10786458764">
     <xsd:element name="properties">
@@ -5324,32 +5357,10 @@
 </ct:contentTypeSchema>
 </file>
 
-<file path=customXml/item2.xml><?xml version="1.0" encoding="utf-8"?>
-<p:properties xmlns:p="http://schemas.microsoft.com/office/2006/metadata/properties" xmlns:xsi="http://www.w3.org/2001/XMLSchema-instance" xmlns:pc="http://schemas.microsoft.com/office/infopath/2007/PartnerControls">
-  <documentManagement/>
-</p:properties>
-</file>
-
-<file path=customXml/item3.xml><?xml version="1.0" encoding="utf-8"?>
-<?mso-contentType ?>
-<FormTemplates xmlns="http://schemas.microsoft.com/sharepoint/v3/contenttype/forms">
-  <Display>DocumentLibraryForm</Display>
-  <Edit>DocumentLibraryForm</Edit>
-  <New>DocumentLibraryForm</New>
-</FormTemplates>
-</file>
-
 <file path=customXml/itemProps1.xml><?xml version="1.0" encoding="utf-8"?>
-<ds:datastoreItem xmlns:ds="http://schemas.openxmlformats.org/officeDocument/2006/customXml" ds:itemID="{E8DB7DEB-074E-4EE8-9B6E-FD277323109C}">
+<ds:datastoreItem xmlns:ds="http://schemas.openxmlformats.org/officeDocument/2006/customXml" ds:itemID="{19E20559-B232-4371-8690-E3D8007EDB82}">
   <ds:schemaRefs>
-    <ds:schemaRef ds:uri="http://schemas.microsoft.com/office/2006/metadata/contentType"/>
-    <ds:schemaRef ds:uri="http://schemas.microsoft.com/office/2006/metadata/properties/metaAttributes"/>
-    <ds:schemaRef ds:uri="http://www.w3.org/2001/XMLSchema"/>
-    <ds:schemaRef ds:uri="http://schemas.microsoft.com/office/2006/metadata/properties"/>
-    <ds:schemaRef ds:uri="http://schemas.openxmlformats.org/package/2006/metadata/core-properties"/>
-    <ds:schemaRef ds:uri="http://purl.org/dc/elements/1.1/"/>
-    <ds:schemaRef ds:uri="http://purl.org/dc/terms/"/>
-    <ds:schemaRef ds:uri="http://schemas.microsoft.com/office/internal/2005/internalDocumentation"/>
+    <ds:schemaRef ds:uri="http://schemas.microsoft.com/sharepoint/v3/contenttype/forms"/>
   </ds:schemaRefs>
 </ds:datastoreItem>
 </file>
@@ -5370,9 +5381,16 @@
 </file>
 
 <file path=customXml/itemProps3.xml><?xml version="1.0" encoding="utf-8"?>
-<ds:datastoreItem xmlns:ds="http://schemas.openxmlformats.org/officeDocument/2006/customXml" ds:itemID="{19E20559-B232-4371-8690-E3D8007EDB82}">
+<ds:datastoreItem xmlns:ds="http://schemas.openxmlformats.org/officeDocument/2006/customXml" ds:itemID="{E8DB7DEB-074E-4EE8-9B6E-FD277323109C}">
   <ds:schemaRefs>
-    <ds:schemaRef ds:uri="http://schemas.microsoft.com/sharepoint/v3/contenttype/forms"/>
+    <ds:schemaRef ds:uri="http://schemas.microsoft.com/office/2006/metadata/contentType"/>
+    <ds:schemaRef ds:uri="http://schemas.microsoft.com/office/2006/metadata/properties/metaAttributes"/>
+    <ds:schemaRef ds:uri="http://www.w3.org/2001/XMLSchema"/>
+    <ds:schemaRef ds:uri="http://schemas.microsoft.com/office/2006/metadata/properties"/>
+    <ds:schemaRef ds:uri="http://schemas.openxmlformats.org/package/2006/metadata/core-properties"/>
+    <ds:schemaRef ds:uri="http://purl.org/dc/elements/1.1/"/>
+    <ds:schemaRef ds:uri="http://purl.org/dc/terms/"/>
+    <ds:schemaRef ds:uri="http://schemas.microsoft.com/office/internal/2005/internalDocumentation"/>
   </ds:schemaRefs>
 </ds:datastoreItem>
 </file>
--- a/license-master.pptx
+++ b/license-master.pptx
@@ -255,7 +255,7 @@
           <a:p>
             <a:fld id="{0B842F42-2CE9-4E35-95C1-410DC08A50B1}" type="datetimeFigureOut">
               <a:rPr lang="en-US" smtClean="0"/>
-              <a:t>5/9/2023</a:t>
+              <a:t>7/27/2023</a:t>
             </a:fld>
             <a:endParaRPr lang="en-US"/>
           </a:p>
@@ -420,7 +420,7 @@
           <a:p>
             <a:fld id="{6F282904-F315-4730-8D91-37D99E141A6F}" type="datetimeFigureOut">
               <a:rPr lang="en-US" smtClean="0"/>
-              <a:t>5/9/2023</a:t>
+              <a:t>7/27/2023</a:t>
             </a:fld>
             <a:endParaRPr lang="en-US"/>
           </a:p>
@@ -4159,49 +4159,31 @@
                   <a:srgbClr val="111111"/>
                 </a:solidFill>
                 <a:effectLst/>
-                <a:latin typeface="+mn-lt"/>
+                <a:latin typeface="+mj-lt"/>
               </a:rPr>
-              <a:t>Anshu Dubey and David M. Rogers, Better Scientific Software tutorial, in ISC High Performance, Hamburg, Germany and online, 2023. DOI: </a:t>
-            </a:r>
-            <a:r>
-              <a:rPr lang="en-US" sz="1600" b="0" i="0" u="sng" dirty="0">
+              <a:t>David E. Bernholdt, Anshu Dubey, and Patricia A. Grubel, Better Scientific Software tutorial, in NOAA Global Systems Laboratory, Boulder, Colorado, 2023. DOI: </a:t>
+            </a:r>
+            <a:r>
+              <a:rPr lang="en-US" sz="1600" b="0" i="0" u="none" strike="noStrike" dirty="0">
+                <a:solidFill>
+                  <a:srgbClr val="2A7AE2"/>
+                </a:solidFill>
+                <a:effectLst/>
+                <a:latin typeface="+mj-lt"/>
+                <a:hlinkClick r:id="rId4"/>
+              </a:rPr>
+              <a:t>10.6084/m9.figshare.23796606</a:t>
+            </a:r>
+            <a:r>
+              <a:rPr lang="en-US" sz="1600" b="0" i="0" dirty="0">
                 <a:solidFill>
                   <a:srgbClr val="111111"/>
                 </a:solidFill>
                 <a:effectLst/>
-                <a:latin typeface="+mn-lt"/>
-                <a:hlinkClick r:id="rId4"/>
-              </a:rPr>
-              <a:t>10.6084/m9.figshare</a:t>
-            </a:r>
-            <a:r>
-              <a:rPr lang="en-US" sz="1600" b="0" i="0" u="sng">
-                <a:solidFill>
-                  <a:srgbClr val="111111"/>
-                </a:solidFill>
-                <a:effectLst/>
-                <a:latin typeface="+mn-lt"/>
-                <a:hlinkClick r:id="rId4"/>
-              </a:rPr>
-              <a:t>.22790762</a:t>
-            </a:r>
-            <a:r>
-              <a:rPr lang="en-US" sz="1600" b="0" i="0">
-                <a:solidFill>
-                  <a:srgbClr val="111111"/>
-                </a:solidFill>
-                <a:effectLst/>
-                <a:latin typeface="+mn-lt"/>
+                <a:latin typeface="+mj-lt"/>
               </a:rPr>
               <a:t>.</a:t>
             </a:r>
-            <a:endParaRPr lang="en-US" sz="1600" b="0" i="0" dirty="0">
-              <a:solidFill>
-                <a:srgbClr val="111111"/>
-              </a:solidFill>
-              <a:effectLst/>
-              <a:latin typeface="+mn-lt"/>
-            </a:endParaRPr>
           </a:p>
           <a:p>
             <a:pPr>
@@ -5294,21 +5276,6 @@
 </file>
 
 <file path=customXml/item1.xml><?xml version="1.0" encoding="utf-8"?>
-<?mso-contentType ?>
-<FormTemplates xmlns="http://schemas.microsoft.com/sharepoint/v3/contenttype/forms">
-  <Display>DocumentLibraryForm</Display>
-  <Edit>DocumentLibraryForm</Edit>
-  <New>DocumentLibraryForm</New>
-</FormTemplates>
-</file>
-
-<file path=customXml/item2.xml><?xml version="1.0" encoding="utf-8"?>
-<p:properties xmlns:p="http://schemas.microsoft.com/office/2006/metadata/properties" xmlns:xsi="http://www.w3.org/2001/XMLSchema-instance" xmlns:pc="http://schemas.microsoft.com/office/infopath/2007/PartnerControls">
-  <documentManagement/>
-</p:properties>
-</file>
-
-<file path=customXml/item3.xml><?xml version="1.0" encoding="utf-8"?>
 <ct:contentTypeSchema xmlns:ct="http://schemas.microsoft.com/office/2006/metadata/contentType" xmlns:ma="http://schemas.microsoft.com/office/2006/metadata/properties/metaAttributes" ct:_="" ma:_="" ma:contentTypeName="Document" ma:contentTypeID="0x010100565464437F680748A68B85EB6594EA7D" ma:contentTypeVersion="0" ma:contentTypeDescription="Create a new document." ma:contentTypeScope="" ma:versionID="fe3f4dd58d5914c51cfc6deaa8ad845c">
   <xsd:schema xmlns:xsd="http://www.w3.org/2001/XMLSchema" xmlns:p="http://schemas.microsoft.com/office/2006/metadata/properties" targetNamespace="http://schemas.microsoft.com/office/2006/metadata/properties" ma:root="true" ma:fieldsID="4aeb20c0e3442673af7ee10786458764">
     <xsd:element name="properties">
@@ -5357,10 +5324,32 @@
 </ct:contentTypeSchema>
 </file>
 
+<file path=customXml/item2.xml><?xml version="1.0" encoding="utf-8"?>
+<p:properties xmlns:p="http://schemas.microsoft.com/office/2006/metadata/properties" xmlns:xsi="http://www.w3.org/2001/XMLSchema-instance" xmlns:pc="http://schemas.microsoft.com/office/infopath/2007/PartnerControls">
+  <documentManagement/>
+</p:properties>
+</file>
+
+<file path=customXml/item3.xml><?xml version="1.0" encoding="utf-8"?>
+<?mso-contentType ?>
+<FormTemplates xmlns="http://schemas.microsoft.com/sharepoint/v3/contenttype/forms">
+  <Display>DocumentLibraryForm</Display>
+  <Edit>DocumentLibraryForm</Edit>
+  <New>DocumentLibraryForm</New>
+</FormTemplates>
+</file>
+
 <file path=customXml/itemProps1.xml><?xml version="1.0" encoding="utf-8"?>
-<ds:datastoreItem xmlns:ds="http://schemas.openxmlformats.org/officeDocument/2006/customXml" ds:itemID="{19E20559-B232-4371-8690-E3D8007EDB82}">
+<ds:datastoreItem xmlns:ds="http://schemas.openxmlformats.org/officeDocument/2006/customXml" ds:itemID="{E8DB7DEB-074E-4EE8-9B6E-FD277323109C}">
   <ds:schemaRefs>
-    <ds:schemaRef ds:uri="http://schemas.microsoft.com/sharepoint/v3/contenttype/forms"/>
+    <ds:schemaRef ds:uri="http://schemas.microsoft.com/office/2006/metadata/contentType"/>
+    <ds:schemaRef ds:uri="http://schemas.microsoft.com/office/2006/metadata/properties/metaAttributes"/>
+    <ds:schemaRef ds:uri="http://www.w3.org/2001/XMLSchema"/>
+    <ds:schemaRef ds:uri="http://schemas.microsoft.com/office/2006/metadata/properties"/>
+    <ds:schemaRef ds:uri="http://schemas.openxmlformats.org/package/2006/metadata/core-properties"/>
+    <ds:schemaRef ds:uri="http://purl.org/dc/elements/1.1/"/>
+    <ds:schemaRef ds:uri="http://purl.org/dc/terms/"/>
+    <ds:schemaRef ds:uri="http://schemas.microsoft.com/office/internal/2005/internalDocumentation"/>
   </ds:schemaRefs>
 </ds:datastoreItem>
 </file>
@@ -5381,16 +5370,9 @@
 </file>
 
 <file path=customXml/itemProps3.xml><?xml version="1.0" encoding="utf-8"?>
-<ds:datastoreItem xmlns:ds="http://schemas.openxmlformats.org/officeDocument/2006/customXml" ds:itemID="{E8DB7DEB-074E-4EE8-9B6E-FD277323109C}">
+<ds:datastoreItem xmlns:ds="http://schemas.openxmlformats.org/officeDocument/2006/customXml" ds:itemID="{19E20559-B232-4371-8690-E3D8007EDB82}">
   <ds:schemaRefs>
-    <ds:schemaRef ds:uri="http://schemas.microsoft.com/office/2006/metadata/contentType"/>
-    <ds:schemaRef ds:uri="http://schemas.microsoft.com/office/2006/metadata/properties/metaAttributes"/>
-    <ds:schemaRef ds:uri="http://www.w3.org/2001/XMLSchema"/>
-    <ds:schemaRef ds:uri="http://schemas.microsoft.com/office/2006/metadata/properties"/>
-    <ds:schemaRef ds:uri="http://schemas.openxmlformats.org/package/2006/metadata/core-properties"/>
-    <ds:schemaRef ds:uri="http://purl.org/dc/elements/1.1/"/>
-    <ds:schemaRef ds:uri="http://purl.org/dc/terms/"/>
-    <ds:schemaRef ds:uri="http://schemas.microsoft.com/office/internal/2005/internalDocumentation"/>
+    <ds:schemaRef ds:uri="http://schemas.microsoft.com/sharepoint/v3/contenttype/forms"/>
   </ds:schemaRefs>
 </ds:datastoreItem>
 </file>
--- a/license-master.pptx
+++ b/license-master.pptx
@@ -255,7 +255,7 @@
           <a:p>
             <a:fld id="{0B842F42-2CE9-4E35-95C1-410DC08A50B1}" type="datetimeFigureOut">
               <a:rPr lang="en-US" smtClean="0"/>
-              <a:t>7/27/2023</a:t>
+              <a:t>8/2/2023</a:t>
             </a:fld>
             <a:endParaRPr lang="en-US"/>
           </a:p>
@@ -420,7 +420,7 @@
           <a:p>
             <a:fld id="{6F282904-F315-4730-8D91-37D99E141A6F}" type="datetimeFigureOut">
               <a:rPr lang="en-US" smtClean="0"/>
-              <a:t>7/27/2023</a:t>
+              <a:t>8/2/2023</a:t>
             </a:fld>
             <a:endParaRPr lang="en-US"/>
           </a:p>
@@ -4159,9 +4159,9 @@
                   <a:srgbClr val="111111"/>
                 </a:solidFill>
                 <a:effectLst/>
-                <a:latin typeface="+mj-lt"/>
+                <a:latin typeface="+mn-lt"/>
               </a:rPr>
-              <a:t>David E. Bernholdt, Anshu Dubey, and Patricia A. Grubel, Better Scientific Software tutorial, in NOAA Global Systems Laboratory, Boulder, Colorado, 2023. DOI: </a:t>
+              <a:t>Anshu Dubey, David E. Bernholdt, Greg Becker, and Jared O’Neal, Software Productivity and Sustainability track, in Argonne Training Program on Extreme-Scale Computing, St. Charles, Illinois, 2023. DOI: </a:t>
             </a:r>
             <a:r>
               <a:rPr lang="en-US" sz="1600" b="0" i="0" u="none" strike="noStrike" dirty="0">
@@ -4169,10 +4169,10 @@
                   <a:srgbClr val="2A7AE2"/>
                 </a:solidFill>
                 <a:effectLst/>
-                <a:latin typeface="+mj-lt"/>
+                <a:latin typeface="+mn-lt"/>
                 <a:hlinkClick r:id="rId4"/>
               </a:rPr>
-              <a:t>10.6084/m9.figshare.23796606</a:t>
+              <a:t>10.6084/m9.figshare.23823822</a:t>
             </a:r>
             <a:r>
               <a:rPr lang="en-US" sz="1600" b="0" i="0" dirty="0">
@@ -4180,7 +4180,7 @@
                   <a:srgbClr val="111111"/>
                 </a:solidFill>
                 <a:effectLst/>
-                <a:latin typeface="+mj-lt"/>
+                <a:latin typeface="+mn-lt"/>
               </a:rPr>
               <a:t>.</a:t>
             </a:r>
@@ -5276,6 +5276,21 @@
 </file>
 
 <file path=customXml/item1.xml><?xml version="1.0" encoding="utf-8"?>
+<?mso-contentType ?>
+<FormTemplates xmlns="http://schemas.microsoft.com/sharepoint/v3/contenttype/forms">
+  <Display>DocumentLibraryForm</Display>
+  <Edit>DocumentLibraryForm</Edit>
+  <New>DocumentLibraryForm</New>
+</FormTemplates>
+</file>
+
+<file path=customXml/item2.xml><?xml version="1.0" encoding="utf-8"?>
+<p:properties xmlns:p="http://schemas.microsoft.com/office/2006/metadata/properties" xmlns:xsi="http://www.w3.org/2001/XMLSchema-instance" xmlns:pc="http://schemas.microsoft.com/office/infopath/2007/PartnerControls">
+  <documentManagement/>
+</p:properties>
+</file>
+
+<file path=customXml/item3.xml><?xml version="1.0" encoding="utf-8"?>
 <ct:contentTypeSchema xmlns:ct="http://schemas.microsoft.com/office/2006/metadata/contentType" xmlns:ma="http://schemas.microsoft.com/office/2006/metadata/properties/metaAttributes" ct:_="" ma:_="" ma:contentTypeName="Document" ma:contentTypeID="0x010100565464437F680748A68B85EB6594EA7D" ma:contentTypeVersion="0" ma:contentTypeDescription="Create a new document." ma:contentTypeScope="" ma:versionID="fe3f4dd58d5914c51cfc6deaa8ad845c">
   <xsd:schema xmlns:xsd="http://www.w3.org/2001/XMLSchema" xmlns:p="http://schemas.microsoft.com/office/2006/metadata/properties" targetNamespace="http://schemas.microsoft.com/office/2006/metadata/properties" ma:root="true" ma:fieldsID="4aeb20c0e3442673af7ee10786458764">
     <xsd:element name="properties">
@@ -5324,32 +5339,10 @@
 </ct:contentTypeSchema>
 </file>
 
-<file path=customXml/item2.xml><?xml version="1.0" encoding="utf-8"?>
-<p:properties xmlns:p="http://schemas.microsoft.com/office/2006/metadata/properties" xmlns:xsi="http://www.w3.org/2001/XMLSchema-instance" xmlns:pc="http://schemas.microsoft.com/office/infopath/2007/PartnerControls">
-  <documentManagement/>
-</p:properties>
-</file>
-
-<file path=customXml/item3.xml><?xml version="1.0" encoding="utf-8"?>
-<?mso-contentType ?>
-<FormTemplates xmlns="http://schemas.microsoft.com/sharepoint/v3/contenttype/forms">
-  <Display>DocumentLibraryForm</Display>
-  <Edit>DocumentLibraryForm</Edit>
-  <New>DocumentLibraryForm</New>
-</FormTemplates>
-</file>
-
 <file path=customXml/itemProps1.xml><?xml version="1.0" encoding="utf-8"?>
-<ds:datastoreItem xmlns:ds="http://schemas.openxmlformats.org/officeDocument/2006/customXml" ds:itemID="{E8DB7DEB-074E-4EE8-9B6E-FD277323109C}">
+<ds:datastoreItem xmlns:ds="http://schemas.openxmlformats.org/officeDocument/2006/customXml" ds:itemID="{19E20559-B232-4371-8690-E3D8007EDB82}">
   <ds:schemaRefs>
-    <ds:schemaRef ds:uri="http://schemas.microsoft.com/office/2006/metadata/contentType"/>
-    <ds:schemaRef ds:uri="http://schemas.microsoft.com/office/2006/metadata/properties/metaAttributes"/>
-    <ds:schemaRef ds:uri="http://www.w3.org/2001/XMLSchema"/>
-    <ds:schemaRef ds:uri="http://schemas.microsoft.com/office/2006/metadata/properties"/>
-    <ds:schemaRef ds:uri="http://schemas.openxmlformats.org/package/2006/metadata/core-properties"/>
-    <ds:schemaRef ds:uri="http://purl.org/dc/elements/1.1/"/>
-    <ds:schemaRef ds:uri="http://purl.org/dc/terms/"/>
-    <ds:schemaRef ds:uri="http://schemas.microsoft.com/office/internal/2005/internalDocumentation"/>
+    <ds:schemaRef ds:uri="http://schemas.microsoft.com/sharepoint/v3/contenttype/forms"/>
   </ds:schemaRefs>
 </ds:datastoreItem>
 </file>
@@ -5370,9 +5363,16 @@
 </file>
 
 <file path=customXml/itemProps3.xml><?xml version="1.0" encoding="utf-8"?>
-<ds:datastoreItem xmlns:ds="http://schemas.openxmlformats.org/officeDocument/2006/customXml" ds:itemID="{19E20559-B232-4371-8690-E3D8007EDB82}">
+<ds:datastoreItem xmlns:ds="http://schemas.openxmlformats.org/officeDocument/2006/customXml" ds:itemID="{E8DB7DEB-074E-4EE8-9B6E-FD277323109C}">
   <ds:schemaRefs>
-    <ds:schemaRef ds:uri="http://schemas.microsoft.com/sharepoint/v3/contenttype/forms"/>
+    <ds:schemaRef ds:uri="http://schemas.microsoft.com/office/2006/metadata/contentType"/>
+    <ds:schemaRef ds:uri="http://schemas.microsoft.com/office/2006/metadata/properties/metaAttributes"/>
+    <ds:schemaRef ds:uri="http://www.w3.org/2001/XMLSchema"/>
+    <ds:schemaRef ds:uri="http://schemas.microsoft.com/office/2006/metadata/properties"/>
+    <ds:schemaRef ds:uri="http://schemas.openxmlformats.org/package/2006/metadata/core-properties"/>
+    <ds:schemaRef ds:uri="http://purl.org/dc/elements/1.1/"/>
+    <ds:schemaRef ds:uri="http://purl.org/dc/terms/"/>
+    <ds:schemaRef ds:uri="http://schemas.microsoft.com/office/internal/2005/internalDocumentation"/>
   </ds:schemaRefs>
 </ds:datastoreItem>
 </file>
--- a/license-master.pptx
+++ b/license-master.pptx
@@ -255,7 +255,7 @@
           <a:p>
             <a:fld id="{0B842F42-2CE9-4E35-95C1-410DC08A50B1}" type="datetimeFigureOut">
               <a:rPr lang="en-US" smtClean="0"/>
-              <a:t>8/2/2023</a:t>
+              <a:t>10/26/2023</a:t>
             </a:fld>
             <a:endParaRPr lang="en-US"/>
           </a:p>
@@ -420,7 +420,7 @@
           <a:p>
             <a:fld id="{6F282904-F315-4730-8D91-37D99E141A6F}" type="datetimeFigureOut">
               <a:rPr lang="en-US" smtClean="0"/>
-              <a:t>8/2/2023</a:t>
+              <a:t>10/26/2023</a:t>
             </a:fld>
             <a:endParaRPr lang="en-US"/>
           </a:p>
@@ -4161,7 +4161,7 @@
                 <a:effectLst/>
                 <a:latin typeface="+mn-lt"/>
               </a:rPr>
-              <a:t>Anshu Dubey, David E. Bernholdt, Greg Becker, and Jared O’Neal, Software Productivity and Sustainability track, in Argonne Training Program on Extreme-Scale Computing, St. Charles, Illinois, 2023. DOI: </a:t>
+              <a:t>David E. Bernholdt, Patricia A. Grubel, David M. Rogers, and Gregory R. Watson, Better Software for Reproducible Science tutorial, in The International Conference for High-Performance Computing, Networking, Storage, and Analysis (SC23), Denver, Colorado, 2023. DOI: </a:t>
             </a:r>
             <a:r>
               <a:rPr lang="en-US" sz="1600" b="0" i="0" u="none" strike="noStrike" dirty="0">
@@ -4172,7 +4172,7 @@
                 <a:latin typeface="+mn-lt"/>
                 <a:hlinkClick r:id="rId4"/>
               </a:rPr>
-              <a:t>10.6084/m9.figshare.23823822</a:t>
+              <a:t>10.6084/m9.figshare.24226105</a:t>
             </a:r>
             <a:r>
               <a:rPr lang="en-US" sz="1600" b="0" i="0" dirty="0">
@@ -5276,21 +5276,6 @@
 </file>
 
 <file path=customXml/item1.xml><?xml version="1.0" encoding="utf-8"?>
-<?mso-contentType ?>
-<FormTemplates xmlns="http://schemas.microsoft.com/sharepoint/v3/contenttype/forms">
-  <Display>DocumentLibraryForm</Display>
-  <Edit>DocumentLibraryForm</Edit>
-  <New>DocumentLibraryForm</New>
-</FormTemplates>
-</file>
-
-<file path=customXml/item2.xml><?xml version="1.0" encoding="utf-8"?>
-<p:properties xmlns:p="http://schemas.microsoft.com/office/2006/metadata/properties" xmlns:xsi="http://www.w3.org/2001/XMLSchema-instance" xmlns:pc="http://schemas.microsoft.com/office/infopath/2007/PartnerControls">
-  <documentManagement/>
-</p:properties>
-</file>
-
-<file path=customXml/item3.xml><?xml version="1.0" encoding="utf-8"?>
 <ct:contentTypeSchema xmlns:ct="http://schemas.microsoft.com/office/2006/metadata/contentType" xmlns:ma="http://schemas.microsoft.com/office/2006/metadata/properties/metaAttributes" ct:_="" ma:_="" ma:contentTypeName="Document" ma:contentTypeID="0x010100565464437F680748A68B85EB6594EA7D" ma:contentTypeVersion="0" ma:contentTypeDescription="Create a new document." ma:contentTypeScope="" ma:versionID="fe3f4dd58d5914c51cfc6deaa8ad845c">
   <xsd:schema xmlns:xsd="http://www.w3.org/2001/XMLSchema" xmlns:p="http://schemas.microsoft.com/office/2006/metadata/properties" targetNamespace="http://schemas.microsoft.com/office/2006/metadata/properties" ma:root="true" ma:fieldsID="4aeb20c0e3442673af7ee10786458764">
     <xsd:element name="properties">
@@ -5339,10 +5324,32 @@
 </ct:contentTypeSchema>
 </file>
 
+<file path=customXml/item2.xml><?xml version="1.0" encoding="utf-8"?>
+<p:properties xmlns:p="http://schemas.microsoft.com/office/2006/metadata/properties" xmlns:xsi="http://www.w3.org/2001/XMLSchema-instance" xmlns:pc="http://schemas.microsoft.com/office/infopath/2007/PartnerControls">
+  <documentManagement/>
+</p:properties>
+</file>
+
+<file path=customXml/item3.xml><?xml version="1.0" encoding="utf-8"?>
+<?mso-contentType ?>
+<FormTemplates xmlns="http://schemas.microsoft.com/sharepoint/v3/contenttype/forms">
+  <Display>DocumentLibraryForm</Display>
+  <Edit>DocumentLibraryForm</Edit>
+  <New>DocumentLibraryForm</New>
+</FormTemplates>
+</file>
+
 <file path=customXml/itemProps1.xml><?xml version="1.0" encoding="utf-8"?>
-<ds:datastoreItem xmlns:ds="http://schemas.openxmlformats.org/officeDocument/2006/customXml" ds:itemID="{19E20559-B232-4371-8690-E3D8007EDB82}">
+<ds:datastoreItem xmlns:ds="http://schemas.openxmlformats.org/officeDocument/2006/customXml" ds:itemID="{E8DB7DEB-074E-4EE8-9B6E-FD277323109C}">
   <ds:schemaRefs>
-    <ds:schemaRef ds:uri="http://schemas.microsoft.com/sharepoint/v3/contenttype/forms"/>
+    <ds:schemaRef ds:uri="http://schemas.microsoft.com/office/2006/metadata/contentType"/>
+    <ds:schemaRef ds:uri="http://schemas.microsoft.com/office/2006/metadata/properties/metaAttributes"/>
+    <ds:schemaRef ds:uri="http://www.w3.org/2001/XMLSchema"/>
+    <ds:schemaRef ds:uri="http://schemas.microsoft.com/office/2006/metadata/properties"/>
+    <ds:schemaRef ds:uri="http://schemas.openxmlformats.org/package/2006/metadata/core-properties"/>
+    <ds:schemaRef ds:uri="http://purl.org/dc/elements/1.1/"/>
+    <ds:schemaRef ds:uri="http://purl.org/dc/terms/"/>
+    <ds:schemaRef ds:uri="http://schemas.microsoft.com/office/internal/2005/internalDocumentation"/>
   </ds:schemaRefs>
 </ds:datastoreItem>
 </file>
@@ -5363,16 +5370,9 @@
 </file>
 
 <file path=customXml/itemProps3.xml><?xml version="1.0" encoding="utf-8"?>
-<ds:datastoreItem xmlns:ds="http://schemas.openxmlformats.org/officeDocument/2006/customXml" ds:itemID="{E8DB7DEB-074E-4EE8-9B6E-FD277323109C}">
+<ds:datastoreItem xmlns:ds="http://schemas.openxmlformats.org/officeDocument/2006/customXml" ds:itemID="{19E20559-B232-4371-8690-E3D8007EDB82}">
   <ds:schemaRefs>
-    <ds:schemaRef ds:uri="http://schemas.microsoft.com/office/2006/metadata/contentType"/>
-    <ds:schemaRef ds:uri="http://schemas.microsoft.com/office/2006/metadata/properties/metaAttributes"/>
-    <ds:schemaRef ds:uri="http://www.w3.org/2001/XMLSchema"/>
-    <ds:schemaRef ds:uri="http://schemas.microsoft.com/office/2006/metadata/properties"/>
-    <ds:schemaRef ds:uri="http://schemas.openxmlformats.org/package/2006/metadata/core-properties"/>
-    <ds:schemaRef ds:uri="http://purl.org/dc/elements/1.1/"/>
-    <ds:schemaRef ds:uri="http://purl.org/dc/terms/"/>
-    <ds:schemaRef ds:uri="http://schemas.microsoft.com/office/internal/2005/internalDocumentation"/>
+    <ds:schemaRef ds:uri="http://schemas.microsoft.com/sharepoint/v3/contenttype/forms"/>
   </ds:schemaRefs>
 </ds:datastoreItem>
 </file>
--- a/license-master.pptx
+++ b/license-master.pptx
@@ -255,7 +255,7 @@
           <a:p>
             <a:fld id="{0B842F42-2CE9-4E35-95C1-410DC08A50B1}" type="datetimeFigureOut">
               <a:rPr lang="en-US" smtClean="0"/>
-              <a:t>10/26/2023</a:t>
+              <a:t>4/24/2024</a:t>
             </a:fld>
             <a:endParaRPr lang="en-US"/>
           </a:p>
@@ -420,7 +420,7 @@
           <a:p>
             <a:fld id="{6F282904-F315-4730-8D91-37D99E141A6F}" type="datetimeFigureOut">
               <a:rPr lang="en-US" smtClean="0"/>
-              <a:t>10/26/2023</a:t>
+              <a:t>4/24/2024</a:t>
             </a:fld>
             <a:endParaRPr lang="en-US"/>
           </a:p>
@@ -4161,7 +4161,7 @@
                 <a:effectLst/>
                 <a:latin typeface="+mn-lt"/>
               </a:rPr>
-              <a:t>David E. Bernholdt, Patricia A. Grubel, David M. Rogers, and Gregory R. Watson, Better Software for Reproducible Science tutorial, in The International Conference for High-Performance Computing, Networking, Storage, and Analysis (SC23), Denver, Colorado, 2023. DOI: </a:t>
+              <a:t>Anshu Dubey, Better Scientific Software tutorial, in ISC High Performance (ISC24), Hamburg, Germany, and online, 2024. DOI: </a:t>
             </a:r>
             <a:r>
               <a:rPr lang="en-US" sz="1600" b="0" i="0" u="none" strike="noStrike" dirty="0">
@@ -4172,7 +4172,7 @@
                 <a:latin typeface="+mn-lt"/>
                 <a:hlinkClick r:id="rId4"/>
               </a:rPr>
-              <a:t>10.6084/m9.figshare.24226105</a:t>
+              <a:t>10.6084/m9.figshare.25686426</a:t>
             </a:r>
             <a:r>
               <a:rPr lang="en-US" sz="1600" b="0" i="0" dirty="0">
@@ -4244,7 +4244,20 @@
               <a:rPr lang="en-US" sz="1400" i="1" dirty="0"/>
               <a:t>.</a:t>
             </a:r>
-            <a:endParaRPr lang="en-US" sz="1400" dirty="0"/>
+          </a:p>
+          <a:p>
+            <a:pPr>
+              <a:spcBef>
+                <a:spcPts val="400"/>
+              </a:spcBef>
+            </a:pPr>
+            <a:r>
+              <a:rPr lang="en-US" sz="1400" b="0" i="0" dirty="0">
+                <a:effectLst/>
+                <a:latin typeface="+mn-lt"/>
+              </a:rPr>
+              <a:t>This work was supported by the U.S. Department of Energy, Office of Science, Office of Advanced Scientific Computing Research, Next-Generation Scientific Software Technologies (NGSST) program.</a:t>
+            </a:r>
           </a:p>
           <a:p>
             <a:pPr>
@@ -5276,6 +5289,21 @@
 </file>
 
 <file path=customXml/item1.xml><?xml version="1.0" encoding="utf-8"?>
+<?mso-contentType ?>
+<FormTemplates xmlns="http://schemas.microsoft.com/sharepoint/v3/contenttype/forms">
+  <Display>DocumentLibraryForm</Display>
+  <Edit>DocumentLibraryForm</Edit>
+  <New>DocumentLibraryForm</New>
+</FormTemplates>
+</file>
+
+<file path=customXml/item2.xml><?xml version="1.0" encoding="utf-8"?>
+<p:properties xmlns:p="http://schemas.microsoft.com/office/2006/metadata/properties" xmlns:xsi="http://www.w3.org/2001/XMLSchema-instance" xmlns:pc="http://schemas.microsoft.com/office/infopath/2007/PartnerControls">
+  <documentManagement/>
+</p:properties>
+</file>
+
+<file path=customXml/item3.xml><?xml version="1.0" encoding="utf-8"?>
 <ct:contentTypeSchema xmlns:ct="http://schemas.microsoft.com/office/2006/metadata/contentType" xmlns:ma="http://schemas.microsoft.com/office/2006/metadata/properties/metaAttributes" ct:_="" ma:_="" ma:contentTypeName="Document" ma:contentTypeID="0x010100565464437F680748A68B85EB6594EA7D" ma:contentTypeVersion="0" ma:contentTypeDescription="Create a new document." ma:contentTypeScope="" ma:versionID="fe3f4dd58d5914c51cfc6deaa8ad845c">
   <xsd:schema xmlns:xsd="http://www.w3.org/2001/XMLSchema" xmlns:p="http://schemas.microsoft.com/office/2006/metadata/properties" targetNamespace="http://schemas.microsoft.com/office/2006/metadata/properties" ma:root="true" ma:fieldsID="4aeb20c0e3442673af7ee10786458764">
     <xsd:element name="properties">
@@ -5324,32 +5352,10 @@
 </ct:contentTypeSchema>
 </file>
 
-<file path=customXml/item2.xml><?xml version="1.0" encoding="utf-8"?>
-<p:properties xmlns:p="http://schemas.microsoft.com/office/2006/metadata/properties" xmlns:xsi="http://www.w3.org/2001/XMLSchema-instance" xmlns:pc="http://schemas.microsoft.com/office/infopath/2007/PartnerControls">
-  <documentManagement/>
-</p:properties>
-</file>
-
-<file path=customXml/item3.xml><?xml version="1.0" encoding="utf-8"?>
-<?mso-contentType ?>
-<FormTemplates xmlns="http://schemas.microsoft.com/sharepoint/v3/contenttype/forms">
-  <Display>DocumentLibraryForm</Display>
-  <Edit>DocumentLibraryForm</Edit>
-  <New>DocumentLibraryForm</New>
-</FormTemplates>
-</file>
-
 <file path=customXml/itemProps1.xml><?xml version="1.0" encoding="utf-8"?>
-<ds:datastoreItem xmlns:ds="http://schemas.openxmlformats.org/officeDocument/2006/customXml" ds:itemID="{E8DB7DEB-074E-4EE8-9B6E-FD277323109C}">
+<ds:datastoreItem xmlns:ds="http://schemas.openxmlformats.org/officeDocument/2006/customXml" ds:itemID="{19E20559-B232-4371-8690-E3D8007EDB82}">
   <ds:schemaRefs>
-    <ds:schemaRef ds:uri="http://schemas.microsoft.com/office/2006/metadata/contentType"/>
-    <ds:schemaRef ds:uri="http://schemas.microsoft.com/office/2006/metadata/properties/metaAttributes"/>
-    <ds:schemaRef ds:uri="http://www.w3.org/2001/XMLSchema"/>
-    <ds:schemaRef ds:uri="http://schemas.microsoft.com/office/2006/metadata/properties"/>
-    <ds:schemaRef ds:uri="http://schemas.openxmlformats.org/package/2006/metadata/core-properties"/>
-    <ds:schemaRef ds:uri="http://purl.org/dc/elements/1.1/"/>
-    <ds:schemaRef ds:uri="http://purl.org/dc/terms/"/>
-    <ds:schemaRef ds:uri="http://schemas.microsoft.com/office/internal/2005/internalDocumentation"/>
+    <ds:schemaRef ds:uri="http://schemas.microsoft.com/sharepoint/v3/contenttype/forms"/>
   </ds:schemaRefs>
 </ds:datastoreItem>
 </file>
@@ -5370,9 +5376,16 @@
 </file>
 
 <file path=customXml/itemProps3.xml><?xml version="1.0" encoding="utf-8"?>
-<ds:datastoreItem xmlns:ds="http://schemas.openxmlformats.org/officeDocument/2006/customXml" ds:itemID="{19E20559-B232-4371-8690-E3D8007EDB82}">
+<ds:datastoreItem xmlns:ds="http://schemas.openxmlformats.org/officeDocument/2006/customXml" ds:itemID="{E8DB7DEB-074E-4EE8-9B6E-FD277323109C}">
   <ds:schemaRefs>
-    <ds:schemaRef ds:uri="http://schemas.microsoft.com/sharepoint/v3/contenttype/forms"/>
+    <ds:schemaRef ds:uri="http://schemas.microsoft.com/office/2006/metadata/contentType"/>
+    <ds:schemaRef ds:uri="http://schemas.microsoft.com/office/2006/metadata/properties/metaAttributes"/>
+    <ds:schemaRef ds:uri="http://www.w3.org/2001/XMLSchema"/>
+    <ds:schemaRef ds:uri="http://schemas.microsoft.com/office/2006/metadata/properties"/>
+    <ds:schemaRef ds:uri="http://schemas.openxmlformats.org/package/2006/metadata/core-properties"/>
+    <ds:schemaRef ds:uri="http://purl.org/dc/elements/1.1/"/>
+    <ds:schemaRef ds:uri="http://purl.org/dc/terms/"/>
+    <ds:schemaRef ds:uri="http://schemas.microsoft.com/office/internal/2005/internalDocumentation"/>
   </ds:schemaRefs>
 </ds:datastoreItem>
 </file>
--- a/license-master.pptx
+++ b/license-master.pptx
@@ -255,7 +255,7 @@
           <a:p>
             <a:fld id="{0B842F42-2CE9-4E35-95C1-410DC08A50B1}" type="datetimeFigureOut">
               <a:rPr lang="en-US" smtClean="0"/>
-              <a:t>4/24/2024</a:t>
+              <a:t>6/11/2024</a:t>
             </a:fld>
             <a:endParaRPr lang="en-US"/>
           </a:p>
@@ -420,7 +420,7 @@
           <a:p>
             <a:fld id="{6F282904-F315-4730-8D91-37D99E141A6F}" type="datetimeFigureOut">
               <a:rPr lang="en-US" smtClean="0"/>
-              <a:t>4/24/2024</a:t>
+              <a:t>6/11/2024</a:t>
             </a:fld>
             <a:endParaRPr lang="en-US"/>
           </a:p>
@@ -3406,36 +3406,6 @@
           </a:p>
         </p:txBody>
       </p:sp>
-      <p:pic>
-        <p:nvPicPr>
-          <p:cNvPr id="13" name="Picture 12"/>
-          <p:cNvPicPr>
-            <a:picLocks noChangeAspect="1"/>
-          </p:cNvPicPr>
-          <p:nvPr userDrawn="1"/>
-        </p:nvPicPr>
-        <p:blipFill>
-          <a:blip r:embed="rId9" cstate="print">
-            <a:extLst>
-              <a:ext uri="{28A0092B-C50C-407E-A947-70E740481C1C}">
-                <a14:useLocalDpi xmlns:a14="http://schemas.microsoft.com/office/drawing/2010/main" val="0"/>
-              </a:ext>
-            </a:extLst>
-          </a:blip>
-          <a:stretch>
-            <a:fillRect/>
-          </a:stretch>
-        </p:blipFill>
-        <p:spPr>
-          <a:xfrm>
-            <a:off x="9741160" y="6185919"/>
-            <a:ext cx="1971212" cy="533060"/>
-          </a:xfrm>
-          <a:prstGeom prst="rect">
-            <a:avLst/>
-          </a:prstGeom>
-        </p:spPr>
-      </p:pic>
       <p:sp>
         <p:nvSpPr>
           <p:cNvPr id="8" name="Rectangle 256"/>
@@ -3539,42 +3509,6 @@
           </a:p>
         </p:txBody>
       </p:sp>
-      <p:pic>
-        <p:nvPicPr>
-          <p:cNvPr id="3" name="Picture 2" descr="A picture containing shape&#10;&#10;Description automatically generated">
-            <a:extLst>
-              <a:ext uri="{FF2B5EF4-FFF2-40B4-BE49-F238E27FC236}">
-                <a16:creationId xmlns:a16="http://schemas.microsoft.com/office/drawing/2014/main" id="{2A4943B8-0F89-4A94-B130-A128F45E57C4}"/>
-              </a:ext>
-            </a:extLst>
-          </p:cNvPr>
-          <p:cNvPicPr>
-            <a:picLocks noChangeAspect="1"/>
-          </p:cNvPicPr>
-          <p:nvPr userDrawn="1"/>
-        </p:nvPicPr>
-        <p:blipFill>
-          <a:blip r:embed="rId10">
-            <a:extLst>
-              <a:ext uri="{28A0092B-C50C-407E-A947-70E740481C1C}">
-                <a14:useLocalDpi xmlns:a14="http://schemas.microsoft.com/office/drawing/2010/main" val="0"/>
-              </a:ext>
-            </a:extLst>
-          </a:blip>
-          <a:stretch>
-            <a:fillRect/>
-          </a:stretch>
-        </p:blipFill>
-        <p:spPr>
-          <a:xfrm>
-            <a:off x="7806050" y="6114121"/>
-            <a:ext cx="1560289" cy="676656"/>
-          </a:xfrm>
-          <a:prstGeom prst="rect">
-            <a:avLst/>
-          </a:prstGeom>
-        </p:spPr>
-      </p:pic>
     </p:spTree>
     <p:extLst>
       <p:ext uri="{BB962C8B-B14F-4D97-AF65-F5344CB8AC3E}">
@@ -4154,36 +4088,26 @@
               <a:t>The requested citation the overall tutorial is: </a:t>
             </a:r>
             <a:r>
-              <a:rPr lang="en-US" sz="1600" b="0" i="0" dirty="0">
-                <a:solidFill>
-                  <a:srgbClr val="111111"/>
-                </a:solidFill>
-                <a:effectLst/>
-                <a:latin typeface="+mn-lt"/>
-              </a:rPr>
-              <a:t>Anshu Dubey, Better Scientific Software tutorial, in ISC High Performance (ISC24), Hamburg, Germany, and online, 2024. DOI: </a:t>
-            </a:r>
-            <a:r>
-              <a:rPr lang="en-US" sz="1600" b="0" i="0" u="none" strike="noStrike" dirty="0">
-                <a:solidFill>
-                  <a:srgbClr val="2A7AE2"/>
-                </a:solidFill>
-                <a:effectLst/>
-                <a:latin typeface="+mn-lt"/>
+              <a:rPr lang="en-US" sz="1600" dirty="0"/>
+              <a:t>Anshu Dubey and Gregory R. Watson, Software Practices for Reproducible Science tutorial, in 2024 ACM Conference on Reproducibility and Replicability (ACM-REP), Rennes, France and online, 2024. DOI: </a:t>
+            </a:r>
+            <a:r>
+              <a:rPr lang="en-US" sz="1600" dirty="0">
                 <a:hlinkClick r:id="rId4"/>
               </a:rPr>
-              <a:t>10.6084/m9.figshare.25686426</a:t>
-            </a:r>
-            <a:r>
-              <a:rPr lang="en-US" sz="1600" b="0" i="0" dirty="0">
-                <a:solidFill>
-                  <a:srgbClr val="111111"/>
-                </a:solidFill>
-                <a:effectLst/>
-                <a:latin typeface="+mn-lt"/>
-              </a:rPr>
+              <a:t>10.6084/m9.figshare.26019469</a:t>
+            </a:r>
+            <a:r>
+              <a:rPr lang="en-US" sz="1600" b="1" dirty="0"/>
               <a:t>.</a:t>
             </a:r>
+            <a:endParaRPr lang="en-US" sz="1600" b="0" i="0" dirty="0">
+              <a:solidFill>
+                <a:srgbClr val="111111"/>
+              </a:solidFill>
+              <a:effectLst/>
+              <a:latin typeface="+mn-lt"/>
+            </a:endParaRPr>
           </a:p>
           <a:p>
             <a:pPr>
@@ -5289,21 +5213,6 @@
 </file>
 
 <file path=customXml/item1.xml><?xml version="1.0" encoding="utf-8"?>
-<?mso-contentType ?>
-<FormTemplates xmlns="http://schemas.microsoft.com/sharepoint/v3/contenttype/forms">
-  <Display>DocumentLibraryForm</Display>
-  <Edit>DocumentLibraryForm</Edit>
-  <New>DocumentLibraryForm</New>
-</FormTemplates>
-</file>
-
-<file path=customXml/item2.xml><?xml version="1.0" encoding="utf-8"?>
-<p:properties xmlns:p="http://schemas.microsoft.com/office/2006/metadata/properties" xmlns:xsi="http://www.w3.org/2001/XMLSchema-instance" xmlns:pc="http://schemas.microsoft.com/office/infopath/2007/PartnerControls">
-  <documentManagement/>
-</p:properties>
-</file>
-
-<file path=customXml/item3.xml><?xml version="1.0" encoding="utf-8"?>
 <ct:contentTypeSchema xmlns:ct="http://schemas.microsoft.com/office/2006/metadata/contentType" xmlns:ma="http://schemas.microsoft.com/office/2006/metadata/properties/metaAttributes" ct:_="" ma:_="" ma:contentTypeName="Document" ma:contentTypeID="0x010100565464437F680748A68B85EB6594EA7D" ma:contentTypeVersion="0" ma:contentTypeDescription="Create a new document." ma:contentTypeScope="" ma:versionID="fe3f4dd58d5914c51cfc6deaa8ad845c">
   <xsd:schema xmlns:xsd="http://www.w3.org/2001/XMLSchema" xmlns:p="http://schemas.microsoft.com/office/2006/metadata/properties" targetNamespace="http://schemas.microsoft.com/office/2006/metadata/properties" ma:root="true" ma:fieldsID="4aeb20c0e3442673af7ee10786458764">
     <xsd:element name="properties">
@@ -5352,10 +5261,32 @@
 </ct:contentTypeSchema>
 </file>
 
+<file path=customXml/item2.xml><?xml version="1.0" encoding="utf-8"?>
+<p:properties xmlns:p="http://schemas.microsoft.com/office/2006/metadata/properties" xmlns:xsi="http://www.w3.org/2001/XMLSchema-instance" xmlns:pc="http://schemas.microsoft.com/office/infopath/2007/PartnerControls">
+  <documentManagement/>
+</p:properties>
+</file>
+
+<file path=customXml/item3.xml><?xml version="1.0" encoding="utf-8"?>
+<?mso-contentType ?>
+<FormTemplates xmlns="http://schemas.microsoft.com/sharepoint/v3/contenttype/forms">
+  <Display>DocumentLibraryForm</Display>
+  <Edit>DocumentLibraryForm</Edit>
+  <New>DocumentLibraryForm</New>
+</FormTemplates>
+</file>
+
 <file path=customXml/itemProps1.xml><?xml version="1.0" encoding="utf-8"?>
-<ds:datastoreItem xmlns:ds="http://schemas.openxmlformats.org/officeDocument/2006/customXml" ds:itemID="{19E20559-B232-4371-8690-E3D8007EDB82}">
+<ds:datastoreItem xmlns:ds="http://schemas.openxmlformats.org/officeDocument/2006/customXml" ds:itemID="{E8DB7DEB-074E-4EE8-9B6E-FD277323109C}">
   <ds:schemaRefs>
-    <ds:schemaRef ds:uri="http://schemas.microsoft.com/sharepoint/v3/contenttype/forms"/>
+    <ds:schemaRef ds:uri="http://schemas.microsoft.com/office/2006/metadata/contentType"/>
+    <ds:schemaRef ds:uri="http://schemas.microsoft.com/office/2006/metadata/properties/metaAttributes"/>
+    <ds:schemaRef ds:uri="http://www.w3.org/2001/XMLSchema"/>
+    <ds:schemaRef ds:uri="http://schemas.microsoft.com/office/2006/metadata/properties"/>
+    <ds:schemaRef ds:uri="http://schemas.openxmlformats.org/package/2006/metadata/core-properties"/>
+    <ds:schemaRef ds:uri="http://purl.org/dc/elements/1.1/"/>
+    <ds:schemaRef ds:uri="http://purl.org/dc/terms/"/>
+    <ds:schemaRef ds:uri="http://schemas.microsoft.com/office/internal/2005/internalDocumentation"/>
   </ds:schemaRefs>
 </ds:datastoreItem>
 </file>
@@ -5376,16 +5307,9 @@
 </file>
 
 <file path=customXml/itemProps3.xml><?xml version="1.0" encoding="utf-8"?>
-<ds:datastoreItem xmlns:ds="http://schemas.openxmlformats.org/officeDocument/2006/customXml" ds:itemID="{E8DB7DEB-074E-4EE8-9B6E-FD277323109C}">
+<ds:datastoreItem xmlns:ds="http://schemas.openxmlformats.org/officeDocument/2006/customXml" ds:itemID="{19E20559-B232-4371-8690-E3D8007EDB82}">
   <ds:schemaRefs>
-    <ds:schemaRef ds:uri="http://schemas.microsoft.com/office/2006/metadata/contentType"/>
-    <ds:schemaRef ds:uri="http://schemas.microsoft.com/office/2006/metadata/properties/metaAttributes"/>
-    <ds:schemaRef ds:uri="http://www.w3.org/2001/XMLSchema"/>
-    <ds:schemaRef ds:uri="http://schemas.microsoft.com/office/2006/metadata/properties"/>
-    <ds:schemaRef ds:uri="http://schemas.openxmlformats.org/package/2006/metadata/core-properties"/>
-    <ds:schemaRef ds:uri="http://purl.org/dc/elements/1.1/"/>
-    <ds:schemaRef ds:uri="http://purl.org/dc/terms/"/>
-    <ds:schemaRef ds:uri="http://schemas.microsoft.com/office/internal/2005/internalDocumentation"/>
+    <ds:schemaRef ds:uri="http://schemas.microsoft.com/sharepoint/v3/contenttype/forms"/>
   </ds:schemaRefs>
 </ds:datastoreItem>
 </file>
--- a/license-master.pptx
+++ b/license-master.pptx
@@ -255,7 +255,7 @@
           <a:p>
             <a:fld id="{0B842F42-2CE9-4E35-95C1-410DC08A50B1}" type="datetimeFigureOut">
               <a:rPr lang="en-US" smtClean="0"/>
-              <a:t>6/11/2024</a:t>
+              <a:t>7/26/2024</a:t>
             </a:fld>
             <a:endParaRPr lang="en-US"/>
           </a:p>
@@ -420,7 +420,7 @@
           <a:p>
             <a:fld id="{6F282904-F315-4730-8D91-37D99E141A6F}" type="datetimeFigureOut">
               <a:rPr lang="en-US" smtClean="0"/>
-              <a:t>6/11/2024</a:t>
+              <a:t>7/26/2024</a:t>
             </a:fld>
             <a:endParaRPr lang="en-US"/>
           </a:p>
@@ -4089,16 +4089,16 @@
             </a:r>
             <a:r>
               <a:rPr lang="en-US" sz="1600" dirty="0"/>
-              <a:t>Anshu Dubey and Gregory R. Watson, Software Practices for Reproducible Science tutorial, in 2024 ACM Conference on Reproducibility and Replicability (ACM-REP), Rennes, France and online, 2024. DOI: </a:t>
+              <a:t>Anshu Dubey, David E. Bernholdt, Todd Gamblin, and Jared O’Neal, Software Productivity and Sustainability track, in Argonne Training Program on Extreme-Scale Computing, St. Charles, Illinois, 2024. DOI: </a:t>
             </a:r>
             <a:r>
               <a:rPr lang="en-US" sz="1600" dirty="0">
                 <a:hlinkClick r:id="rId4"/>
               </a:rPr>
-              <a:t>10.6084/m9.figshare.26019469</a:t>
-            </a:r>
-            <a:r>
-              <a:rPr lang="en-US" sz="1600" b="1" dirty="0"/>
+              <a:t>10.6084/m9.figshare.26384188</a:t>
+            </a:r>
+            <a:r>
+              <a:rPr lang="en-US" sz="1600" dirty="0"/>
               <a:t>.</a:t>
             </a:r>
             <a:endParaRPr lang="en-US" sz="1600" b="0" i="0" dirty="0">
@@ -5213,6 +5213,21 @@
 </file>
 
 <file path=customXml/item1.xml><?xml version="1.0" encoding="utf-8"?>
+<?mso-contentType ?>
+<FormTemplates xmlns="http://schemas.microsoft.com/sharepoint/v3/contenttype/forms">
+  <Display>DocumentLibraryForm</Display>
+  <Edit>DocumentLibraryForm</Edit>
+  <New>DocumentLibraryForm</New>
+</FormTemplates>
+</file>
+
+<file path=customXml/item2.xml><?xml version="1.0" encoding="utf-8"?>
+<p:properties xmlns:p="http://schemas.microsoft.com/office/2006/metadata/properties" xmlns:xsi="http://www.w3.org/2001/XMLSchema-instance" xmlns:pc="http://schemas.microsoft.com/office/infopath/2007/PartnerControls">
+  <documentManagement/>
+</p:properties>
+</file>
+
+<file path=customXml/item3.xml><?xml version="1.0" encoding="utf-8"?>
 <ct:contentTypeSchema xmlns:ct="http://schemas.microsoft.com/office/2006/metadata/contentType" xmlns:ma="http://schemas.microsoft.com/office/2006/metadata/properties/metaAttributes" ct:_="" ma:_="" ma:contentTypeName="Document" ma:contentTypeID="0x010100565464437F680748A68B85EB6594EA7D" ma:contentTypeVersion="0" ma:contentTypeDescription="Create a new document." ma:contentTypeScope="" ma:versionID="fe3f4dd58d5914c51cfc6deaa8ad845c">
   <xsd:schema xmlns:xsd="http://www.w3.org/2001/XMLSchema" xmlns:p="http://schemas.microsoft.com/office/2006/metadata/properties" targetNamespace="http://schemas.microsoft.com/office/2006/metadata/properties" ma:root="true" ma:fieldsID="4aeb20c0e3442673af7ee10786458764">
     <xsd:element name="properties">
@@ -5261,32 +5276,10 @@
 </ct:contentTypeSchema>
 </file>
 
-<file path=customXml/item2.xml><?xml version="1.0" encoding="utf-8"?>
-<p:properties xmlns:p="http://schemas.microsoft.com/office/2006/metadata/properties" xmlns:xsi="http://www.w3.org/2001/XMLSchema-instance" xmlns:pc="http://schemas.microsoft.com/office/infopath/2007/PartnerControls">
-  <documentManagement/>
-</p:properties>
-</file>
-
-<file path=customXml/item3.xml><?xml version="1.0" encoding="utf-8"?>
-<?mso-contentType ?>
-<FormTemplates xmlns="http://schemas.microsoft.com/sharepoint/v3/contenttype/forms">
-  <Display>DocumentLibraryForm</Display>
-  <Edit>DocumentLibraryForm</Edit>
-  <New>DocumentLibraryForm</New>
-</FormTemplates>
-</file>
-
 <file path=customXml/itemProps1.xml><?xml version="1.0" encoding="utf-8"?>
-<ds:datastoreItem xmlns:ds="http://schemas.openxmlformats.org/officeDocument/2006/customXml" ds:itemID="{E8DB7DEB-074E-4EE8-9B6E-FD277323109C}">
+<ds:datastoreItem xmlns:ds="http://schemas.openxmlformats.org/officeDocument/2006/customXml" ds:itemID="{19E20559-B232-4371-8690-E3D8007EDB82}">
   <ds:schemaRefs>
-    <ds:schemaRef ds:uri="http://schemas.microsoft.com/office/2006/metadata/contentType"/>
-    <ds:schemaRef ds:uri="http://schemas.microsoft.com/office/2006/metadata/properties/metaAttributes"/>
-    <ds:schemaRef ds:uri="http://www.w3.org/2001/XMLSchema"/>
-    <ds:schemaRef ds:uri="http://schemas.microsoft.com/office/2006/metadata/properties"/>
-    <ds:schemaRef ds:uri="http://schemas.openxmlformats.org/package/2006/metadata/core-properties"/>
-    <ds:schemaRef ds:uri="http://purl.org/dc/elements/1.1/"/>
-    <ds:schemaRef ds:uri="http://purl.org/dc/terms/"/>
-    <ds:schemaRef ds:uri="http://schemas.microsoft.com/office/internal/2005/internalDocumentation"/>
+    <ds:schemaRef ds:uri="http://schemas.microsoft.com/sharepoint/v3/contenttype/forms"/>
   </ds:schemaRefs>
 </ds:datastoreItem>
 </file>
@@ -5307,9 +5300,16 @@
 </file>
 
 <file path=customXml/itemProps3.xml><?xml version="1.0" encoding="utf-8"?>
-<ds:datastoreItem xmlns:ds="http://schemas.openxmlformats.org/officeDocument/2006/customXml" ds:itemID="{19E20559-B232-4371-8690-E3D8007EDB82}">
+<ds:datastoreItem xmlns:ds="http://schemas.openxmlformats.org/officeDocument/2006/customXml" ds:itemID="{E8DB7DEB-074E-4EE8-9B6E-FD277323109C}">
   <ds:schemaRefs>
-    <ds:schemaRef ds:uri="http://schemas.microsoft.com/sharepoint/v3/contenttype/forms"/>
+    <ds:schemaRef ds:uri="http://schemas.microsoft.com/office/2006/metadata/contentType"/>
+    <ds:schemaRef ds:uri="http://schemas.microsoft.com/office/2006/metadata/properties/metaAttributes"/>
+    <ds:schemaRef ds:uri="http://www.w3.org/2001/XMLSchema"/>
+    <ds:schemaRef ds:uri="http://schemas.microsoft.com/office/2006/metadata/properties"/>
+    <ds:schemaRef ds:uri="http://schemas.openxmlformats.org/package/2006/metadata/core-properties"/>
+    <ds:schemaRef ds:uri="http://purl.org/dc/elements/1.1/"/>
+    <ds:schemaRef ds:uri="http://purl.org/dc/terms/"/>
+    <ds:schemaRef ds:uri="http://schemas.microsoft.com/office/internal/2005/internalDocumentation"/>
   </ds:schemaRefs>
 </ds:datastoreItem>
 </file>